--- a/Video Classification using Deep Learning.pptx
+++ b/Video Classification using Deep Learning.pptx
@@ -5,30 +5,36 @@
     <p:sldMasterId id="2147483648" r:id="rId1"/>
   </p:sldMasterIdLst>
   <p:notesMasterIdLst>
-    <p:notesMasterId r:id="rId20"/>
+    <p:notesMasterId r:id="rId26"/>
   </p:notesMasterIdLst>
   <p:handoutMasterIdLst>
-    <p:handoutMasterId r:id="rId21"/>
+    <p:handoutMasterId r:id="rId27"/>
   </p:handoutMasterIdLst>
   <p:sldIdLst>
     <p:sldId id="256" r:id="rId2"/>
-    <p:sldId id="284" r:id="rId3"/>
-    <p:sldId id="285" r:id="rId4"/>
-    <p:sldId id="292" r:id="rId5"/>
-    <p:sldId id="286" r:id="rId6"/>
-    <p:sldId id="290" r:id="rId7"/>
-    <p:sldId id="291" r:id="rId8"/>
-    <p:sldId id="293" r:id="rId9"/>
-    <p:sldId id="294" r:id="rId10"/>
-    <p:sldId id="295" r:id="rId11"/>
-    <p:sldId id="289" r:id="rId12"/>
-    <p:sldId id="296" r:id="rId13"/>
-    <p:sldId id="297" r:id="rId14"/>
-    <p:sldId id="299" r:id="rId15"/>
-    <p:sldId id="302" r:id="rId16"/>
-    <p:sldId id="301" r:id="rId17"/>
-    <p:sldId id="300" r:id="rId18"/>
-    <p:sldId id="303" r:id="rId19"/>
+    <p:sldId id="305" r:id="rId3"/>
+    <p:sldId id="307" r:id="rId4"/>
+    <p:sldId id="304" r:id="rId5"/>
+    <p:sldId id="284" r:id="rId6"/>
+    <p:sldId id="285" r:id="rId7"/>
+    <p:sldId id="292" r:id="rId8"/>
+    <p:sldId id="286" r:id="rId9"/>
+    <p:sldId id="290" r:id="rId10"/>
+    <p:sldId id="291" r:id="rId11"/>
+    <p:sldId id="293" r:id="rId12"/>
+    <p:sldId id="294" r:id="rId13"/>
+    <p:sldId id="306" r:id="rId14"/>
+    <p:sldId id="295" r:id="rId15"/>
+    <p:sldId id="289" r:id="rId16"/>
+    <p:sldId id="308" r:id="rId17"/>
+    <p:sldId id="296" r:id="rId18"/>
+    <p:sldId id="297" r:id="rId19"/>
+    <p:sldId id="309" r:id="rId20"/>
+    <p:sldId id="310" r:id="rId21"/>
+    <p:sldId id="311" r:id="rId22"/>
+    <p:sldId id="312" r:id="rId23"/>
+    <p:sldId id="313" r:id="rId24"/>
+    <p:sldId id="314" r:id="rId25"/>
   </p:sldIdLst>
   <p:sldSz cx="12192000" cy="6858000"/>
   <p:notesSz cx="6858000" cy="9144000"/>
@@ -133,6 +139,9 @@
         <p14:section name="Καλως ορίσατε" id="{3374D542-6E3E-455F-9BFB-B45891911720}">
           <p14:sldIdLst>
             <p14:sldId id="256"/>
+            <p14:sldId id="305"/>
+            <p14:sldId id="307"/>
+            <p14:sldId id="304"/>
             <p14:sldId id="284"/>
             <p14:sldId id="285"/>
             <p14:sldId id="292"/>
@@ -141,15 +150,18 @@
             <p14:sldId id="291"/>
             <p14:sldId id="293"/>
             <p14:sldId id="294"/>
+            <p14:sldId id="306"/>
             <p14:sldId id="295"/>
             <p14:sldId id="289"/>
+            <p14:sldId id="308"/>
             <p14:sldId id="296"/>
             <p14:sldId id="297"/>
-            <p14:sldId id="299"/>
-            <p14:sldId id="302"/>
-            <p14:sldId id="301"/>
-            <p14:sldId id="300"/>
-            <p14:sldId id="303"/>
+            <p14:sldId id="309"/>
+            <p14:sldId id="310"/>
+            <p14:sldId id="311"/>
+            <p14:sldId id="312"/>
+            <p14:sldId id="313"/>
+            <p14:sldId id="314"/>
           </p14:sldIdLst>
         </p14:section>
       </p14:sectionLst>
@@ -258,7 +270,7 @@
           <a:p>
             <a:fld id="{5FF7688E-241E-4E31-BE3C-057CB2DB1921}" type="datetime1">
               <a:rPr lang="el-GR" smtClean="0"/>
-              <a:t>26/6/2022</a:t>
+              <a:t>27/6/2022</a:t>
             </a:fld>
             <a:endParaRPr lang="el-GR"/>
           </a:p>
@@ -438,7 +450,7 @@
             <a:pPr rtl="0"/>
             <a:fld id="{F14F9F8F-9820-4B76-B679-56158ABBDC47}" type="datetime1">
               <a:rPr lang="el-GR" noProof="0" smtClean="0"/>
-              <a:t>26/6/2022</a:t>
+              <a:t>27/6/2022</a:t>
             </a:fld>
             <a:endParaRPr lang="el-GR" noProof="0"/>
           </a:p>
@@ -860,7 +872,7 @@
             <a:pPr rtl="0"/>
             <a:fld id="{5A01C38D-F26D-4167-83EF-8774BC62D548}" type="slidenum">
               <a:rPr lang="el-GR" smtClean="0"/>
-              <a:t>10</a:t>
+              <a:t>11</a:t>
             </a:fld>
             <a:endParaRPr lang="el-GR"/>
           </a:p>
@@ -869,7 +881,7 @@
     </p:spTree>
     <p:extLst>
       <p:ext uri="{BB962C8B-B14F-4D97-AF65-F5344CB8AC3E}">
-        <p14:creationId xmlns:p14="http://schemas.microsoft.com/office/powerpoint/2010/main" val="1355273783"/>
+        <p14:creationId xmlns:p14="http://schemas.microsoft.com/office/powerpoint/2010/main" val="2914989736"/>
       </p:ext>
     </p:extLst>
   </p:cSld>
@@ -945,7 +957,7 @@
             <a:pPr rtl="0"/>
             <a:fld id="{5A01C38D-F26D-4167-83EF-8774BC62D548}" type="slidenum">
               <a:rPr lang="el-GR" smtClean="0"/>
-              <a:t>11</a:t>
+              <a:t>12</a:t>
             </a:fld>
             <a:endParaRPr lang="el-GR"/>
           </a:p>
@@ -954,7 +966,7 @@
     </p:spTree>
     <p:extLst>
       <p:ext uri="{BB962C8B-B14F-4D97-AF65-F5344CB8AC3E}">
-        <p14:creationId xmlns:p14="http://schemas.microsoft.com/office/powerpoint/2010/main" val="1477108819"/>
+        <p14:creationId xmlns:p14="http://schemas.microsoft.com/office/powerpoint/2010/main" val="706923037"/>
       </p:ext>
     </p:extLst>
   </p:cSld>
@@ -1030,7 +1042,7 @@
             <a:pPr rtl="0"/>
             <a:fld id="{5A01C38D-F26D-4167-83EF-8774BC62D548}" type="slidenum">
               <a:rPr lang="el-GR" smtClean="0"/>
-              <a:t>12</a:t>
+              <a:t>14</a:t>
             </a:fld>
             <a:endParaRPr lang="el-GR"/>
           </a:p>
@@ -1039,7 +1051,7 @@
     </p:spTree>
     <p:extLst>
       <p:ext uri="{BB962C8B-B14F-4D97-AF65-F5344CB8AC3E}">
-        <p14:creationId xmlns:p14="http://schemas.microsoft.com/office/powerpoint/2010/main" val="523706823"/>
+        <p14:creationId xmlns:p14="http://schemas.microsoft.com/office/powerpoint/2010/main" val="1355273783"/>
       </p:ext>
     </p:extLst>
   </p:cSld>
@@ -1115,7 +1127,7 @@
             <a:pPr rtl="0"/>
             <a:fld id="{5A01C38D-F26D-4167-83EF-8774BC62D548}" type="slidenum">
               <a:rPr lang="el-GR" smtClean="0"/>
-              <a:t>13</a:t>
+              <a:t>15</a:t>
             </a:fld>
             <a:endParaRPr lang="el-GR"/>
           </a:p>
@@ -1124,7 +1136,7 @@
     </p:spTree>
     <p:extLst>
       <p:ext uri="{BB962C8B-B14F-4D97-AF65-F5344CB8AC3E}">
-        <p14:creationId xmlns:p14="http://schemas.microsoft.com/office/powerpoint/2010/main" val="3174255208"/>
+        <p14:creationId xmlns:p14="http://schemas.microsoft.com/office/powerpoint/2010/main" val="1477108819"/>
       </p:ext>
     </p:extLst>
   </p:cSld>
@@ -1200,7 +1212,7 @@
             <a:pPr rtl="0"/>
             <a:fld id="{5A01C38D-F26D-4167-83EF-8774BC62D548}" type="slidenum">
               <a:rPr lang="el-GR" smtClean="0"/>
-              <a:t>14</a:t>
+              <a:t>16</a:t>
             </a:fld>
             <a:endParaRPr lang="el-GR"/>
           </a:p>
@@ -1209,7 +1221,7 @@
     </p:spTree>
     <p:extLst>
       <p:ext uri="{BB962C8B-B14F-4D97-AF65-F5344CB8AC3E}">
-        <p14:creationId xmlns:p14="http://schemas.microsoft.com/office/powerpoint/2010/main" val="2752367298"/>
+        <p14:creationId xmlns:p14="http://schemas.microsoft.com/office/powerpoint/2010/main" val="1716498654"/>
       </p:ext>
     </p:extLst>
   </p:cSld>
@@ -1285,7 +1297,7 @@
             <a:pPr rtl="0"/>
             <a:fld id="{5A01C38D-F26D-4167-83EF-8774BC62D548}" type="slidenum">
               <a:rPr lang="el-GR" smtClean="0"/>
-              <a:t>15</a:t>
+              <a:t>17</a:t>
             </a:fld>
             <a:endParaRPr lang="el-GR"/>
           </a:p>
@@ -1294,7 +1306,7 @@
     </p:spTree>
     <p:extLst>
       <p:ext uri="{BB962C8B-B14F-4D97-AF65-F5344CB8AC3E}">
-        <p14:creationId xmlns:p14="http://schemas.microsoft.com/office/powerpoint/2010/main" val="1471366993"/>
+        <p14:creationId xmlns:p14="http://schemas.microsoft.com/office/powerpoint/2010/main" val="523706823"/>
       </p:ext>
     </p:extLst>
   </p:cSld>
@@ -1370,7 +1382,7 @@
             <a:pPr rtl="0"/>
             <a:fld id="{5A01C38D-F26D-4167-83EF-8774BC62D548}" type="slidenum">
               <a:rPr lang="el-GR" smtClean="0"/>
-              <a:t>16</a:t>
+              <a:t>18</a:t>
             </a:fld>
             <a:endParaRPr lang="el-GR"/>
           </a:p>
@@ -1379,7 +1391,7 @@
     </p:spTree>
     <p:extLst>
       <p:ext uri="{BB962C8B-B14F-4D97-AF65-F5344CB8AC3E}">
-        <p14:creationId xmlns:p14="http://schemas.microsoft.com/office/powerpoint/2010/main" val="1708809144"/>
+        <p14:creationId xmlns:p14="http://schemas.microsoft.com/office/powerpoint/2010/main" val="3174255208"/>
       </p:ext>
     </p:extLst>
   </p:cSld>
@@ -1455,7 +1467,7 @@
             <a:pPr rtl="0"/>
             <a:fld id="{5A01C38D-F26D-4167-83EF-8774BC62D548}" type="slidenum">
               <a:rPr lang="el-GR" smtClean="0"/>
-              <a:t>17</a:t>
+              <a:t>19</a:t>
             </a:fld>
             <a:endParaRPr lang="el-GR"/>
           </a:p>
@@ -1464,7 +1476,7 @@
     </p:spTree>
     <p:extLst>
       <p:ext uri="{BB962C8B-B14F-4D97-AF65-F5344CB8AC3E}">
-        <p14:creationId xmlns:p14="http://schemas.microsoft.com/office/powerpoint/2010/main" val="1988632750"/>
+        <p14:creationId xmlns:p14="http://schemas.microsoft.com/office/powerpoint/2010/main" val="704835576"/>
       </p:ext>
     </p:extLst>
   </p:cSld>
@@ -1540,7 +1552,7 @@
             <a:pPr rtl="0"/>
             <a:fld id="{5A01C38D-F26D-4167-83EF-8774BC62D548}" type="slidenum">
               <a:rPr lang="el-GR" smtClean="0"/>
-              <a:t>18</a:t>
+              <a:t>20</a:t>
             </a:fld>
             <a:endParaRPr lang="el-GR"/>
           </a:p>
@@ -1549,7 +1561,92 @@
     </p:spTree>
     <p:extLst>
       <p:ext uri="{BB962C8B-B14F-4D97-AF65-F5344CB8AC3E}">
-        <p14:creationId xmlns:p14="http://schemas.microsoft.com/office/powerpoint/2010/main" val="590901185"/>
+        <p14:creationId xmlns:p14="http://schemas.microsoft.com/office/powerpoint/2010/main" val="3239939004"/>
+      </p:ext>
+    </p:extLst>
+  </p:cSld>
+  <p:clrMapOvr>
+    <a:masterClrMapping/>
+  </p:clrMapOvr>
+</p:notes>
+</file>
+
+<file path=ppt/notesSlides/notesSlide19.xml><?xml version="1.0" encoding="utf-8"?>
+<p:notes xmlns:a="http://schemas.openxmlformats.org/drawingml/2006/main" xmlns:r="http://schemas.openxmlformats.org/officeDocument/2006/relationships" xmlns:p="http://schemas.openxmlformats.org/presentationml/2006/main">
+  <p:cSld>
+    <p:spTree>
+      <p:nvGrpSpPr>
+        <p:cNvPr id="1" name=""/>
+        <p:cNvGrpSpPr/>
+        <p:nvPr/>
+      </p:nvGrpSpPr>
+      <p:grpSpPr>
+        <a:xfrm>
+          <a:off x="0" y="0"/>
+          <a:ext cx="0" cy="0"/>
+          <a:chOff x="0" y="0"/>
+          <a:chExt cx="0" cy="0"/>
+        </a:xfrm>
+      </p:grpSpPr>
+      <p:sp>
+        <p:nvSpPr>
+          <p:cNvPr id="2" name="Θέση εικόνας διαφάνειας 1"/>
+          <p:cNvSpPr>
+            <a:spLocks noGrp="1" noRot="1" noChangeAspect="1"/>
+          </p:cNvSpPr>
+          <p:nvPr>
+            <p:ph type="sldImg"/>
+          </p:nvPr>
+        </p:nvSpPr>
+        <p:spPr/>
+      </p:sp>
+      <p:sp>
+        <p:nvSpPr>
+          <p:cNvPr id="3" name="Θέση σημειώσεων 2"/>
+          <p:cNvSpPr>
+            <a:spLocks noGrp="1"/>
+          </p:cNvSpPr>
+          <p:nvPr>
+            <p:ph type="body" idx="1"/>
+          </p:nvPr>
+        </p:nvSpPr>
+        <p:spPr/>
+        <p:txBody>
+          <a:bodyPr/>
+          <a:lstStyle/>
+          <a:p>
+            <a:endParaRPr lang="el-GR"/>
+          </a:p>
+        </p:txBody>
+      </p:sp>
+      <p:sp>
+        <p:nvSpPr>
+          <p:cNvPr id="4" name="Θέση αριθμού διαφάνειας 3"/>
+          <p:cNvSpPr>
+            <a:spLocks noGrp="1"/>
+          </p:cNvSpPr>
+          <p:nvPr>
+            <p:ph type="sldNum" sz="quarter" idx="5"/>
+          </p:nvPr>
+        </p:nvSpPr>
+        <p:spPr/>
+        <p:txBody>
+          <a:bodyPr/>
+          <a:lstStyle/>
+          <a:p>
+            <a:pPr rtl="0"/>
+            <a:fld id="{5A01C38D-F26D-4167-83EF-8774BC62D548}" type="slidenum">
+              <a:rPr lang="el-GR" smtClean="0"/>
+              <a:t>21</a:t>
+            </a:fld>
+            <a:endParaRPr lang="el-GR"/>
+          </a:p>
+        </p:txBody>
+      </p:sp>
+    </p:spTree>
+    <p:extLst>
+      <p:ext uri="{BB962C8B-B14F-4D97-AF65-F5344CB8AC3E}">
+        <p14:creationId xmlns:p14="http://schemas.microsoft.com/office/powerpoint/2010/main" val="3626262795"/>
       </p:ext>
     </p:extLst>
   </p:cSld>
@@ -1634,7 +1731,177 @@
     </p:spTree>
     <p:extLst>
       <p:ext uri="{BB962C8B-B14F-4D97-AF65-F5344CB8AC3E}">
-        <p14:creationId xmlns:p14="http://schemas.microsoft.com/office/powerpoint/2010/main" val="1596178789"/>
+        <p14:creationId xmlns:p14="http://schemas.microsoft.com/office/powerpoint/2010/main" val="4263829201"/>
+      </p:ext>
+    </p:extLst>
+  </p:cSld>
+  <p:clrMapOvr>
+    <a:masterClrMapping/>
+  </p:clrMapOvr>
+</p:notes>
+</file>
+
+<file path=ppt/notesSlides/notesSlide20.xml><?xml version="1.0" encoding="utf-8"?>
+<p:notes xmlns:a="http://schemas.openxmlformats.org/drawingml/2006/main" xmlns:r="http://schemas.openxmlformats.org/officeDocument/2006/relationships" xmlns:p="http://schemas.openxmlformats.org/presentationml/2006/main">
+  <p:cSld>
+    <p:spTree>
+      <p:nvGrpSpPr>
+        <p:cNvPr id="1" name=""/>
+        <p:cNvGrpSpPr/>
+        <p:nvPr/>
+      </p:nvGrpSpPr>
+      <p:grpSpPr>
+        <a:xfrm>
+          <a:off x="0" y="0"/>
+          <a:ext cx="0" cy="0"/>
+          <a:chOff x="0" y="0"/>
+          <a:chExt cx="0" cy="0"/>
+        </a:xfrm>
+      </p:grpSpPr>
+      <p:sp>
+        <p:nvSpPr>
+          <p:cNvPr id="2" name="Θέση εικόνας διαφάνειας 1"/>
+          <p:cNvSpPr>
+            <a:spLocks noGrp="1" noRot="1" noChangeAspect="1"/>
+          </p:cNvSpPr>
+          <p:nvPr>
+            <p:ph type="sldImg"/>
+          </p:nvPr>
+        </p:nvSpPr>
+        <p:spPr/>
+      </p:sp>
+      <p:sp>
+        <p:nvSpPr>
+          <p:cNvPr id="3" name="Θέση σημειώσεων 2"/>
+          <p:cNvSpPr>
+            <a:spLocks noGrp="1"/>
+          </p:cNvSpPr>
+          <p:nvPr>
+            <p:ph type="body" idx="1"/>
+          </p:nvPr>
+        </p:nvSpPr>
+        <p:spPr/>
+        <p:txBody>
+          <a:bodyPr/>
+          <a:lstStyle/>
+          <a:p>
+            <a:endParaRPr lang="el-GR"/>
+          </a:p>
+        </p:txBody>
+      </p:sp>
+      <p:sp>
+        <p:nvSpPr>
+          <p:cNvPr id="4" name="Θέση αριθμού διαφάνειας 3"/>
+          <p:cNvSpPr>
+            <a:spLocks noGrp="1"/>
+          </p:cNvSpPr>
+          <p:nvPr>
+            <p:ph type="sldNum" sz="quarter" idx="5"/>
+          </p:nvPr>
+        </p:nvSpPr>
+        <p:spPr/>
+        <p:txBody>
+          <a:bodyPr/>
+          <a:lstStyle/>
+          <a:p>
+            <a:pPr rtl="0"/>
+            <a:fld id="{5A01C38D-F26D-4167-83EF-8774BC62D548}" type="slidenum">
+              <a:rPr lang="el-GR" smtClean="0"/>
+              <a:t>22</a:t>
+            </a:fld>
+            <a:endParaRPr lang="el-GR"/>
+          </a:p>
+        </p:txBody>
+      </p:sp>
+    </p:spTree>
+    <p:extLst>
+      <p:ext uri="{BB962C8B-B14F-4D97-AF65-F5344CB8AC3E}">
+        <p14:creationId xmlns:p14="http://schemas.microsoft.com/office/powerpoint/2010/main" val="2062080187"/>
+      </p:ext>
+    </p:extLst>
+  </p:cSld>
+  <p:clrMapOvr>
+    <a:masterClrMapping/>
+  </p:clrMapOvr>
+</p:notes>
+</file>
+
+<file path=ppt/notesSlides/notesSlide21.xml><?xml version="1.0" encoding="utf-8"?>
+<p:notes xmlns:a="http://schemas.openxmlformats.org/drawingml/2006/main" xmlns:r="http://schemas.openxmlformats.org/officeDocument/2006/relationships" xmlns:p="http://schemas.openxmlformats.org/presentationml/2006/main">
+  <p:cSld>
+    <p:spTree>
+      <p:nvGrpSpPr>
+        <p:cNvPr id="1" name=""/>
+        <p:cNvGrpSpPr/>
+        <p:nvPr/>
+      </p:nvGrpSpPr>
+      <p:grpSpPr>
+        <a:xfrm>
+          <a:off x="0" y="0"/>
+          <a:ext cx="0" cy="0"/>
+          <a:chOff x="0" y="0"/>
+          <a:chExt cx="0" cy="0"/>
+        </a:xfrm>
+      </p:grpSpPr>
+      <p:sp>
+        <p:nvSpPr>
+          <p:cNvPr id="2" name="Θέση εικόνας διαφάνειας 1"/>
+          <p:cNvSpPr>
+            <a:spLocks noGrp="1" noRot="1" noChangeAspect="1"/>
+          </p:cNvSpPr>
+          <p:nvPr>
+            <p:ph type="sldImg"/>
+          </p:nvPr>
+        </p:nvSpPr>
+        <p:spPr/>
+      </p:sp>
+      <p:sp>
+        <p:nvSpPr>
+          <p:cNvPr id="3" name="Θέση σημειώσεων 2"/>
+          <p:cNvSpPr>
+            <a:spLocks noGrp="1"/>
+          </p:cNvSpPr>
+          <p:nvPr>
+            <p:ph type="body" idx="1"/>
+          </p:nvPr>
+        </p:nvSpPr>
+        <p:spPr/>
+        <p:txBody>
+          <a:bodyPr/>
+          <a:lstStyle/>
+          <a:p>
+            <a:endParaRPr lang="el-GR"/>
+          </a:p>
+        </p:txBody>
+      </p:sp>
+      <p:sp>
+        <p:nvSpPr>
+          <p:cNvPr id="4" name="Θέση αριθμού διαφάνειας 3"/>
+          <p:cNvSpPr>
+            <a:spLocks noGrp="1"/>
+          </p:cNvSpPr>
+          <p:nvPr>
+            <p:ph type="sldNum" sz="quarter" idx="5"/>
+          </p:nvPr>
+        </p:nvSpPr>
+        <p:spPr/>
+        <p:txBody>
+          <a:bodyPr/>
+          <a:lstStyle/>
+          <a:p>
+            <a:pPr rtl="0"/>
+            <a:fld id="{5A01C38D-F26D-4167-83EF-8774BC62D548}" type="slidenum">
+              <a:rPr lang="el-GR" smtClean="0"/>
+              <a:t>23</a:t>
+            </a:fld>
+            <a:endParaRPr lang="el-GR"/>
+          </a:p>
+        </p:txBody>
+      </p:sp>
+    </p:spTree>
+    <p:extLst>
+      <p:ext uri="{BB962C8B-B14F-4D97-AF65-F5344CB8AC3E}">
+        <p14:creationId xmlns:p14="http://schemas.microsoft.com/office/powerpoint/2010/main" val="2087964746"/>
       </p:ext>
     </p:extLst>
   </p:cSld>
@@ -1710,7 +1977,7 @@
             <a:pPr rtl="0"/>
             <a:fld id="{5A01C38D-F26D-4167-83EF-8774BC62D548}" type="slidenum">
               <a:rPr lang="el-GR" smtClean="0"/>
-              <a:t>3</a:t>
+              <a:t>4</a:t>
             </a:fld>
             <a:endParaRPr lang="el-GR"/>
           </a:p>
@@ -1719,7 +1986,7 @@
     </p:spTree>
     <p:extLst>
       <p:ext uri="{BB962C8B-B14F-4D97-AF65-F5344CB8AC3E}">
-        <p14:creationId xmlns:p14="http://schemas.microsoft.com/office/powerpoint/2010/main" val="2614109430"/>
+        <p14:creationId xmlns:p14="http://schemas.microsoft.com/office/powerpoint/2010/main" val="1772062141"/>
       </p:ext>
     </p:extLst>
   </p:cSld>
@@ -1795,7 +2062,7 @@
             <a:pPr rtl="0"/>
             <a:fld id="{5A01C38D-F26D-4167-83EF-8774BC62D548}" type="slidenum">
               <a:rPr lang="el-GR" smtClean="0"/>
-              <a:t>4</a:t>
+              <a:t>5</a:t>
             </a:fld>
             <a:endParaRPr lang="el-GR"/>
           </a:p>
@@ -1804,7 +2071,7 @@
     </p:spTree>
     <p:extLst>
       <p:ext uri="{BB962C8B-B14F-4D97-AF65-F5344CB8AC3E}">
-        <p14:creationId xmlns:p14="http://schemas.microsoft.com/office/powerpoint/2010/main" val="3441604963"/>
+        <p14:creationId xmlns:p14="http://schemas.microsoft.com/office/powerpoint/2010/main" val="1596178789"/>
       </p:ext>
     </p:extLst>
   </p:cSld>
@@ -1880,7 +2147,7 @@
             <a:pPr rtl="0"/>
             <a:fld id="{5A01C38D-F26D-4167-83EF-8774BC62D548}" type="slidenum">
               <a:rPr lang="el-GR" smtClean="0"/>
-              <a:t>5</a:t>
+              <a:t>6</a:t>
             </a:fld>
             <a:endParaRPr lang="el-GR"/>
           </a:p>
@@ -1889,7 +2156,7 @@
     </p:spTree>
     <p:extLst>
       <p:ext uri="{BB962C8B-B14F-4D97-AF65-F5344CB8AC3E}">
-        <p14:creationId xmlns:p14="http://schemas.microsoft.com/office/powerpoint/2010/main" val="2786488328"/>
+        <p14:creationId xmlns:p14="http://schemas.microsoft.com/office/powerpoint/2010/main" val="2614109430"/>
       </p:ext>
     </p:extLst>
   </p:cSld>
@@ -1965,7 +2232,7 @@
             <a:pPr rtl="0"/>
             <a:fld id="{5A01C38D-F26D-4167-83EF-8774BC62D548}" type="slidenum">
               <a:rPr lang="el-GR" smtClean="0"/>
-              <a:t>6</a:t>
+              <a:t>7</a:t>
             </a:fld>
             <a:endParaRPr lang="el-GR"/>
           </a:p>
@@ -1974,7 +2241,7 @@
     </p:spTree>
     <p:extLst>
       <p:ext uri="{BB962C8B-B14F-4D97-AF65-F5344CB8AC3E}">
-        <p14:creationId xmlns:p14="http://schemas.microsoft.com/office/powerpoint/2010/main" val="2872584250"/>
+        <p14:creationId xmlns:p14="http://schemas.microsoft.com/office/powerpoint/2010/main" val="3441604963"/>
       </p:ext>
     </p:extLst>
   </p:cSld>
@@ -2050,7 +2317,7 @@
             <a:pPr rtl="0"/>
             <a:fld id="{5A01C38D-F26D-4167-83EF-8774BC62D548}" type="slidenum">
               <a:rPr lang="el-GR" smtClean="0"/>
-              <a:t>7</a:t>
+              <a:t>8</a:t>
             </a:fld>
             <a:endParaRPr lang="el-GR"/>
           </a:p>
@@ -2059,7 +2326,7 @@
     </p:spTree>
     <p:extLst>
       <p:ext uri="{BB962C8B-B14F-4D97-AF65-F5344CB8AC3E}">
-        <p14:creationId xmlns:p14="http://schemas.microsoft.com/office/powerpoint/2010/main" val="2821611426"/>
+        <p14:creationId xmlns:p14="http://schemas.microsoft.com/office/powerpoint/2010/main" val="2786488328"/>
       </p:ext>
     </p:extLst>
   </p:cSld>
@@ -2135,7 +2402,7 @@
             <a:pPr rtl="0"/>
             <a:fld id="{5A01C38D-F26D-4167-83EF-8774BC62D548}" type="slidenum">
               <a:rPr lang="el-GR" smtClean="0"/>
-              <a:t>8</a:t>
+              <a:t>9</a:t>
             </a:fld>
             <a:endParaRPr lang="el-GR"/>
           </a:p>
@@ -2144,7 +2411,7 @@
     </p:spTree>
     <p:extLst>
       <p:ext uri="{BB962C8B-B14F-4D97-AF65-F5344CB8AC3E}">
-        <p14:creationId xmlns:p14="http://schemas.microsoft.com/office/powerpoint/2010/main" val="2914989736"/>
+        <p14:creationId xmlns:p14="http://schemas.microsoft.com/office/powerpoint/2010/main" val="2872584250"/>
       </p:ext>
     </p:extLst>
   </p:cSld>
@@ -2220,7 +2487,7 @@
             <a:pPr rtl="0"/>
             <a:fld id="{5A01C38D-F26D-4167-83EF-8774BC62D548}" type="slidenum">
               <a:rPr lang="el-GR" smtClean="0"/>
-              <a:t>9</a:t>
+              <a:t>10</a:t>
             </a:fld>
             <a:endParaRPr lang="el-GR"/>
           </a:p>
@@ -2229,7 +2496,7 @@
     </p:spTree>
     <p:extLst>
       <p:ext uri="{BB962C8B-B14F-4D97-AF65-F5344CB8AC3E}">
-        <p14:creationId xmlns:p14="http://schemas.microsoft.com/office/powerpoint/2010/main" val="706923037"/>
+        <p14:creationId xmlns:p14="http://schemas.microsoft.com/office/powerpoint/2010/main" val="2821611426"/>
       </p:ext>
     </p:extLst>
   </p:cSld>
@@ -3947,7 +4214,7 @@
             <a:pPr rtl="0"/>
             <a:fld id="{338FBAAC-4F3B-432D-8CA1-B6085C19A376}" type="datetime1">
               <a:rPr lang="el-GR" noProof="0" smtClean="0"/>
-              <a:t>26/6/2022</a:t>
+              <a:t>27/6/2022</a:t>
             </a:fld>
             <a:endParaRPr lang="el-GR" noProof="0"/>
           </a:p>
@@ -4425,7 +4692,7 @@
         </p:nvSpPr>
         <p:spPr>
           <a:xfrm>
-            <a:off x="1524000" y="1333500"/>
+            <a:off x="1013988" y="1107175"/>
             <a:ext cx="10164024" cy="1790700"/>
           </a:xfrm>
         </p:spPr>
@@ -4433,10 +4700,10 @@
           <a:bodyPr rtlCol="0"/>
           <a:lstStyle/>
           <a:p>
-            <a:pPr rtl="0"/>
+            <a:pPr algn="ctr" rtl="0"/>
             <a:r>
               <a:rPr lang="en-US" sz="4500" dirty="0"/>
-              <a:t>Video Classification using Deep Learning</a:t>
+              <a:t>Action Recognition in Videos using Deep Learning</a:t>
             </a:r>
             <a:endParaRPr lang="el-GR" sz="4500" dirty="0"/>
           </a:p>
@@ -4458,7 +4725,12 @@
             <p:ph type="subTitle" idx="1"/>
           </p:nvPr>
         </p:nvSpPr>
-        <p:spPr/>
+        <p:spPr>
+          <a:xfrm>
+            <a:off x="1657165" y="3244786"/>
+            <a:ext cx="9144000" cy="1287675"/>
+          </a:xfrm>
+        </p:spPr>
         <p:txBody>
           <a:bodyPr rtlCol="0"/>
           <a:lstStyle/>
@@ -4495,7 +4767,7 @@
         </p:nvSpPr>
         <p:spPr>
           <a:xfrm>
-            <a:off x="8077761" y="5255593"/>
+            <a:off x="10075236" y="5129870"/>
             <a:ext cx="3827545" cy="495232"/>
           </a:xfrm>
           <a:prstGeom prst="rect">
@@ -4567,6 +4839,364 @@
 </file>
 
 <file path=ppt/slides/slide10.xml><?xml version="1.0" encoding="utf-8"?>
+<p:sld xmlns:a="http://schemas.openxmlformats.org/drawingml/2006/main" xmlns:r="http://schemas.openxmlformats.org/officeDocument/2006/relationships" xmlns:p="http://schemas.openxmlformats.org/presentationml/2006/main">
+  <p:cSld>
+    <p:spTree>
+      <p:nvGrpSpPr>
+        <p:cNvPr id="1" name=""/>
+        <p:cNvGrpSpPr/>
+        <p:nvPr/>
+      </p:nvGrpSpPr>
+      <p:grpSpPr>
+        <a:xfrm>
+          <a:off x="0" y="0"/>
+          <a:ext cx="0" cy="0"/>
+          <a:chOff x="0" y="0"/>
+          <a:chExt cx="0" cy="0"/>
+        </a:xfrm>
+      </p:grpSpPr>
+      <p:sp>
+        <p:nvSpPr>
+          <p:cNvPr id="4" name="Τίτλος 3">
+            <a:extLst>
+              <a:ext uri="{FF2B5EF4-FFF2-40B4-BE49-F238E27FC236}">
+                <a16:creationId xmlns:a16="http://schemas.microsoft.com/office/drawing/2014/main" id="{9E7273F9-59F9-4FB3-9D34-82C64C4F8667}"/>
+              </a:ext>
+            </a:extLst>
+          </p:cNvPr>
+          <p:cNvSpPr>
+            <a:spLocks noGrp="1"/>
+          </p:cNvSpPr>
+          <p:nvPr>
+            <p:ph type="title"/>
+          </p:nvPr>
+        </p:nvSpPr>
+        <p:spPr>
+          <a:xfrm>
+            <a:off x="604434" y="448628"/>
+            <a:ext cx="10983132" cy="747763"/>
+          </a:xfrm>
+        </p:spPr>
+        <p:txBody>
+          <a:bodyPr rtlCol="0" anchor="ctr">
+            <a:normAutofit/>
+          </a:bodyPr>
+          <a:lstStyle/>
+          <a:p>
+            <a:pPr rtl="0"/>
+            <a:r>
+              <a:rPr lang="en-US" dirty="0"/>
+              <a:t>Approach C</a:t>
+            </a:r>
+            <a:endParaRPr lang="el-GR" dirty="0"/>
+          </a:p>
+        </p:txBody>
+      </p:sp>
+      <p:pic>
+        <p:nvPicPr>
+          <p:cNvPr id="7" name="Εικόνα 6">
+            <a:extLst>
+              <a:ext uri="{FF2B5EF4-FFF2-40B4-BE49-F238E27FC236}">
+                <a16:creationId xmlns:a16="http://schemas.microsoft.com/office/drawing/2014/main" id="{8E7D316F-BF6F-EDC6-642F-F3806F4654B2}"/>
+              </a:ext>
+            </a:extLst>
+          </p:cNvPr>
+          <p:cNvPicPr>
+            <a:picLocks noChangeAspect="1"/>
+          </p:cNvPicPr>
+          <p:nvPr/>
+        </p:nvPicPr>
+        <p:blipFill>
+          <a:blip r:embed="rId3"/>
+          <a:stretch>
+            <a:fillRect/>
+          </a:stretch>
+        </p:blipFill>
+        <p:spPr>
+          <a:xfrm>
+            <a:off x="2341404" y="1196391"/>
+            <a:ext cx="7509191" cy="5413477"/>
+          </a:xfrm>
+          <a:prstGeom prst="rect">
+            <a:avLst/>
+          </a:prstGeom>
+        </p:spPr>
+      </p:pic>
+    </p:spTree>
+    <p:extLst>
+      <p:ext uri="{BB962C8B-B14F-4D97-AF65-F5344CB8AC3E}">
+        <p14:creationId xmlns:p14="http://schemas.microsoft.com/office/powerpoint/2010/main" val="3614100565"/>
+      </p:ext>
+    </p:extLst>
+  </p:cSld>
+  <p:clrMapOvr>
+    <a:masterClrMapping/>
+  </p:clrMapOvr>
+</p:sld>
+</file>
+
+<file path=ppt/slides/slide11.xml><?xml version="1.0" encoding="utf-8"?>
+<p:sld xmlns:a="http://schemas.openxmlformats.org/drawingml/2006/main" xmlns:r="http://schemas.openxmlformats.org/officeDocument/2006/relationships" xmlns:p="http://schemas.openxmlformats.org/presentationml/2006/main">
+  <p:cSld>
+    <p:spTree>
+      <p:nvGrpSpPr>
+        <p:cNvPr id="1" name=""/>
+        <p:cNvGrpSpPr/>
+        <p:nvPr/>
+      </p:nvGrpSpPr>
+      <p:grpSpPr>
+        <a:xfrm>
+          <a:off x="0" y="0"/>
+          <a:ext cx="0" cy="0"/>
+          <a:chOff x="0" y="0"/>
+          <a:chExt cx="0" cy="0"/>
+        </a:xfrm>
+      </p:grpSpPr>
+      <p:sp>
+        <p:nvSpPr>
+          <p:cNvPr id="4" name="Τίτλος 3">
+            <a:extLst>
+              <a:ext uri="{FF2B5EF4-FFF2-40B4-BE49-F238E27FC236}">
+                <a16:creationId xmlns:a16="http://schemas.microsoft.com/office/drawing/2014/main" id="{9E7273F9-59F9-4FB3-9D34-82C64C4F8667}"/>
+              </a:ext>
+            </a:extLst>
+          </p:cNvPr>
+          <p:cNvSpPr>
+            <a:spLocks noGrp="1"/>
+          </p:cNvSpPr>
+          <p:nvPr>
+            <p:ph type="title"/>
+          </p:nvPr>
+        </p:nvSpPr>
+        <p:spPr>
+          <a:xfrm>
+            <a:off x="604434" y="448628"/>
+            <a:ext cx="10983132" cy="747763"/>
+          </a:xfrm>
+        </p:spPr>
+        <p:txBody>
+          <a:bodyPr rtlCol="0" anchor="ctr">
+            <a:normAutofit/>
+          </a:bodyPr>
+          <a:lstStyle/>
+          <a:p>
+            <a:pPr rtl="0"/>
+            <a:r>
+              <a:rPr lang="en-US" dirty="0"/>
+              <a:t>Approach C’</a:t>
+            </a:r>
+            <a:endParaRPr lang="el-GR" dirty="0"/>
+          </a:p>
+        </p:txBody>
+      </p:sp>
+      <p:pic>
+        <p:nvPicPr>
+          <p:cNvPr id="6" name="Εικόνα 5">
+            <a:extLst>
+              <a:ext uri="{FF2B5EF4-FFF2-40B4-BE49-F238E27FC236}">
+                <a16:creationId xmlns:a16="http://schemas.microsoft.com/office/drawing/2014/main" id="{500546F2-2C46-7B5C-5E42-48C9DE2364D3}"/>
+              </a:ext>
+            </a:extLst>
+          </p:cNvPr>
+          <p:cNvPicPr>
+            <a:picLocks noChangeAspect="1"/>
+          </p:cNvPicPr>
+          <p:nvPr/>
+        </p:nvPicPr>
+        <p:blipFill>
+          <a:blip r:embed="rId3"/>
+          <a:stretch>
+            <a:fillRect/>
+          </a:stretch>
+        </p:blipFill>
+        <p:spPr>
+          <a:xfrm>
+            <a:off x="2515561" y="1265924"/>
+            <a:ext cx="7009439" cy="5381537"/>
+          </a:xfrm>
+          <a:prstGeom prst="rect">
+            <a:avLst/>
+          </a:prstGeom>
+        </p:spPr>
+      </p:pic>
+    </p:spTree>
+    <p:extLst>
+      <p:ext uri="{BB962C8B-B14F-4D97-AF65-F5344CB8AC3E}">
+        <p14:creationId xmlns:p14="http://schemas.microsoft.com/office/powerpoint/2010/main" val="3352543722"/>
+      </p:ext>
+    </p:extLst>
+  </p:cSld>
+  <p:clrMapOvr>
+    <a:masterClrMapping/>
+  </p:clrMapOvr>
+</p:sld>
+</file>
+
+<file path=ppt/slides/slide12.xml><?xml version="1.0" encoding="utf-8"?>
+<p:sld xmlns:a="http://schemas.openxmlformats.org/drawingml/2006/main" xmlns:r="http://schemas.openxmlformats.org/officeDocument/2006/relationships" xmlns:p="http://schemas.openxmlformats.org/presentationml/2006/main">
+  <p:cSld>
+    <p:spTree>
+      <p:nvGrpSpPr>
+        <p:cNvPr id="1" name=""/>
+        <p:cNvGrpSpPr/>
+        <p:nvPr/>
+      </p:nvGrpSpPr>
+      <p:grpSpPr>
+        <a:xfrm>
+          <a:off x="0" y="0"/>
+          <a:ext cx="0" cy="0"/>
+          <a:chOff x="0" y="0"/>
+          <a:chExt cx="0" cy="0"/>
+        </a:xfrm>
+      </p:grpSpPr>
+      <p:sp>
+        <p:nvSpPr>
+          <p:cNvPr id="4" name="Τίτλος 3">
+            <a:extLst>
+              <a:ext uri="{FF2B5EF4-FFF2-40B4-BE49-F238E27FC236}">
+                <a16:creationId xmlns:a16="http://schemas.microsoft.com/office/drawing/2014/main" id="{9E7273F9-59F9-4FB3-9D34-82C64C4F8667}"/>
+              </a:ext>
+            </a:extLst>
+          </p:cNvPr>
+          <p:cNvSpPr>
+            <a:spLocks noGrp="1"/>
+          </p:cNvSpPr>
+          <p:nvPr>
+            <p:ph type="title"/>
+          </p:nvPr>
+        </p:nvSpPr>
+        <p:spPr>
+          <a:xfrm>
+            <a:off x="604434" y="448628"/>
+            <a:ext cx="10983132" cy="747763"/>
+          </a:xfrm>
+        </p:spPr>
+        <p:txBody>
+          <a:bodyPr rtlCol="0" anchor="ctr">
+            <a:normAutofit/>
+          </a:bodyPr>
+          <a:lstStyle/>
+          <a:p>
+            <a:pPr rtl="0"/>
+            <a:r>
+              <a:rPr lang="en-US" dirty="0"/>
+              <a:t>Approach D</a:t>
+            </a:r>
+            <a:endParaRPr lang="el-GR" dirty="0"/>
+          </a:p>
+        </p:txBody>
+      </p:sp>
+      <p:pic>
+        <p:nvPicPr>
+          <p:cNvPr id="3" name="Εικόνα 2">
+            <a:extLst>
+              <a:ext uri="{FF2B5EF4-FFF2-40B4-BE49-F238E27FC236}">
+                <a16:creationId xmlns:a16="http://schemas.microsoft.com/office/drawing/2014/main" id="{0158BB49-9243-F0DB-DC86-95C1B3EEA5F0}"/>
+              </a:ext>
+            </a:extLst>
+          </p:cNvPr>
+          <p:cNvPicPr>
+            <a:picLocks noChangeAspect="1"/>
+          </p:cNvPicPr>
+          <p:nvPr/>
+        </p:nvPicPr>
+        <p:blipFill>
+          <a:blip r:embed="rId3"/>
+          <a:stretch>
+            <a:fillRect/>
+          </a:stretch>
+        </p:blipFill>
+        <p:spPr>
+          <a:xfrm>
+            <a:off x="2828340" y="1196391"/>
+            <a:ext cx="6535319" cy="5444552"/>
+          </a:xfrm>
+          <a:prstGeom prst="rect">
+            <a:avLst/>
+          </a:prstGeom>
+        </p:spPr>
+      </p:pic>
+    </p:spTree>
+    <p:extLst>
+      <p:ext uri="{BB962C8B-B14F-4D97-AF65-F5344CB8AC3E}">
+        <p14:creationId xmlns:p14="http://schemas.microsoft.com/office/powerpoint/2010/main" val="993252005"/>
+      </p:ext>
+    </p:extLst>
+  </p:cSld>
+  <p:clrMapOvr>
+    <a:masterClrMapping/>
+  </p:clrMapOvr>
+</p:sld>
+</file>
+
+<file path=ppt/slides/slide13.xml><?xml version="1.0" encoding="utf-8"?>
+<p:sld xmlns:a="http://schemas.openxmlformats.org/drawingml/2006/main" xmlns:r="http://schemas.openxmlformats.org/officeDocument/2006/relationships" xmlns:p="http://schemas.openxmlformats.org/presentationml/2006/main">
+  <p:cSld>
+    <p:spTree>
+      <p:nvGrpSpPr>
+        <p:cNvPr id="1" name=""/>
+        <p:cNvGrpSpPr/>
+        <p:nvPr/>
+      </p:nvGrpSpPr>
+      <p:grpSpPr>
+        <a:xfrm>
+          <a:off x="0" y="0"/>
+          <a:ext cx="0" cy="0"/>
+          <a:chOff x="0" y="0"/>
+          <a:chExt cx="0" cy="0"/>
+        </a:xfrm>
+      </p:grpSpPr>
+      <p:sp>
+        <p:nvSpPr>
+          <p:cNvPr id="8" name="Title 1">
+            <a:extLst>
+              <a:ext uri="{FF2B5EF4-FFF2-40B4-BE49-F238E27FC236}">
+                <a16:creationId xmlns:a16="http://schemas.microsoft.com/office/drawing/2014/main" id="{ECDF307C-F8EA-C5AF-F2F9-36DDCBE80020}"/>
+              </a:ext>
+            </a:extLst>
+          </p:cNvPr>
+          <p:cNvSpPr>
+            <a:spLocks noGrp="1"/>
+          </p:cNvSpPr>
+          <p:nvPr>
+            <p:ph type="ctrTitle"/>
+          </p:nvPr>
+        </p:nvSpPr>
+        <p:spPr>
+          <a:xfrm>
+            <a:off x="4881562" y="3067050"/>
+            <a:ext cx="2428875" cy="723900"/>
+          </a:xfrm>
+        </p:spPr>
+        <p:txBody>
+          <a:bodyPr/>
+          <a:lstStyle/>
+          <a:p>
+            <a:r>
+              <a:rPr lang="en-US" dirty="0"/>
+              <a:t>RESULTS</a:t>
+            </a:r>
+            <a:br>
+              <a:rPr lang="en-US" dirty="0"/>
+            </a:br>
+            <a:endParaRPr lang="en-US" dirty="0"/>
+          </a:p>
+        </p:txBody>
+      </p:sp>
+    </p:spTree>
+    <p:extLst>
+      <p:ext uri="{BB962C8B-B14F-4D97-AF65-F5344CB8AC3E}">
+        <p14:creationId xmlns:p14="http://schemas.microsoft.com/office/powerpoint/2010/main" val="702333937"/>
+      </p:ext>
+    </p:extLst>
+  </p:cSld>
+  <p:clrMapOvr>
+    <a:masterClrMapping/>
+  </p:clrMapOvr>
+</p:sld>
+</file>
+
+<file path=ppt/slides/slide14.xml><?xml version="1.0" encoding="utf-8"?>
 <p:sld xmlns:a="http://schemas.openxmlformats.org/drawingml/2006/main" xmlns:r="http://schemas.openxmlformats.org/officeDocument/2006/relationships" xmlns:p="http://schemas.openxmlformats.org/presentationml/2006/main">
   <p:cSld>
     <p:spTree>
@@ -4850,7 +5480,7 @@
 </p:sld>
 </file>
 
-<file path=ppt/slides/slide11.xml><?xml version="1.0" encoding="utf-8"?>
+<file path=ppt/slides/slide15.xml><?xml version="1.0" encoding="utf-8"?>
 <p:sld xmlns:a="http://schemas.openxmlformats.org/drawingml/2006/main" xmlns:r="http://schemas.openxmlformats.org/officeDocument/2006/relationships" xmlns:p="http://schemas.openxmlformats.org/presentationml/2006/main">
   <p:cSld>
     <p:spTree>
@@ -5290,7 +5920,594 @@
 </p:sld>
 </file>
 
-<file path=ppt/slides/slide12.xml><?xml version="1.0" encoding="utf-8"?>
+<file path=ppt/slides/slide16.xml><?xml version="1.0" encoding="utf-8"?>
+<p:sld xmlns:a="http://schemas.openxmlformats.org/drawingml/2006/main" xmlns:r="http://schemas.openxmlformats.org/officeDocument/2006/relationships" xmlns:p="http://schemas.openxmlformats.org/presentationml/2006/main">
+  <p:cSld>
+    <p:spTree>
+      <p:nvGrpSpPr>
+        <p:cNvPr id="1" name=""/>
+        <p:cNvGrpSpPr/>
+        <p:nvPr/>
+      </p:nvGrpSpPr>
+      <p:grpSpPr>
+        <a:xfrm>
+          <a:off x="0" y="0"/>
+          <a:ext cx="0" cy="0"/>
+          <a:chOff x="0" y="0"/>
+          <a:chExt cx="0" cy="0"/>
+        </a:xfrm>
+      </p:grpSpPr>
+      <p:pic>
+        <p:nvPicPr>
+          <p:cNvPr id="4" name="Εικόνα 3">
+            <a:extLst>
+              <a:ext uri="{FF2B5EF4-FFF2-40B4-BE49-F238E27FC236}">
+                <a16:creationId xmlns:a16="http://schemas.microsoft.com/office/drawing/2014/main" id="{F2A0E6FE-900A-789C-79F0-32305C5B3CE1}"/>
+              </a:ext>
+            </a:extLst>
+          </p:cNvPr>
+          <p:cNvPicPr>
+            <a:picLocks noChangeAspect="1"/>
+          </p:cNvPicPr>
+          <p:nvPr/>
+        </p:nvPicPr>
+        <p:blipFill>
+          <a:blip r:embed="rId3"/>
+          <a:stretch>
+            <a:fillRect/>
+          </a:stretch>
+        </p:blipFill>
+        <p:spPr>
+          <a:xfrm>
+            <a:off x="5906814" y="2790813"/>
+            <a:ext cx="5466420" cy="2269491"/>
+          </a:xfrm>
+          <a:prstGeom prst="roundRect">
+            <a:avLst>
+              <a:gd name="adj" fmla="val 4167"/>
+            </a:avLst>
+          </a:prstGeom>
+          <a:solidFill>
+            <a:srgbClr val="FFFFFF"/>
+          </a:solidFill>
+          <a:ln w="76200" cap="sq">
+            <a:solidFill>
+              <a:srgbClr val="292929"/>
+            </a:solidFill>
+            <a:miter lim="800000"/>
+          </a:ln>
+          <a:effectLst>
+            <a:reflection blurRad="12700" stA="28000" endPos="28000" dist="5000" dir="5400000" sy="-100000" algn="bl" rotWithShape="0"/>
+          </a:effectLst>
+          <a:scene3d>
+            <a:camera prst="orthographicFront"/>
+            <a:lightRig rig="threePt" dir="t">
+              <a:rot lat="0" lon="0" rev="2700000"/>
+            </a:lightRig>
+          </a:scene3d>
+          <a:sp3d>
+            <a:bevelT h="38100"/>
+            <a:contourClr>
+              <a:srgbClr val="C0C0C0"/>
+            </a:contourClr>
+          </a:sp3d>
+        </p:spPr>
+      </p:pic>
+      <p:sp>
+        <p:nvSpPr>
+          <p:cNvPr id="2" name="Τίτλος 1">
+            <a:extLst>
+              <a:ext uri="{FF2B5EF4-FFF2-40B4-BE49-F238E27FC236}">
+                <a16:creationId xmlns:a16="http://schemas.microsoft.com/office/drawing/2014/main" id="{2A31795B-A93A-416C-8052-FAF4D9073E67}"/>
+              </a:ext>
+            </a:extLst>
+          </p:cNvPr>
+          <p:cNvSpPr>
+            <a:spLocks noGrp="1"/>
+          </p:cNvSpPr>
+          <p:nvPr>
+            <p:ph type="title"/>
+          </p:nvPr>
+        </p:nvSpPr>
+        <p:spPr>
+          <a:xfrm>
+            <a:off x="604434" y="448628"/>
+            <a:ext cx="10983132" cy="747763"/>
+          </a:xfrm>
+        </p:spPr>
+        <p:txBody>
+          <a:bodyPr rtlCol="0" anchor="ctr">
+            <a:normAutofit/>
+          </a:bodyPr>
+          <a:lstStyle/>
+          <a:p>
+            <a:pPr rtl="0"/>
+            <a:r>
+              <a:rPr lang="en-US" dirty="0"/>
+              <a:t>Results: Baseline</a:t>
+            </a:r>
+            <a:endParaRPr lang="el-GR" dirty="0"/>
+          </a:p>
+        </p:txBody>
+      </p:sp>
+      <p:graphicFrame>
+        <p:nvGraphicFramePr>
+          <p:cNvPr id="6" name="Πίνακας 7">
+            <a:extLst>
+              <a:ext uri="{FF2B5EF4-FFF2-40B4-BE49-F238E27FC236}">
+                <a16:creationId xmlns:a16="http://schemas.microsoft.com/office/drawing/2014/main" id="{3398ECC2-6B0E-63E8-B83B-E5DF596F8150}"/>
+              </a:ext>
+            </a:extLst>
+          </p:cNvPr>
+          <p:cNvGraphicFramePr>
+            <a:graphicFrameLocks noGrp="1"/>
+          </p:cNvGraphicFramePr>
+          <p:nvPr>
+            <p:extLst>
+              <p:ext uri="{D42A27DB-BD31-4B8C-83A1-F6EECF244321}">
+                <p14:modId xmlns:p14="http://schemas.microsoft.com/office/powerpoint/2010/main" val="1721597684"/>
+              </p:ext>
+            </p:extLst>
+          </p:nvPr>
+        </p:nvGraphicFramePr>
+        <p:xfrm>
+          <a:off x="1056378" y="2790813"/>
+          <a:ext cx="4330399" cy="1828800"/>
+        </p:xfrm>
+        <a:graphic>
+          <a:graphicData uri="http://schemas.openxmlformats.org/drawingml/2006/table">
+            <a:tbl>
+              <a:tblPr firstRow="1" bandRow="1">
+                <a:tableStyleId>{21E4AEA4-8DFA-4A89-87EB-49C32662AFE0}</a:tableStyleId>
+              </a:tblPr>
+              <a:tblGrid>
+                <a:gridCol w="1881489">
+                  <a:extLst>
+                    <a:ext uri="{9D8B030D-6E8A-4147-A177-3AD203B41FA5}">
+                      <a16:colId xmlns:a16="http://schemas.microsoft.com/office/drawing/2014/main" val="2576520222"/>
+                    </a:ext>
+                  </a:extLst>
+                </a:gridCol>
+                <a:gridCol w="641131">
+                  <a:extLst>
+                    <a:ext uri="{9D8B030D-6E8A-4147-A177-3AD203B41FA5}">
+                      <a16:colId xmlns:a16="http://schemas.microsoft.com/office/drawing/2014/main" val="3241449624"/>
+                    </a:ext>
+                  </a:extLst>
+                </a:gridCol>
+                <a:gridCol w="588579">
+                  <a:extLst>
+                    <a:ext uri="{9D8B030D-6E8A-4147-A177-3AD203B41FA5}">
+                      <a16:colId xmlns:a16="http://schemas.microsoft.com/office/drawing/2014/main" val="1061096405"/>
+                    </a:ext>
+                  </a:extLst>
+                </a:gridCol>
+                <a:gridCol w="567559">
+                  <a:extLst>
+                    <a:ext uri="{9D8B030D-6E8A-4147-A177-3AD203B41FA5}">
+                      <a16:colId xmlns:a16="http://schemas.microsoft.com/office/drawing/2014/main" val="2804371778"/>
+                    </a:ext>
+                  </a:extLst>
+                </a:gridCol>
+                <a:gridCol w="651641">
+                  <a:extLst>
+                    <a:ext uri="{9D8B030D-6E8A-4147-A177-3AD203B41FA5}">
+                      <a16:colId xmlns:a16="http://schemas.microsoft.com/office/drawing/2014/main" val="53725575"/>
+                    </a:ext>
+                  </a:extLst>
+                </a:gridCol>
+              </a:tblGrid>
+              <a:tr h="268492">
+                <a:tc>
+                  <a:txBody>
+                    <a:bodyPr/>
+                    <a:lstStyle/>
+                    <a:p>
+                      <a:r>
+                        <a:rPr lang="en-US" dirty="0"/>
+                        <a:t>True\Predicted</a:t>
+                      </a:r>
+                    </a:p>
+                  </a:txBody>
+                  <a:tcPr/>
+                </a:tc>
+                <a:tc>
+                  <a:txBody>
+                    <a:bodyPr/>
+                    <a:lstStyle/>
+                    <a:p>
+                      <a:r>
+                        <a:rPr lang="en-US" dirty="0"/>
+                        <a:t>0</a:t>
+                      </a:r>
+                    </a:p>
+                  </a:txBody>
+                  <a:tcPr/>
+                </a:tc>
+                <a:tc>
+                  <a:txBody>
+                    <a:bodyPr/>
+                    <a:lstStyle/>
+                    <a:p>
+                      <a:r>
+                        <a:rPr lang="en-US" dirty="0"/>
+                        <a:t>1</a:t>
+                      </a:r>
+                    </a:p>
+                  </a:txBody>
+                  <a:tcPr/>
+                </a:tc>
+                <a:tc>
+                  <a:txBody>
+                    <a:bodyPr/>
+                    <a:lstStyle/>
+                    <a:p>
+                      <a:r>
+                        <a:rPr lang="en-US" dirty="0"/>
+                        <a:t>2</a:t>
+                      </a:r>
+                    </a:p>
+                  </a:txBody>
+                  <a:tcPr/>
+                </a:tc>
+                <a:tc>
+                  <a:txBody>
+                    <a:bodyPr/>
+                    <a:lstStyle/>
+                    <a:p>
+                      <a:r>
+                        <a:rPr lang="en-US" dirty="0"/>
+                        <a:t>4</a:t>
+                      </a:r>
+                    </a:p>
+                  </a:txBody>
+                  <a:tcPr/>
+                </a:tc>
+                <a:extLst>
+                  <a:ext uri="{0D108BD9-81ED-4DB2-BD59-A6C34878D82A}">
+                    <a16:rowId xmlns:a16="http://schemas.microsoft.com/office/drawing/2014/main" val="5607911"/>
+                  </a:ext>
+                </a:extLst>
+              </a:tr>
+              <a:tr h="268492">
+                <a:tc>
+                  <a:txBody>
+                    <a:bodyPr/>
+                    <a:lstStyle/>
+                    <a:p>
+                      <a:r>
+                        <a:rPr lang="en-US" b="1" dirty="0"/>
+                        <a:t>0</a:t>
+                      </a:r>
+                    </a:p>
+                  </a:txBody>
+                  <a:tcPr/>
+                </a:tc>
+                <a:tc>
+                  <a:txBody>
+                    <a:bodyPr/>
+                    <a:lstStyle/>
+                    <a:p>
+                      <a:pPr marL="0" marR="0" lvl="0" indent="0" algn="l" defTabSz="914400" rtl="0" eaLnBrk="1" fontAlgn="auto" latinLnBrk="0" hangingPunct="1">
+                        <a:lnSpc>
+                          <a:spcPct val="100000"/>
+                        </a:lnSpc>
+                        <a:spcBef>
+                          <a:spcPts val="0"/>
+                        </a:spcBef>
+                        <a:spcAft>
+                          <a:spcPts val="0"/>
+                        </a:spcAft>
+                        <a:buClrTx/>
+                        <a:buSzTx/>
+                        <a:buFontTx/>
+                        <a:buNone/>
+                        <a:tabLst/>
+                        <a:defRPr/>
+                      </a:pPr>
+                      <a:r>
+                        <a:rPr lang="el-GR" dirty="0"/>
+                        <a:t>54</a:t>
+                      </a:r>
+                      <a:endParaRPr lang="en-US" dirty="0"/>
+                    </a:p>
+                  </a:txBody>
+                  <a:tcPr/>
+                </a:tc>
+                <a:tc>
+                  <a:txBody>
+                    <a:bodyPr/>
+                    <a:lstStyle/>
+                    <a:p>
+                      <a:r>
+                        <a:rPr lang="el-GR" dirty="0"/>
+                        <a:t>28</a:t>
+                      </a:r>
+                      <a:endParaRPr lang="en-US" dirty="0"/>
+                    </a:p>
+                  </a:txBody>
+                  <a:tcPr/>
+                </a:tc>
+                <a:tc>
+                  <a:txBody>
+                    <a:bodyPr/>
+                    <a:lstStyle/>
+                    <a:p>
+                      <a:r>
+                        <a:rPr lang="el-GR" dirty="0"/>
+                        <a:t>82</a:t>
+                      </a:r>
+                      <a:endParaRPr lang="en-US" dirty="0"/>
+                    </a:p>
+                  </a:txBody>
+                  <a:tcPr/>
+                </a:tc>
+                <a:tc>
+                  <a:txBody>
+                    <a:bodyPr/>
+                    <a:lstStyle/>
+                    <a:p>
+                      <a:r>
+                        <a:rPr lang="el-GR" dirty="0"/>
+                        <a:t>4</a:t>
+                      </a:r>
+                      <a:endParaRPr lang="en-US" dirty="0"/>
+                    </a:p>
+                  </a:txBody>
+                  <a:tcPr/>
+                </a:tc>
+                <a:extLst>
+                  <a:ext uri="{0D108BD9-81ED-4DB2-BD59-A6C34878D82A}">
+                    <a16:rowId xmlns:a16="http://schemas.microsoft.com/office/drawing/2014/main" val="3555633572"/>
+                  </a:ext>
+                </a:extLst>
+              </a:tr>
+              <a:tr h="268492">
+                <a:tc>
+                  <a:txBody>
+                    <a:bodyPr/>
+                    <a:lstStyle/>
+                    <a:p>
+                      <a:r>
+                        <a:rPr lang="en-US" b="1" dirty="0"/>
+                        <a:t>1</a:t>
+                      </a:r>
+                    </a:p>
+                  </a:txBody>
+                  <a:tcPr/>
+                </a:tc>
+                <a:tc>
+                  <a:txBody>
+                    <a:bodyPr/>
+                    <a:lstStyle/>
+                    <a:p>
+                      <a:r>
+                        <a:rPr lang="el-GR" dirty="0"/>
+                        <a:t>17</a:t>
+                      </a:r>
+                      <a:endParaRPr lang="en-US" dirty="0"/>
+                    </a:p>
+                  </a:txBody>
+                  <a:tcPr/>
+                </a:tc>
+                <a:tc>
+                  <a:txBody>
+                    <a:bodyPr/>
+                    <a:lstStyle/>
+                    <a:p>
+                      <a:r>
+                        <a:rPr lang="el-GR" dirty="0"/>
+                        <a:t>63</a:t>
+                      </a:r>
+                      <a:endParaRPr lang="en-US" dirty="0"/>
+                    </a:p>
+                  </a:txBody>
+                  <a:tcPr/>
+                </a:tc>
+                <a:tc>
+                  <a:txBody>
+                    <a:bodyPr/>
+                    <a:lstStyle/>
+                    <a:p>
+                      <a:r>
+                        <a:rPr lang="el-GR" dirty="0"/>
+                        <a:t>12</a:t>
+                      </a:r>
+                      <a:endParaRPr lang="en-US" dirty="0"/>
+                    </a:p>
+                  </a:txBody>
+                  <a:tcPr/>
+                </a:tc>
+                <a:tc>
+                  <a:txBody>
+                    <a:bodyPr/>
+                    <a:lstStyle/>
+                    <a:p>
+                      <a:r>
+                        <a:rPr lang="el-GR" dirty="0"/>
+                        <a:t>0</a:t>
+                      </a:r>
+                      <a:endParaRPr lang="en-US" dirty="0"/>
+                    </a:p>
+                  </a:txBody>
+                  <a:tcPr/>
+                </a:tc>
+                <a:extLst>
+                  <a:ext uri="{0D108BD9-81ED-4DB2-BD59-A6C34878D82A}">
+                    <a16:rowId xmlns:a16="http://schemas.microsoft.com/office/drawing/2014/main" val="2024007473"/>
+                  </a:ext>
+                </a:extLst>
+              </a:tr>
+              <a:tr h="268492">
+                <a:tc>
+                  <a:txBody>
+                    <a:bodyPr/>
+                    <a:lstStyle/>
+                    <a:p>
+                      <a:r>
+                        <a:rPr lang="en-US" b="1" dirty="0"/>
+                        <a:t>2</a:t>
+                      </a:r>
+                    </a:p>
+                  </a:txBody>
+                  <a:tcPr/>
+                </a:tc>
+                <a:tc>
+                  <a:txBody>
+                    <a:bodyPr/>
+                    <a:lstStyle/>
+                    <a:p>
+                      <a:r>
+                        <a:rPr lang="el-GR" dirty="0"/>
+                        <a:t>59</a:t>
+                      </a:r>
+                      <a:endParaRPr lang="en-US" dirty="0"/>
+                    </a:p>
+                  </a:txBody>
+                  <a:tcPr/>
+                </a:tc>
+                <a:tc>
+                  <a:txBody>
+                    <a:bodyPr/>
+                    <a:lstStyle/>
+                    <a:p>
+                      <a:r>
+                        <a:rPr lang="el-GR" dirty="0"/>
+                        <a:t>8</a:t>
+                      </a:r>
+                      <a:endParaRPr lang="en-US" dirty="0"/>
+                    </a:p>
+                  </a:txBody>
+                  <a:tcPr/>
+                </a:tc>
+                <a:tc>
+                  <a:txBody>
+                    <a:bodyPr/>
+                    <a:lstStyle/>
+                    <a:p>
+                      <a:r>
+                        <a:rPr lang="el-GR" dirty="0"/>
+                        <a:t>135</a:t>
+                      </a:r>
+                      <a:endParaRPr lang="en-US" dirty="0"/>
+                    </a:p>
+                  </a:txBody>
+                  <a:tcPr/>
+                </a:tc>
+                <a:tc>
+                  <a:txBody>
+                    <a:bodyPr/>
+                    <a:lstStyle/>
+                    <a:p>
+                      <a:r>
+                        <a:rPr lang="el-GR" dirty="0"/>
+                        <a:t>0</a:t>
+                      </a:r>
+                      <a:endParaRPr lang="en-US" dirty="0"/>
+                    </a:p>
+                  </a:txBody>
+                  <a:tcPr/>
+                </a:tc>
+                <a:extLst>
+                  <a:ext uri="{0D108BD9-81ED-4DB2-BD59-A6C34878D82A}">
+                    <a16:rowId xmlns:a16="http://schemas.microsoft.com/office/drawing/2014/main" val="1121930200"/>
+                  </a:ext>
+                </a:extLst>
+              </a:tr>
+              <a:tr h="268492">
+                <a:tc>
+                  <a:txBody>
+                    <a:bodyPr/>
+                    <a:lstStyle/>
+                    <a:p>
+                      <a:r>
+                        <a:rPr lang="en-US" b="1" dirty="0"/>
+                        <a:t>3</a:t>
+                      </a:r>
+                    </a:p>
+                  </a:txBody>
+                  <a:tcPr/>
+                </a:tc>
+                <a:tc>
+                  <a:txBody>
+                    <a:bodyPr/>
+                    <a:lstStyle/>
+                    <a:p>
+                      <a:r>
+                        <a:rPr lang="el-GR" dirty="0"/>
+                        <a:t>4</a:t>
+                      </a:r>
+                      <a:endParaRPr lang="en-US" dirty="0"/>
+                    </a:p>
+                  </a:txBody>
+                  <a:tcPr/>
+                </a:tc>
+                <a:tc>
+                  <a:txBody>
+                    <a:bodyPr/>
+                    <a:lstStyle/>
+                    <a:p>
+                      <a:r>
+                        <a:rPr lang="el-GR" dirty="0"/>
+                        <a:t>0</a:t>
+                      </a:r>
+                      <a:endParaRPr lang="en-US" dirty="0"/>
+                    </a:p>
+                  </a:txBody>
+                  <a:tcPr/>
+                </a:tc>
+                <a:tc>
+                  <a:txBody>
+                    <a:bodyPr/>
+                    <a:lstStyle/>
+                    <a:p>
+                      <a:r>
+                        <a:rPr lang="el-GR" dirty="0"/>
+                        <a:t>18</a:t>
+                      </a:r>
+                      <a:endParaRPr lang="en-US" dirty="0"/>
+                    </a:p>
+                  </a:txBody>
+                  <a:tcPr/>
+                </a:tc>
+                <a:tc>
+                  <a:txBody>
+                    <a:bodyPr/>
+                    <a:lstStyle/>
+                    <a:p>
+                      <a:r>
+                        <a:rPr lang="el-GR" dirty="0"/>
+                        <a:t>112</a:t>
+                      </a:r>
+                      <a:endParaRPr lang="en-US" dirty="0"/>
+                    </a:p>
+                  </a:txBody>
+                  <a:tcPr/>
+                </a:tc>
+                <a:extLst>
+                  <a:ext uri="{0D108BD9-81ED-4DB2-BD59-A6C34878D82A}">
+                    <a16:rowId xmlns:a16="http://schemas.microsoft.com/office/drawing/2014/main" val="48529640"/>
+                  </a:ext>
+                </a:extLst>
+              </a:tr>
+            </a:tbl>
+          </a:graphicData>
+        </a:graphic>
+      </p:graphicFrame>
+    </p:spTree>
+    <p:extLst>
+      <p:ext uri="{BB962C8B-B14F-4D97-AF65-F5344CB8AC3E}">
+        <p14:creationId xmlns:p14="http://schemas.microsoft.com/office/powerpoint/2010/main" val="1011043539"/>
+      </p:ext>
+    </p:extLst>
+  </p:cSld>
+  <p:clrMapOvr>
+    <a:masterClrMapping/>
+  </p:clrMapOvr>
+</p:sld>
+</file>
+
+<file path=ppt/slides/slide17.xml><?xml version="1.0" encoding="utf-8"?>
 <p:sld xmlns:a="http://schemas.openxmlformats.org/drawingml/2006/main" xmlns:r="http://schemas.openxmlformats.org/officeDocument/2006/relationships" xmlns:p="http://schemas.openxmlformats.org/presentationml/2006/main">
   <p:cSld>
     <p:spTree>
@@ -5607,7 +6824,7 @@
                 <a:latin typeface="Segoe UI Light" panose="020B0502040204020203" pitchFamily="34" charset="0"/>
                 <a:cs typeface="Segoe UI Light" panose="020B0502040204020203" pitchFamily="34" charset="0"/>
               </a:rPr>
-              <a:t> at the last layer (Average Pooling after the last Convolutional Layer) outperforms VGG 19 </a:t>
+              <a:t> at the last Convolutional Layer (we receive output of Average Pooling) outperforms VGG 19 </a:t>
             </a:r>
             <a:r>
               <a:rPr lang="en-US" sz="1600" dirty="0" err="1">
@@ -5674,7 +6891,7 @@
                 <a:latin typeface="Segoe UI Light" panose="020B0502040204020203" pitchFamily="34" charset="0"/>
                 <a:cs typeface="Segoe UI Light" panose="020B0502040204020203" pitchFamily="34" charset="0"/>
               </a:rPr>
-              <a:t> overfit…</a:t>
+              <a:t> overfits…</a:t>
             </a:r>
           </a:p>
           <a:p>
@@ -5719,7 +6936,7 @@
 </p:sld>
 </file>
 
-<file path=ppt/slides/slide13.xml><?xml version="1.0" encoding="utf-8"?>
+<file path=ppt/slides/slide18.xml><?xml version="1.0" encoding="utf-8"?>
 <p:sld xmlns:a="http://schemas.openxmlformats.org/drawingml/2006/main" xmlns:r="http://schemas.openxmlformats.org/officeDocument/2006/relationships" xmlns:p="http://schemas.openxmlformats.org/presentationml/2006/main">
   <p:cSld>
     <p:spTree>
@@ -5781,13 +6998,13 @@
           <p:nvPr>
             <p:extLst>
               <p:ext uri="{D42A27DB-BD31-4B8C-83A1-F6EECF244321}">
-                <p14:modId xmlns:p14="http://schemas.microsoft.com/office/powerpoint/2010/main" val="2810770043"/>
+                <p14:modId xmlns:p14="http://schemas.microsoft.com/office/powerpoint/2010/main" val="3378302301"/>
               </p:ext>
             </p:extLst>
           </p:nvPr>
         </p:nvGraphicFramePr>
         <p:xfrm>
-          <a:off x="1810058" y="1811619"/>
+          <a:off x="3774877" y="2616551"/>
           <a:ext cx="8127999" cy="2225040"/>
         </p:xfrm>
         <a:graphic>
@@ -5877,7 +7094,11 @@
                       </a:r>
                     </a:p>
                   </a:txBody>
-                  <a:tcPr/>
+                  <a:tcPr>
+                    <a:solidFill>
+                      <a:schemeClr val="accent3"/>
+                    </a:solidFill>
+                  </a:tcPr>
                 </a:tc>
                 <a:tc>
                   <a:txBody>
@@ -5886,11 +7107,15 @@
                     <a:p>
                       <a:r>
                         <a:rPr lang="en-US" dirty="0"/>
-                        <a:t>97.3 </a:t>
-                      </a:r>
-                    </a:p>
-                  </a:txBody>
-                  <a:tcPr/>
+                        <a:t>87.8 </a:t>
+                      </a:r>
+                    </a:p>
+                  </a:txBody>
+                  <a:tcPr>
+                    <a:solidFill>
+                      <a:schemeClr val="accent3"/>
+                    </a:solidFill>
+                  </a:tcPr>
                 </a:tc>
                 <a:tc>
                   <a:txBody>
@@ -5899,11 +7124,15 @@
                     <a:p>
                       <a:r>
                         <a:rPr lang="en-US" dirty="0"/>
-                        <a:t>1.10</a:t>
-                      </a:r>
-                    </a:p>
-                  </a:txBody>
-                  <a:tcPr/>
+                        <a:t>2.9</a:t>
+                      </a:r>
+                    </a:p>
+                  </a:txBody>
+                  <a:tcPr>
+                    <a:solidFill>
+                      <a:schemeClr val="accent3"/>
+                    </a:solidFill>
+                  </a:tcPr>
                 </a:tc>
                 <a:extLst>
                   <a:ext uri="{0D108BD9-81ED-4DB2-BD59-A6C34878D82A}">
@@ -5978,7 +7207,7 @@
                     <a:p>
                       <a:r>
                         <a:rPr lang="en-US" dirty="0"/>
-                        <a:t>97.5</a:t>
+                        <a:t>98.4</a:t>
                       </a:r>
                     </a:p>
                   </a:txBody>
@@ -5991,7 +7220,7 @@
                     <a:p>
                       <a:r>
                         <a:rPr lang="en-US" dirty="0"/>
-                        <a:t>0.56</a:t>
+                        <a:t>0.44</a:t>
                       </a:r>
                     </a:p>
                   </a:txBody>
@@ -6024,7 +7253,7 @@
                     <a:p>
                       <a:r>
                         <a:rPr lang="en-US" dirty="0"/>
-                        <a:t>97.8</a:t>
+                        <a:t>97.7</a:t>
                       </a:r>
                     </a:p>
                   </a:txBody>
@@ -6112,7 +7341,7 @@
 </p:sld>
 </file>
 
-<file path=ppt/slides/slide14.xml><?xml version="1.0" encoding="utf-8"?>
+<file path=ppt/slides/slide19.xml><?xml version="1.0" encoding="utf-8"?>
 <p:sld xmlns:a="http://schemas.openxmlformats.org/drawingml/2006/main" xmlns:r="http://schemas.openxmlformats.org/officeDocument/2006/relationships" xmlns:p="http://schemas.openxmlformats.org/presentationml/2006/main">
   <p:cSld>
     <p:spTree>
@@ -6171,10 +7400,16 @@
           <p:cNvGraphicFramePr>
             <a:graphicFrameLocks noGrp="1"/>
           </p:cNvGraphicFramePr>
-          <p:nvPr/>
+          <p:nvPr>
+            <p:extLst>
+              <p:ext uri="{D42A27DB-BD31-4B8C-83A1-F6EECF244321}">
+                <p14:modId xmlns:p14="http://schemas.microsoft.com/office/powerpoint/2010/main" val="922873240"/>
+              </p:ext>
+            </p:extLst>
+          </p:nvPr>
         </p:nvGraphicFramePr>
         <p:xfrm>
-          <a:off x="1810058" y="1811619"/>
+          <a:off x="3774877" y="2616551"/>
           <a:ext cx="8127999" cy="2225040"/>
         </p:xfrm>
         <a:graphic>
@@ -6264,7 +7499,11 @@
                       </a:r>
                     </a:p>
                   </a:txBody>
-                  <a:tcPr/>
+                  <a:tcPr>
+                    <a:solidFill>
+                      <a:srgbClr val="F5F5F5"/>
+                    </a:solidFill>
+                  </a:tcPr>
                 </a:tc>
                 <a:tc>
                   <a:txBody>
@@ -6273,11 +7512,15 @@
                     <a:p>
                       <a:r>
                         <a:rPr lang="en-US" dirty="0"/>
-                        <a:t>97.3 </a:t>
-                      </a:r>
-                    </a:p>
-                  </a:txBody>
-                  <a:tcPr/>
+                        <a:t>87.8 </a:t>
+                      </a:r>
+                    </a:p>
+                  </a:txBody>
+                  <a:tcPr>
+                    <a:solidFill>
+                      <a:srgbClr val="F5F5F5"/>
+                    </a:solidFill>
+                  </a:tcPr>
                 </a:tc>
                 <a:tc>
                   <a:txBody>
@@ -6286,11 +7529,15 @@
                     <a:p>
                       <a:r>
                         <a:rPr lang="en-US" dirty="0"/>
-                        <a:t>1.10</a:t>
-                      </a:r>
-                    </a:p>
-                  </a:txBody>
-                  <a:tcPr/>
+                        <a:t>2.9</a:t>
+                      </a:r>
+                    </a:p>
+                  </a:txBody>
+                  <a:tcPr>
+                    <a:solidFill>
+                      <a:srgbClr val="F5F5F5"/>
+                    </a:solidFill>
+                  </a:tcPr>
                 </a:tc>
                 <a:extLst>
                   <a:ext uri="{0D108BD9-81ED-4DB2-BD59-A6C34878D82A}">
@@ -6310,7 +7557,11 @@
                       </a:r>
                     </a:p>
                   </a:txBody>
-                  <a:tcPr/>
+                  <a:tcPr>
+                    <a:solidFill>
+                      <a:schemeClr val="accent3"/>
+                    </a:solidFill>
+                  </a:tcPr>
                 </a:tc>
                 <a:tc>
                   <a:txBody>
@@ -6323,7 +7574,11 @@
                       </a:r>
                     </a:p>
                   </a:txBody>
-                  <a:tcPr/>
+                  <a:tcPr>
+                    <a:solidFill>
+                      <a:schemeClr val="accent3"/>
+                    </a:solidFill>
+                  </a:tcPr>
                 </a:tc>
                 <a:tc>
                   <a:txBody>
@@ -6336,7 +7591,11 @@
                       </a:r>
                     </a:p>
                   </a:txBody>
-                  <a:tcPr/>
+                  <a:tcPr>
+                    <a:solidFill>
+                      <a:schemeClr val="accent3"/>
+                    </a:solidFill>
+                  </a:tcPr>
                 </a:tc>
                 <a:extLst>
                   <a:ext uri="{0D108BD9-81ED-4DB2-BD59-A6C34878D82A}">
@@ -6365,7 +7624,7 @@
                     <a:p>
                       <a:r>
                         <a:rPr lang="en-US" dirty="0"/>
-                        <a:t>97.5</a:t>
+                        <a:t>98.4</a:t>
                       </a:r>
                     </a:p>
                   </a:txBody>
@@ -6378,7 +7637,7 @@
                     <a:p>
                       <a:r>
                         <a:rPr lang="en-US" dirty="0"/>
-                        <a:t>0.56</a:t>
+                        <a:t>0.44</a:t>
                       </a:r>
                     </a:p>
                   </a:txBody>
@@ -6411,7 +7670,7 @@
                     <a:p>
                       <a:r>
                         <a:rPr lang="en-US" dirty="0"/>
-                        <a:t>97.8</a:t>
+                        <a:t>97.7</a:t>
                       </a:r>
                     </a:p>
                   </a:txBody>
@@ -6486,60 +7745,98 @@
           </a:graphicData>
         </a:graphic>
       </p:graphicFrame>
-      <p:sp>
-        <p:nvSpPr>
-          <p:cNvPr id="9" name="Οβάλ 8">
+      <p:pic>
+        <p:nvPicPr>
+          <p:cNvPr id="5" name="Γραφικό 4">
             <a:extLst>
               <a:ext uri="{FF2B5EF4-FFF2-40B4-BE49-F238E27FC236}">
-                <a16:creationId xmlns:a16="http://schemas.microsoft.com/office/drawing/2014/main" id="{8220380C-30FA-34F7-8E22-B24A61B9C663}"/>
+                <a16:creationId xmlns:a16="http://schemas.microsoft.com/office/drawing/2014/main" id="{45A3D6DB-98C6-3C84-C1F3-16D142FD9CF0}"/>
               </a:ext>
             </a:extLst>
           </p:cNvPr>
-          <p:cNvSpPr/>
+          <p:cNvPicPr>
+            <a:picLocks noChangeAspect="1"/>
+          </p:cNvPicPr>
           <p:nvPr/>
-        </p:nvSpPr>
+        </p:nvPicPr>
+        <p:blipFill>
+          <a:blip r:embed="rId3">
+            <a:extLst>
+              <a:ext uri="{96DAC541-7B7A-43D3-8B79-37D633B846F1}">
+                <asvg:svgBlip xmlns:asvg="http://schemas.microsoft.com/office/drawing/2016/SVG/main" r:embed="rId4"/>
+              </a:ext>
+            </a:extLst>
+          </a:blip>
+          <a:stretch>
+            <a:fillRect/>
+          </a:stretch>
+        </p:blipFill>
         <p:spPr>
           <a:xfrm>
-            <a:off x="1660122" y="3231468"/>
-            <a:ext cx="1757779" cy="541215"/>
+            <a:off x="435851" y="2776571"/>
+            <a:ext cx="3143250" cy="1905000"/>
           </a:xfrm>
-          <a:prstGeom prst="ellipse">
+          <a:prstGeom prst="rect">
             <a:avLst/>
           </a:prstGeom>
-          <a:noFill/>
-          <a:ln>
-            <a:solidFill>
-              <a:schemeClr val="accent2"/>
-            </a:solidFill>
-          </a:ln>
         </p:spPr>
-        <p:style>
-          <a:lnRef idx="3">
-            <a:schemeClr val="lt1"/>
-          </a:lnRef>
-          <a:fillRef idx="1">
-            <a:schemeClr val="accent2"/>
-          </a:fillRef>
-          <a:effectRef idx="1">
-            <a:schemeClr val="accent2"/>
-          </a:effectRef>
-          <a:fontRef idx="minor">
-            <a:schemeClr val="lt1"/>
-          </a:fontRef>
-        </p:style>
+      </p:pic>
+      <p:sp>
+        <p:nvSpPr>
+          <p:cNvPr id="6" name="TextBox 5">
+            <a:extLst>
+              <a:ext uri="{FF2B5EF4-FFF2-40B4-BE49-F238E27FC236}">
+                <a16:creationId xmlns:a16="http://schemas.microsoft.com/office/drawing/2014/main" id="{5E02B5DC-F38C-0919-9B69-0E0B8DBBD261}"/>
+              </a:ext>
+            </a:extLst>
+          </p:cNvPr>
+          <p:cNvSpPr txBox="1"/>
+          <p:nvPr/>
+        </p:nvSpPr>
+        <p:spPr>
+          <a:xfrm>
+            <a:off x="1734207" y="2479152"/>
+            <a:ext cx="693683" cy="274798"/>
+          </a:xfrm>
+          <a:prstGeom prst="rect">
+            <a:avLst/>
+          </a:prstGeom>
+        </p:spPr>
         <p:txBody>
-          <a:bodyPr rtlCol="0" anchor="ctr"/>
+          <a:bodyPr vert="horz" wrap="square" lIns="91440" tIns="45720" rIns="91440" bIns="45720" rtlCol="0">
+            <a:noAutofit/>
+          </a:bodyPr>
           <a:lstStyle/>
           <a:p>
-            <a:pPr algn="ctr"/>
-            <a:endParaRPr lang="en-US"/>
+            <a:pPr marL="0" indent="0" algn="l">
+              <a:lnSpc>
+                <a:spcPts val="1800"/>
+              </a:lnSpc>
+              <a:spcAft>
+                <a:spcPts val="600"/>
+              </a:spcAft>
+              <a:buNone/>
+            </a:pPr>
+            <a:r>
+              <a:rPr lang="en-US" sz="1600" b="1" dirty="0">
+                <a:solidFill>
+                  <a:prstClr val="black">
+                    <a:lumMod val="75000"/>
+                    <a:lumOff val="25000"/>
+                  </a:prstClr>
+                </a:solidFill>
+                <a:latin typeface="Segoe UI" panose="020B0502040204020203" pitchFamily="34" charset="0"/>
+                <a:cs typeface="Segoe UI" panose="020B0502040204020203" pitchFamily="34" charset="0"/>
+              </a:rPr>
+              <a:t>LOSS</a:t>
+            </a:r>
           </a:p>
         </p:txBody>
       </p:sp>
     </p:spTree>
     <p:extLst>
       <p:ext uri="{BB962C8B-B14F-4D97-AF65-F5344CB8AC3E}">
-        <p14:creationId xmlns:p14="http://schemas.microsoft.com/office/powerpoint/2010/main" val="3464060997"/>
+        <p14:creationId xmlns:p14="http://schemas.microsoft.com/office/powerpoint/2010/main" val="2231560899"/>
       </p:ext>
     </p:extLst>
   </p:cSld>
@@ -6549,7 +7846,7 @@
 </p:sld>
 </file>
 
-<file path=ppt/slides/slide15.xml><?xml version="1.0" encoding="utf-8"?>
+<file path=ppt/slides/slide2.xml><?xml version="1.0" encoding="utf-8"?>
 <p:sld xmlns:a="http://schemas.openxmlformats.org/drawingml/2006/main" xmlns:r="http://schemas.openxmlformats.org/officeDocument/2006/relationships" xmlns:p="http://schemas.openxmlformats.org/presentationml/2006/main">
   <p:cSld>
     <p:spTree>
@@ -6568,6 +7865,290 @@
       </p:grpSpPr>
       <p:sp>
         <p:nvSpPr>
+          <p:cNvPr id="4" name="Τίτλος 3">
+            <a:extLst>
+              <a:ext uri="{FF2B5EF4-FFF2-40B4-BE49-F238E27FC236}">
+                <a16:creationId xmlns:a16="http://schemas.microsoft.com/office/drawing/2014/main" id="{9E7273F9-59F9-4FB3-9D34-82C64C4F8667}"/>
+              </a:ext>
+            </a:extLst>
+          </p:cNvPr>
+          <p:cNvSpPr>
+            <a:spLocks noGrp="1"/>
+          </p:cNvSpPr>
+          <p:nvPr>
+            <p:ph type="title"/>
+          </p:nvPr>
+        </p:nvSpPr>
+        <p:spPr>
+          <a:xfrm>
+            <a:off x="604434" y="448628"/>
+            <a:ext cx="10983132" cy="747763"/>
+          </a:xfrm>
+        </p:spPr>
+        <p:txBody>
+          <a:bodyPr rtlCol="0"/>
+          <a:lstStyle/>
+          <a:p>
+            <a:pPr rtl="0"/>
+            <a:r>
+              <a:rPr lang="en-US" dirty="0"/>
+              <a:t>About project</a:t>
+            </a:r>
+            <a:endParaRPr lang="el-GR" dirty="0"/>
+          </a:p>
+        </p:txBody>
+      </p:sp>
+      <p:sp>
+        <p:nvSpPr>
+          <p:cNvPr id="8" name="TextBox 7">
+            <a:extLst>
+              <a:ext uri="{FF2B5EF4-FFF2-40B4-BE49-F238E27FC236}">
+                <a16:creationId xmlns:a16="http://schemas.microsoft.com/office/drawing/2014/main" id="{C5F91E9D-8920-EB21-AC7B-5C1A6DEB3823}"/>
+              </a:ext>
+            </a:extLst>
+          </p:cNvPr>
+          <p:cNvSpPr txBox="1"/>
+          <p:nvPr/>
+        </p:nvSpPr>
+        <p:spPr>
+          <a:xfrm>
+            <a:off x="604434" y="1452636"/>
+            <a:ext cx="7463901" cy="2308324"/>
+          </a:xfrm>
+          <a:prstGeom prst="rect">
+            <a:avLst/>
+          </a:prstGeom>
+          <a:noFill/>
+        </p:spPr>
+        <p:txBody>
+          <a:bodyPr wrap="square">
+            <a:spAutoFit/>
+          </a:bodyPr>
+          <a:lstStyle/>
+          <a:p>
+            <a:r>
+              <a:rPr lang="en-US" sz="1600" b="1" dirty="0">
+                <a:solidFill>
+                  <a:srgbClr val="000000"/>
+                </a:solidFill>
+              </a:rPr>
+              <a:t>Action Recognition: </a:t>
+            </a:r>
+          </a:p>
+          <a:p>
+            <a:pPr marL="742950" lvl="1" indent="-285750">
+              <a:buFont typeface="Courier New" panose="02070309020205020404" pitchFamily="49" charset="0"/>
+              <a:buChar char="o"/>
+            </a:pPr>
+            <a:r>
+              <a:rPr lang="en-US" sz="1400" dirty="0">
+                <a:solidFill>
+                  <a:srgbClr val="000000"/>
+                </a:solidFill>
+              </a:rPr>
+              <a:t>C</a:t>
+            </a:r>
+            <a:r>
+              <a:rPr lang="en-US" sz="1400" dirty="0">
+                <a:solidFill>
+                  <a:srgbClr val="000000"/>
+                </a:solidFill>
+                <a:sym typeface="Wingdings" panose="05000000000000000000" pitchFamily="2" charset="2"/>
+              </a:rPr>
+              <a:t>lassifying the activity being performed by a human</a:t>
+            </a:r>
+          </a:p>
+          <a:p>
+            <a:pPr marL="742950" lvl="1" indent="-285750">
+              <a:buFont typeface="Courier New" panose="02070309020205020404" pitchFamily="49" charset="0"/>
+              <a:buChar char="o"/>
+            </a:pPr>
+            <a:r>
+              <a:rPr lang="en-US" sz="1400" dirty="0">
+                <a:solidFill>
+                  <a:srgbClr val="000000"/>
+                </a:solidFill>
+              </a:rPr>
+              <a:t>We need a set of evidence to recognize an action </a:t>
+            </a:r>
+            <a:r>
+              <a:rPr lang="en-US" sz="1400" dirty="0">
+                <a:solidFill>
+                  <a:srgbClr val="000000"/>
+                </a:solidFill>
+                <a:sym typeface="Wingdings" panose="05000000000000000000" pitchFamily="2" charset="2"/>
+              </a:rPr>
+              <a:t> Video classification</a:t>
+            </a:r>
+            <a:endParaRPr lang="en-US" sz="1400" dirty="0">
+              <a:solidFill>
+                <a:srgbClr val="000000"/>
+              </a:solidFill>
+            </a:endParaRPr>
+          </a:p>
+          <a:p>
+            <a:endParaRPr lang="en-US" sz="1400" dirty="0">
+              <a:solidFill>
+                <a:srgbClr val="000000"/>
+              </a:solidFill>
+            </a:endParaRPr>
+          </a:p>
+          <a:p>
+            <a:endParaRPr lang="en-US" sz="1400" dirty="0">
+              <a:solidFill>
+                <a:srgbClr val="000000"/>
+              </a:solidFill>
+            </a:endParaRPr>
+          </a:p>
+          <a:p>
+            <a:r>
+              <a:rPr lang="en-US" sz="1600" b="1" dirty="0">
+                <a:solidFill>
+                  <a:srgbClr val="000000"/>
+                </a:solidFill>
+              </a:rPr>
+              <a:t>Video: </a:t>
+            </a:r>
+          </a:p>
+          <a:p>
+            <a:pPr marL="742950" lvl="1" indent="-285750">
+              <a:buFont typeface="Courier New" panose="02070309020205020404" pitchFamily="49" charset="0"/>
+              <a:buChar char="o"/>
+            </a:pPr>
+            <a:r>
+              <a:rPr lang="en-US" sz="1400" dirty="0">
+                <a:solidFill>
+                  <a:srgbClr val="000000"/>
+                </a:solidFill>
+              </a:rPr>
+              <a:t>A signal which combined spatial and temporal information</a:t>
+            </a:r>
+          </a:p>
+          <a:p>
+            <a:pPr marL="742950" lvl="1" indent="-285750">
+              <a:buFont typeface="Courier New" panose="02070309020205020404" pitchFamily="49" charset="0"/>
+              <a:buChar char="o"/>
+            </a:pPr>
+            <a:r>
+              <a:rPr lang="en-US" sz="1400" i="0" dirty="0">
+                <a:solidFill>
+                  <a:srgbClr val="000000"/>
+                </a:solidFill>
+                <a:effectLst/>
+              </a:rPr>
+              <a:t>Sequence of images-frames</a:t>
+            </a:r>
+          </a:p>
+          <a:p>
+            <a:endParaRPr lang="en-US" sz="1400" dirty="0">
+              <a:solidFill>
+                <a:srgbClr val="000000"/>
+              </a:solidFill>
+            </a:endParaRPr>
+          </a:p>
+          <a:p>
+            <a:pPr lvl="1">
+              <a:buFont typeface="Courier New" panose="02070309020205020404" pitchFamily="49" charset="0"/>
+              <a:buChar char="o"/>
+            </a:pPr>
+            <a:endParaRPr lang="en-US" sz="1400" b="1" i="0" dirty="0">
+              <a:solidFill>
+                <a:srgbClr val="000000"/>
+              </a:solidFill>
+              <a:effectLst/>
+              <a:latin typeface="+mj-lt"/>
+            </a:endParaRPr>
+          </a:p>
+        </p:txBody>
+      </p:sp>
+      <p:pic>
+        <p:nvPicPr>
+          <p:cNvPr id="3" name="Εικόνα 2" descr="Εικόνα που περιέχει χλόη, υπαίθριος, αγώνισμα στίβου, άθλημα&#10;&#10;Περιγραφή που δημιουργήθηκε αυτόματα">
+            <a:extLst>
+              <a:ext uri="{FF2B5EF4-FFF2-40B4-BE49-F238E27FC236}">
+                <a16:creationId xmlns:a16="http://schemas.microsoft.com/office/drawing/2014/main" id="{93D810AC-6076-D393-4149-A6C6C315C95C}"/>
+              </a:ext>
+            </a:extLst>
+          </p:cNvPr>
+          <p:cNvPicPr>
+            <a:picLocks noChangeAspect="1"/>
+          </p:cNvPicPr>
+          <p:nvPr/>
+        </p:nvPicPr>
+        <p:blipFill>
+          <a:blip r:embed="rId3"/>
+          <a:stretch>
+            <a:fillRect/>
+          </a:stretch>
+        </p:blipFill>
+        <p:spPr>
+          <a:xfrm>
+            <a:off x="1146381" y="3546688"/>
+            <a:ext cx="9899238" cy="2339543"/>
+          </a:xfrm>
+          <a:prstGeom prst="roundRect">
+            <a:avLst>
+              <a:gd name="adj" fmla="val 4167"/>
+            </a:avLst>
+          </a:prstGeom>
+          <a:solidFill>
+            <a:srgbClr val="FFFFFF"/>
+          </a:solidFill>
+          <a:ln w="76200" cap="sq">
+            <a:solidFill>
+              <a:srgbClr val="EAEAEA"/>
+            </a:solidFill>
+            <a:miter lim="800000"/>
+          </a:ln>
+          <a:effectLst>
+            <a:reflection blurRad="12700" stA="33000" endPos="28000" dist="5000" dir="5400000" sy="-100000" algn="bl" rotWithShape="0"/>
+          </a:effectLst>
+          <a:scene3d>
+            <a:camera prst="orthographicFront"/>
+            <a:lightRig rig="threePt" dir="t">
+              <a:rot lat="0" lon="0" rev="2700000"/>
+            </a:lightRig>
+          </a:scene3d>
+          <a:sp3d contourW="6350">
+            <a:bevelT h="38100"/>
+            <a:contourClr>
+              <a:srgbClr val="C0C0C0"/>
+            </a:contourClr>
+          </a:sp3d>
+        </p:spPr>
+      </p:pic>
+    </p:spTree>
+    <p:extLst>
+      <p:ext uri="{BB962C8B-B14F-4D97-AF65-F5344CB8AC3E}">
+        <p14:creationId xmlns:p14="http://schemas.microsoft.com/office/powerpoint/2010/main" val="3565743921"/>
+      </p:ext>
+    </p:extLst>
+  </p:cSld>
+  <p:clrMapOvr>
+    <a:masterClrMapping/>
+  </p:clrMapOvr>
+</p:sld>
+</file>
+
+<file path=ppt/slides/slide20.xml><?xml version="1.0" encoding="utf-8"?>
+<p:sld xmlns:a="http://schemas.openxmlformats.org/drawingml/2006/main" xmlns:r="http://schemas.openxmlformats.org/officeDocument/2006/relationships" xmlns:p="http://schemas.openxmlformats.org/presentationml/2006/main">
+  <p:cSld>
+    <p:spTree>
+      <p:nvGrpSpPr>
+        <p:cNvPr id="1" name=""/>
+        <p:cNvGrpSpPr/>
+        <p:nvPr/>
+      </p:nvGrpSpPr>
+      <p:grpSpPr>
+        <a:xfrm>
+          <a:off x="0" y="0"/>
+          <a:ext cx="0" cy="0"/>
+          <a:chOff x="0" y="0"/>
+          <a:chExt cx="0" cy="0"/>
+        </a:xfrm>
+      </p:grpSpPr>
+      <p:sp>
+        <p:nvSpPr>
           <p:cNvPr id="2" name="Τίτλος 1">
             <a:extLst>
               <a:ext uri="{FF2B5EF4-FFF2-40B4-BE49-F238E27FC236}">
@@ -6608,10 +8189,16 @@
           <p:cNvGraphicFramePr>
             <a:graphicFrameLocks noGrp="1"/>
           </p:cNvGraphicFramePr>
-          <p:nvPr/>
+          <p:nvPr>
+            <p:extLst>
+              <p:ext uri="{D42A27DB-BD31-4B8C-83A1-F6EECF244321}">
+                <p14:modId xmlns:p14="http://schemas.microsoft.com/office/powerpoint/2010/main" val="4076936026"/>
+              </p:ext>
+            </p:extLst>
+          </p:nvPr>
         </p:nvGraphicFramePr>
         <p:xfrm>
-          <a:off x="1810058" y="1811619"/>
+          <a:off x="3774877" y="2616551"/>
           <a:ext cx="8127999" cy="2225040"/>
         </p:xfrm>
         <a:graphic>
@@ -6701,7 +8288,11 @@
                       </a:r>
                     </a:p>
                   </a:txBody>
-                  <a:tcPr/>
+                  <a:tcPr>
+                    <a:solidFill>
+                      <a:srgbClr val="F5F5F5"/>
+                    </a:solidFill>
+                  </a:tcPr>
                 </a:tc>
                 <a:tc>
                   <a:txBody>
@@ -6710,11 +8301,15 @@
                     <a:p>
                       <a:r>
                         <a:rPr lang="en-US" dirty="0"/>
-                        <a:t>97.3 </a:t>
-                      </a:r>
-                    </a:p>
-                  </a:txBody>
-                  <a:tcPr/>
+                        <a:t>87.8 </a:t>
+                      </a:r>
+                    </a:p>
+                  </a:txBody>
+                  <a:tcPr>
+                    <a:solidFill>
+                      <a:srgbClr val="F5F5F5"/>
+                    </a:solidFill>
+                  </a:tcPr>
                 </a:tc>
                 <a:tc>
                   <a:txBody>
@@ -6723,11 +8318,15 @@
                     <a:p>
                       <a:r>
                         <a:rPr lang="en-US" dirty="0"/>
-                        <a:t>1.10</a:t>
-                      </a:r>
-                    </a:p>
-                  </a:txBody>
-                  <a:tcPr/>
+                        <a:t>2.9</a:t>
+                      </a:r>
+                    </a:p>
+                  </a:txBody>
+                  <a:tcPr>
+                    <a:solidFill>
+                      <a:srgbClr val="F5F5F5"/>
+                    </a:solidFill>
+                  </a:tcPr>
                 </a:tc>
                 <a:extLst>
                   <a:ext uri="{0D108BD9-81ED-4DB2-BD59-A6C34878D82A}">
@@ -6793,7 +8392,11 @@
                       </a:r>
                     </a:p>
                   </a:txBody>
-                  <a:tcPr/>
+                  <a:tcPr>
+                    <a:solidFill>
+                      <a:schemeClr val="accent3"/>
+                    </a:solidFill>
+                  </a:tcPr>
                 </a:tc>
                 <a:tc>
                   <a:txBody>
@@ -6802,11 +8405,15 @@
                     <a:p>
                       <a:r>
                         <a:rPr lang="en-US" dirty="0"/>
-                        <a:t>97.5</a:t>
-                      </a:r>
-                    </a:p>
-                  </a:txBody>
-                  <a:tcPr/>
+                        <a:t>98.4</a:t>
+                      </a:r>
+                    </a:p>
+                  </a:txBody>
+                  <a:tcPr>
+                    <a:solidFill>
+                      <a:schemeClr val="accent3"/>
+                    </a:solidFill>
+                  </a:tcPr>
                 </a:tc>
                 <a:tc>
                   <a:txBody>
@@ -6815,11 +8422,15 @@
                     <a:p>
                       <a:r>
                         <a:rPr lang="en-US" dirty="0"/>
-                        <a:t>0.56</a:t>
-                      </a:r>
-                    </a:p>
-                  </a:txBody>
-                  <a:tcPr/>
+                        <a:t>0.44</a:t>
+                      </a:r>
+                    </a:p>
+                  </a:txBody>
+                  <a:tcPr>
+                    <a:solidFill>
+                      <a:schemeClr val="accent3"/>
+                    </a:solidFill>
+                  </a:tcPr>
                 </a:tc>
                 <a:extLst>
                   <a:ext uri="{0D108BD9-81ED-4DB2-BD59-A6C34878D82A}">
@@ -6848,7 +8459,7 @@
                     <a:p>
                       <a:r>
                         <a:rPr lang="en-US" dirty="0"/>
-                        <a:t>97.8</a:t>
+                        <a:t>97.7</a:t>
                       </a:r>
                     </a:p>
                   </a:txBody>
@@ -6925,60 +8536,62 @@
       </p:graphicFrame>
       <p:sp>
         <p:nvSpPr>
-          <p:cNvPr id="9" name="Οβάλ 8">
+          <p:cNvPr id="4" name="TextBox 3">
             <a:extLst>
               <a:ext uri="{FF2B5EF4-FFF2-40B4-BE49-F238E27FC236}">
-                <a16:creationId xmlns:a16="http://schemas.microsoft.com/office/drawing/2014/main" id="{8220380C-30FA-34F7-8E22-B24A61B9C663}"/>
+                <a16:creationId xmlns:a16="http://schemas.microsoft.com/office/drawing/2014/main" id="{684C9626-D119-101C-243D-3104205F3F20}"/>
               </a:ext>
             </a:extLst>
           </p:cNvPr>
-          <p:cNvSpPr/>
+          <p:cNvSpPr txBox="1"/>
           <p:nvPr/>
         </p:nvSpPr>
         <p:spPr>
           <a:xfrm>
-            <a:off x="1660122" y="3231468"/>
-            <a:ext cx="1757779" cy="541215"/>
+            <a:off x="1734207" y="1501692"/>
+            <a:ext cx="693683" cy="274798"/>
           </a:xfrm>
-          <a:prstGeom prst="ellipse">
+          <a:prstGeom prst="rect">
             <a:avLst/>
           </a:prstGeom>
-          <a:noFill/>
-          <a:ln>
-            <a:solidFill>
-              <a:schemeClr val="accent2"/>
-            </a:solidFill>
-          </a:ln>
         </p:spPr>
-        <p:style>
-          <a:lnRef idx="3">
-            <a:schemeClr val="lt1"/>
-          </a:lnRef>
-          <a:fillRef idx="1">
-            <a:schemeClr val="accent2"/>
-          </a:fillRef>
-          <a:effectRef idx="1">
-            <a:schemeClr val="accent2"/>
-          </a:effectRef>
-          <a:fontRef idx="minor">
-            <a:schemeClr val="lt1"/>
-          </a:fontRef>
-        </p:style>
         <p:txBody>
-          <a:bodyPr rtlCol="0" anchor="ctr"/>
+          <a:bodyPr vert="horz" wrap="square" lIns="91440" tIns="45720" rIns="91440" bIns="45720" rtlCol="0">
+            <a:noAutofit/>
+          </a:bodyPr>
           <a:lstStyle/>
           <a:p>
-            <a:pPr algn="ctr"/>
-            <a:endParaRPr lang="en-US"/>
+            <a:pPr marL="0" indent="0" algn="l">
+              <a:lnSpc>
+                <a:spcPts val="1800"/>
+              </a:lnSpc>
+              <a:spcAft>
+                <a:spcPts val="600"/>
+              </a:spcAft>
+              <a:buNone/>
+            </a:pPr>
+            <a:r>
+              <a:rPr lang="en-US" sz="1600" b="1" dirty="0">
+                <a:solidFill>
+                  <a:prstClr val="black">
+                    <a:lumMod val="75000"/>
+                    <a:lumOff val="25000"/>
+                  </a:prstClr>
+                </a:solidFill>
+                <a:latin typeface="Segoe UI" panose="020B0502040204020203" pitchFamily="34" charset="0"/>
+                <a:cs typeface="Segoe UI" panose="020B0502040204020203" pitchFamily="34" charset="0"/>
+              </a:rPr>
+              <a:t>LOSS</a:t>
+            </a:r>
           </a:p>
         </p:txBody>
       </p:sp>
       <p:pic>
         <p:nvPicPr>
-          <p:cNvPr id="7" name="Γραφικό 6">
+          <p:cNvPr id="8" name="Γραφικό 7">
             <a:extLst>
               <a:ext uri="{FF2B5EF4-FFF2-40B4-BE49-F238E27FC236}">
-                <a16:creationId xmlns:a16="http://schemas.microsoft.com/office/drawing/2014/main" id="{435C2808-3133-C88F-0391-B6A5A865AD66}"/>
+                <a16:creationId xmlns:a16="http://schemas.microsoft.com/office/drawing/2014/main" id="{458A280A-DBD3-70DF-08A2-97B779FE9156}"/>
               </a:ext>
             </a:extLst>
           </p:cNvPr>
@@ -7001,7 +8614,7 @@
         </p:blipFill>
         <p:spPr>
           <a:xfrm>
-            <a:off x="6794807" y="4381500"/>
+            <a:off x="509423" y="1799111"/>
             <a:ext cx="3143250" cy="1905000"/>
           </a:xfrm>
           <a:prstGeom prst="rect">
@@ -7009,12 +8622,64 @@
           </a:prstGeom>
         </p:spPr>
       </p:pic>
+      <p:sp>
+        <p:nvSpPr>
+          <p:cNvPr id="9" name="TextBox 8">
+            <a:extLst>
+              <a:ext uri="{FF2B5EF4-FFF2-40B4-BE49-F238E27FC236}">
+                <a16:creationId xmlns:a16="http://schemas.microsoft.com/office/drawing/2014/main" id="{D5A17CA2-B699-62DE-FAED-42BF57BC6E5C}"/>
+              </a:ext>
+            </a:extLst>
+          </p:cNvPr>
+          <p:cNvSpPr txBox="1"/>
+          <p:nvPr/>
+        </p:nvSpPr>
+        <p:spPr>
+          <a:xfrm>
+            <a:off x="1870840" y="3801083"/>
+            <a:ext cx="420415" cy="295541"/>
+          </a:xfrm>
+          <a:prstGeom prst="rect">
+            <a:avLst/>
+          </a:prstGeom>
+        </p:spPr>
+        <p:txBody>
+          <a:bodyPr vert="horz" wrap="square" lIns="91440" tIns="45720" rIns="91440" bIns="45720" rtlCol="0">
+            <a:noAutofit/>
+          </a:bodyPr>
+          <a:lstStyle/>
+          <a:p>
+            <a:pPr marL="0" indent="0" algn="l">
+              <a:lnSpc>
+                <a:spcPts val="1800"/>
+              </a:lnSpc>
+              <a:spcAft>
+                <a:spcPts val="600"/>
+              </a:spcAft>
+              <a:buNone/>
+            </a:pPr>
+            <a:r>
+              <a:rPr lang="en-US" sz="1600" b="1" dirty="0">
+                <a:solidFill>
+                  <a:prstClr val="black">
+                    <a:lumMod val="75000"/>
+                    <a:lumOff val="25000"/>
+                  </a:prstClr>
+                </a:solidFill>
+                <a:latin typeface="Segoe UI" panose="020B0502040204020203" pitchFamily="34" charset="0"/>
+                <a:cs typeface="Segoe UI" panose="020B0502040204020203" pitchFamily="34" charset="0"/>
+              </a:rPr>
+              <a:t>F1</a:t>
+            </a:r>
+          </a:p>
+        </p:txBody>
+      </p:sp>
       <p:pic>
         <p:nvPicPr>
-          <p:cNvPr id="10" name="Γραφικό 9">
+          <p:cNvPr id="11" name="Γραφικό 10">
             <a:extLst>
               <a:ext uri="{FF2B5EF4-FFF2-40B4-BE49-F238E27FC236}">
-                <a16:creationId xmlns:a16="http://schemas.microsoft.com/office/drawing/2014/main" id="{2AAA1CEC-3300-8BEE-1B44-E4812FF2DFD4}"/>
+                <a16:creationId xmlns:a16="http://schemas.microsoft.com/office/drawing/2014/main" id="{F17AC789-18CC-CB46-E037-225201728EF0}"/>
               </a:ext>
             </a:extLst>
           </p:cNvPr>
@@ -7037,7 +8702,7 @@
         </p:blipFill>
         <p:spPr>
           <a:xfrm>
-            <a:off x="1810058" y="4381500"/>
+            <a:off x="509422" y="4122114"/>
             <a:ext cx="3143250" cy="1905000"/>
           </a:xfrm>
           <a:prstGeom prst="rect">
@@ -7048,7 +8713,7 @@
     </p:spTree>
     <p:extLst>
       <p:ext uri="{BB962C8B-B14F-4D97-AF65-F5344CB8AC3E}">
-        <p14:creationId xmlns:p14="http://schemas.microsoft.com/office/powerpoint/2010/main" val="433261253"/>
+        <p14:creationId xmlns:p14="http://schemas.microsoft.com/office/powerpoint/2010/main" val="2404464090"/>
       </p:ext>
     </p:extLst>
   </p:cSld>
@@ -7058,7 +8723,7 @@
 </p:sld>
 </file>
 
-<file path=ppt/slides/slide16.xml><?xml version="1.0" encoding="utf-8"?>
+<file path=ppt/slides/slide21.xml><?xml version="1.0" encoding="utf-8"?>
 <p:sld xmlns:a="http://schemas.openxmlformats.org/drawingml/2006/main" xmlns:r="http://schemas.openxmlformats.org/officeDocument/2006/relationships" xmlns:p="http://schemas.openxmlformats.org/presentationml/2006/main">
   <p:cSld>
     <p:spTree>
@@ -7117,10 +8782,16 @@
           <p:cNvGraphicFramePr>
             <a:graphicFrameLocks noGrp="1"/>
           </p:cNvGraphicFramePr>
-          <p:nvPr/>
+          <p:nvPr>
+            <p:extLst>
+              <p:ext uri="{D42A27DB-BD31-4B8C-83A1-F6EECF244321}">
+                <p14:modId xmlns:p14="http://schemas.microsoft.com/office/powerpoint/2010/main" val="3843699734"/>
+              </p:ext>
+            </p:extLst>
+          </p:nvPr>
         </p:nvGraphicFramePr>
         <p:xfrm>
-          <a:off x="1810058" y="1811619"/>
+          <a:off x="3774877" y="2616551"/>
           <a:ext cx="8127999" cy="2225040"/>
         </p:xfrm>
         <a:graphic>
@@ -7210,7 +8881,11 @@
                       </a:r>
                     </a:p>
                   </a:txBody>
-                  <a:tcPr/>
+                  <a:tcPr>
+                    <a:solidFill>
+                      <a:srgbClr val="F5F5F5"/>
+                    </a:solidFill>
+                  </a:tcPr>
                 </a:tc>
                 <a:tc>
                   <a:txBody>
@@ -7219,11 +8894,15 @@
                     <a:p>
                       <a:r>
                         <a:rPr lang="en-US" dirty="0"/>
-                        <a:t>97.3 </a:t>
-                      </a:r>
-                    </a:p>
-                  </a:txBody>
-                  <a:tcPr/>
+                        <a:t>87.8 </a:t>
+                      </a:r>
+                    </a:p>
+                  </a:txBody>
+                  <a:tcPr>
+                    <a:solidFill>
+                      <a:srgbClr val="F5F5F5"/>
+                    </a:solidFill>
+                  </a:tcPr>
                 </a:tc>
                 <a:tc>
                   <a:txBody>
@@ -7232,11 +8911,15 @@
                     <a:p>
                       <a:r>
                         <a:rPr lang="en-US" dirty="0"/>
-                        <a:t>1.10</a:t>
-                      </a:r>
-                    </a:p>
-                  </a:txBody>
-                  <a:tcPr/>
+                        <a:t>2.9</a:t>
+                      </a:r>
+                    </a:p>
+                  </a:txBody>
+                  <a:tcPr>
+                    <a:solidFill>
+                      <a:srgbClr val="F5F5F5"/>
+                    </a:solidFill>
+                  </a:tcPr>
                 </a:tc>
                 <a:extLst>
                   <a:ext uri="{0D108BD9-81ED-4DB2-BD59-A6C34878D82A}">
@@ -7311,7 +8994,7 @@
                     <a:p>
                       <a:r>
                         <a:rPr lang="en-US" dirty="0"/>
-                        <a:t>97.5</a:t>
+                        <a:t>98.4</a:t>
                       </a:r>
                     </a:p>
                   </a:txBody>
@@ -7324,7 +9007,7 @@
                     <a:p>
                       <a:r>
                         <a:rPr lang="en-US" dirty="0"/>
-                        <a:t>0.56</a:t>
+                        <a:t>0.44</a:t>
                       </a:r>
                     </a:p>
                   </a:txBody>
@@ -7348,7 +9031,11 @@
                       </a:r>
                     </a:p>
                   </a:txBody>
-                  <a:tcPr/>
+                  <a:tcPr>
+                    <a:solidFill>
+                      <a:schemeClr val="accent3"/>
+                    </a:solidFill>
+                  </a:tcPr>
                 </a:tc>
                 <a:tc>
                   <a:txBody>
@@ -7357,11 +9044,15 @@
                     <a:p>
                       <a:r>
                         <a:rPr lang="en-US" dirty="0"/>
-                        <a:t>97.8</a:t>
-                      </a:r>
-                    </a:p>
-                  </a:txBody>
-                  <a:tcPr/>
+                        <a:t>97.7</a:t>
+                      </a:r>
+                    </a:p>
+                  </a:txBody>
+                  <a:tcPr>
+                    <a:solidFill>
+                      <a:schemeClr val="accent3"/>
+                    </a:solidFill>
+                  </a:tcPr>
                 </a:tc>
                 <a:tc>
                   <a:txBody>
@@ -7374,7 +9065,11 @@
                       </a:r>
                     </a:p>
                   </a:txBody>
-                  <a:tcPr/>
+                  <a:tcPr>
+                    <a:solidFill>
+                      <a:schemeClr val="accent3"/>
+                    </a:solidFill>
+                  </a:tcPr>
                 </a:tc>
                 <a:extLst>
                   <a:ext uri="{0D108BD9-81ED-4DB2-BD59-A6C34878D82A}">
@@ -7434,58 +9129,184 @@
       </p:graphicFrame>
       <p:sp>
         <p:nvSpPr>
-          <p:cNvPr id="9" name="Οβάλ 8">
+          <p:cNvPr id="4" name="TextBox 3">
             <a:extLst>
               <a:ext uri="{FF2B5EF4-FFF2-40B4-BE49-F238E27FC236}">
-                <a16:creationId xmlns:a16="http://schemas.microsoft.com/office/drawing/2014/main" id="{8220380C-30FA-34F7-8E22-B24A61B9C663}"/>
+                <a16:creationId xmlns:a16="http://schemas.microsoft.com/office/drawing/2014/main" id="{215B8FFC-2B48-3F03-E54D-4DA889B8C48A}"/>
               </a:ext>
             </a:extLst>
           </p:cNvPr>
-          <p:cNvSpPr/>
+          <p:cNvSpPr txBox="1"/>
           <p:nvPr/>
         </p:nvSpPr>
         <p:spPr>
           <a:xfrm>
-            <a:off x="1660122" y="3522077"/>
-            <a:ext cx="1757779" cy="747763"/>
+            <a:off x="1734207" y="1501692"/>
+            <a:ext cx="693683" cy="274798"/>
           </a:xfrm>
-          <a:prstGeom prst="ellipse">
+          <a:prstGeom prst="rect">
             <a:avLst/>
           </a:prstGeom>
-          <a:noFill/>
-          <a:ln>
-            <a:solidFill>
-              <a:schemeClr val="accent2"/>
-            </a:solidFill>
-          </a:ln>
         </p:spPr>
-        <p:style>
-          <a:lnRef idx="3">
-            <a:schemeClr val="lt1"/>
-          </a:lnRef>
-          <a:fillRef idx="1">
-            <a:schemeClr val="accent2"/>
-          </a:fillRef>
-          <a:effectRef idx="1">
-            <a:schemeClr val="accent2"/>
-          </a:effectRef>
-          <a:fontRef idx="minor">
-            <a:schemeClr val="lt1"/>
-          </a:fontRef>
-        </p:style>
         <p:txBody>
-          <a:bodyPr rtlCol="0" anchor="ctr"/>
+          <a:bodyPr vert="horz" wrap="square" lIns="91440" tIns="45720" rIns="91440" bIns="45720" rtlCol="0">
+            <a:noAutofit/>
+          </a:bodyPr>
           <a:lstStyle/>
           <a:p>
-            <a:pPr algn="ctr"/>
-            <a:endParaRPr lang="en-US"/>
+            <a:pPr marL="0" indent="0" algn="l">
+              <a:lnSpc>
+                <a:spcPts val="1800"/>
+              </a:lnSpc>
+              <a:spcAft>
+                <a:spcPts val="600"/>
+              </a:spcAft>
+              <a:buNone/>
+            </a:pPr>
+            <a:r>
+              <a:rPr lang="en-US" sz="1600" b="1" dirty="0">
+                <a:solidFill>
+                  <a:prstClr val="black">
+                    <a:lumMod val="75000"/>
+                    <a:lumOff val="25000"/>
+                  </a:prstClr>
+                </a:solidFill>
+                <a:latin typeface="Segoe UI" panose="020B0502040204020203" pitchFamily="34" charset="0"/>
+                <a:cs typeface="Segoe UI" panose="020B0502040204020203" pitchFamily="34" charset="0"/>
+              </a:rPr>
+              <a:t>LOSS</a:t>
+            </a:r>
           </a:p>
         </p:txBody>
       </p:sp>
+      <p:sp>
+        <p:nvSpPr>
+          <p:cNvPr id="5" name="TextBox 4">
+            <a:extLst>
+              <a:ext uri="{FF2B5EF4-FFF2-40B4-BE49-F238E27FC236}">
+                <a16:creationId xmlns:a16="http://schemas.microsoft.com/office/drawing/2014/main" id="{E6757877-5852-3650-190D-513C73ED36DB}"/>
+              </a:ext>
+            </a:extLst>
+          </p:cNvPr>
+          <p:cNvSpPr txBox="1"/>
+          <p:nvPr/>
+        </p:nvSpPr>
+        <p:spPr>
+          <a:xfrm>
+            <a:off x="1870840" y="3801083"/>
+            <a:ext cx="420415" cy="295541"/>
+          </a:xfrm>
+          <a:prstGeom prst="rect">
+            <a:avLst/>
+          </a:prstGeom>
+        </p:spPr>
+        <p:txBody>
+          <a:bodyPr vert="horz" wrap="square" lIns="91440" tIns="45720" rIns="91440" bIns="45720" rtlCol="0">
+            <a:noAutofit/>
+          </a:bodyPr>
+          <a:lstStyle/>
+          <a:p>
+            <a:pPr marL="0" indent="0" algn="l">
+              <a:lnSpc>
+                <a:spcPts val="1800"/>
+              </a:lnSpc>
+              <a:spcAft>
+                <a:spcPts val="600"/>
+              </a:spcAft>
+              <a:buNone/>
+            </a:pPr>
+            <a:r>
+              <a:rPr lang="en-US" sz="1600" b="1" dirty="0">
+                <a:solidFill>
+                  <a:prstClr val="black">
+                    <a:lumMod val="75000"/>
+                    <a:lumOff val="25000"/>
+                  </a:prstClr>
+                </a:solidFill>
+                <a:latin typeface="Segoe UI" panose="020B0502040204020203" pitchFamily="34" charset="0"/>
+                <a:cs typeface="Segoe UI" panose="020B0502040204020203" pitchFamily="34" charset="0"/>
+              </a:rPr>
+              <a:t>F1</a:t>
+            </a:r>
+          </a:p>
+        </p:txBody>
+      </p:sp>
+      <p:pic>
+        <p:nvPicPr>
+          <p:cNvPr id="7" name="Γραφικό 6">
+            <a:extLst>
+              <a:ext uri="{FF2B5EF4-FFF2-40B4-BE49-F238E27FC236}">
+                <a16:creationId xmlns:a16="http://schemas.microsoft.com/office/drawing/2014/main" id="{3C3EAFFE-7B8F-D014-0003-56337ECB0D8A}"/>
+              </a:ext>
+            </a:extLst>
+          </p:cNvPr>
+          <p:cNvPicPr>
+            <a:picLocks noChangeAspect="1"/>
+          </p:cNvPicPr>
+          <p:nvPr/>
+        </p:nvPicPr>
+        <p:blipFill>
+          <a:blip r:embed="rId3">
+            <a:extLst>
+              <a:ext uri="{96DAC541-7B7A-43D3-8B79-37D633B846F1}">
+                <asvg:svgBlip xmlns:asvg="http://schemas.microsoft.com/office/drawing/2016/SVG/main" r:embed="rId4"/>
+              </a:ext>
+            </a:extLst>
+          </a:blip>
+          <a:stretch>
+            <a:fillRect/>
+          </a:stretch>
+        </p:blipFill>
+        <p:spPr>
+          <a:xfrm>
+            <a:off x="509422" y="1824071"/>
+            <a:ext cx="3143250" cy="1905000"/>
+          </a:xfrm>
+          <a:prstGeom prst="rect">
+            <a:avLst/>
+          </a:prstGeom>
+        </p:spPr>
+      </p:pic>
+      <p:pic>
+        <p:nvPicPr>
+          <p:cNvPr id="9" name="Γραφικό 8">
+            <a:extLst>
+              <a:ext uri="{FF2B5EF4-FFF2-40B4-BE49-F238E27FC236}">
+                <a16:creationId xmlns:a16="http://schemas.microsoft.com/office/drawing/2014/main" id="{BDA4DF31-7534-EF5A-C1B2-FB75980C87EF}"/>
+              </a:ext>
+            </a:extLst>
+          </p:cNvPr>
+          <p:cNvPicPr>
+            <a:picLocks noChangeAspect="1"/>
+          </p:cNvPicPr>
+          <p:nvPr/>
+        </p:nvPicPr>
+        <p:blipFill>
+          <a:blip r:embed="rId5">
+            <a:extLst>
+              <a:ext uri="{96DAC541-7B7A-43D3-8B79-37D633B846F1}">
+                <asvg:svgBlip xmlns:asvg="http://schemas.microsoft.com/office/drawing/2016/SVG/main" r:embed="rId6"/>
+              </a:ext>
+            </a:extLst>
+          </a:blip>
+          <a:stretch>
+            <a:fillRect/>
+          </a:stretch>
+        </p:blipFill>
+        <p:spPr>
+          <a:xfrm>
+            <a:off x="509422" y="4096624"/>
+            <a:ext cx="3143250" cy="1905000"/>
+          </a:xfrm>
+          <a:prstGeom prst="rect">
+            <a:avLst/>
+          </a:prstGeom>
+        </p:spPr>
+      </p:pic>
     </p:spTree>
     <p:extLst>
       <p:ext uri="{BB962C8B-B14F-4D97-AF65-F5344CB8AC3E}">
-        <p14:creationId xmlns:p14="http://schemas.microsoft.com/office/powerpoint/2010/main" val="786936083"/>
+        <p14:creationId xmlns:p14="http://schemas.microsoft.com/office/powerpoint/2010/main" val="2333628350"/>
       </p:ext>
     </p:extLst>
   </p:cSld>
@@ -7495,7 +9316,7 @@
 </p:sld>
 </file>
 
-<file path=ppt/slides/slide17.xml><?xml version="1.0" encoding="utf-8"?>
+<file path=ppt/slides/slide22.xml><?xml version="1.0" encoding="utf-8"?>
 <p:sld xmlns:a="http://schemas.openxmlformats.org/drawingml/2006/main" xmlns:r="http://schemas.openxmlformats.org/officeDocument/2006/relationships" xmlns:p="http://schemas.openxmlformats.org/presentationml/2006/main">
   <p:cSld>
     <p:spTree>
@@ -7554,10 +9375,16 @@
           <p:cNvGraphicFramePr>
             <a:graphicFrameLocks noGrp="1"/>
           </p:cNvGraphicFramePr>
-          <p:nvPr/>
+          <p:nvPr>
+            <p:extLst>
+              <p:ext uri="{D42A27DB-BD31-4B8C-83A1-F6EECF244321}">
+                <p14:modId xmlns:p14="http://schemas.microsoft.com/office/powerpoint/2010/main" val="1776316313"/>
+              </p:ext>
+            </p:extLst>
+          </p:nvPr>
         </p:nvGraphicFramePr>
         <p:xfrm>
-          <a:off x="1810058" y="1811619"/>
+          <a:off x="3774877" y="2616551"/>
           <a:ext cx="8127999" cy="2225040"/>
         </p:xfrm>
         <a:graphic>
@@ -7647,7 +9474,11 @@
                       </a:r>
                     </a:p>
                   </a:txBody>
-                  <a:tcPr/>
+                  <a:tcPr>
+                    <a:solidFill>
+                      <a:srgbClr val="F5F5F5"/>
+                    </a:solidFill>
+                  </a:tcPr>
                 </a:tc>
                 <a:tc>
                   <a:txBody>
@@ -7656,11 +9487,15 @@
                     <a:p>
                       <a:r>
                         <a:rPr lang="en-US" dirty="0"/>
-                        <a:t>97.3 </a:t>
-                      </a:r>
-                    </a:p>
-                  </a:txBody>
-                  <a:tcPr/>
+                        <a:t>87.8 </a:t>
+                      </a:r>
+                    </a:p>
+                  </a:txBody>
+                  <a:tcPr>
+                    <a:solidFill>
+                      <a:srgbClr val="F5F5F5"/>
+                    </a:solidFill>
+                  </a:tcPr>
                 </a:tc>
                 <a:tc>
                   <a:txBody>
@@ -7669,11 +9504,15 @@
                     <a:p>
                       <a:r>
                         <a:rPr lang="en-US" dirty="0"/>
-                        <a:t>1.10</a:t>
-                      </a:r>
-                    </a:p>
-                  </a:txBody>
-                  <a:tcPr/>
+                        <a:t>2.9</a:t>
+                      </a:r>
+                    </a:p>
+                  </a:txBody>
+                  <a:tcPr>
+                    <a:solidFill>
+                      <a:srgbClr val="F5F5F5"/>
+                    </a:solidFill>
+                  </a:tcPr>
                 </a:tc>
                 <a:extLst>
                   <a:ext uri="{0D108BD9-81ED-4DB2-BD59-A6C34878D82A}">
@@ -7748,7 +9587,7 @@
                     <a:p>
                       <a:r>
                         <a:rPr lang="en-US" dirty="0"/>
-                        <a:t>97.5</a:t>
+                        <a:t>98.4</a:t>
                       </a:r>
                     </a:p>
                   </a:txBody>
@@ -7761,7 +9600,7 @@
                     <a:p>
                       <a:r>
                         <a:rPr lang="en-US" dirty="0"/>
-                        <a:t>0.56</a:t>
+                        <a:t>0.44</a:t>
                       </a:r>
                     </a:p>
                   </a:txBody>
@@ -7794,7 +9633,7 @@
                     <a:p>
                       <a:r>
                         <a:rPr lang="en-US" dirty="0"/>
-                        <a:t>97.8</a:t>
+                        <a:t>97.7</a:t>
                       </a:r>
                     </a:p>
                   </a:txBody>
@@ -7831,7 +9670,11 @@
                       </a:r>
                     </a:p>
                   </a:txBody>
-                  <a:tcPr/>
+                  <a:tcPr>
+                    <a:solidFill>
+                      <a:schemeClr val="accent3"/>
+                    </a:solidFill>
+                  </a:tcPr>
                 </a:tc>
                 <a:tc>
                   <a:txBody>
@@ -7844,7 +9687,11 @@
                       </a:r>
                     </a:p>
                   </a:txBody>
-                  <a:tcPr/>
+                  <a:tcPr>
+                    <a:solidFill>
+                      <a:schemeClr val="accent3"/>
+                    </a:solidFill>
+                  </a:tcPr>
                 </a:tc>
                 <a:tc>
                   <a:txBody>
@@ -7857,7 +9704,11 @@
                       </a:r>
                     </a:p>
                   </a:txBody>
-                  <a:tcPr/>
+                  <a:tcPr>
+                    <a:solidFill>
+                      <a:schemeClr val="accent3"/>
+                    </a:solidFill>
+                  </a:tcPr>
                 </a:tc>
                 <a:extLst>
                   <a:ext uri="{0D108BD9-81ED-4DB2-BD59-A6C34878D82A}">
@@ -7871,60 +9722,114 @@
       </p:graphicFrame>
       <p:sp>
         <p:nvSpPr>
-          <p:cNvPr id="9" name="Οβάλ 8">
+          <p:cNvPr id="4" name="TextBox 3">
             <a:extLst>
               <a:ext uri="{FF2B5EF4-FFF2-40B4-BE49-F238E27FC236}">
-                <a16:creationId xmlns:a16="http://schemas.microsoft.com/office/drawing/2014/main" id="{8220380C-30FA-34F7-8E22-B24A61B9C663}"/>
+                <a16:creationId xmlns:a16="http://schemas.microsoft.com/office/drawing/2014/main" id="{CE20B6CC-4F14-7D6E-D838-CA3604A015CB}"/>
               </a:ext>
             </a:extLst>
           </p:cNvPr>
-          <p:cNvSpPr/>
+          <p:cNvSpPr txBox="1"/>
           <p:nvPr/>
         </p:nvSpPr>
         <p:spPr>
           <a:xfrm>
-            <a:off x="1660122" y="3522077"/>
-            <a:ext cx="1757779" cy="747763"/>
+            <a:off x="1734207" y="1501692"/>
+            <a:ext cx="693683" cy="274798"/>
           </a:xfrm>
-          <a:prstGeom prst="ellipse">
+          <a:prstGeom prst="rect">
             <a:avLst/>
           </a:prstGeom>
-          <a:noFill/>
-          <a:ln>
-            <a:solidFill>
-              <a:schemeClr val="accent2"/>
-            </a:solidFill>
-          </a:ln>
         </p:spPr>
-        <p:style>
-          <a:lnRef idx="3">
-            <a:schemeClr val="lt1"/>
-          </a:lnRef>
-          <a:fillRef idx="1">
-            <a:schemeClr val="accent2"/>
-          </a:fillRef>
-          <a:effectRef idx="1">
-            <a:schemeClr val="accent2"/>
-          </a:effectRef>
-          <a:fontRef idx="minor">
-            <a:schemeClr val="lt1"/>
-          </a:fontRef>
-        </p:style>
         <p:txBody>
-          <a:bodyPr rtlCol="0" anchor="ctr"/>
+          <a:bodyPr vert="horz" wrap="square" lIns="91440" tIns="45720" rIns="91440" bIns="45720" rtlCol="0">
+            <a:noAutofit/>
+          </a:bodyPr>
           <a:lstStyle/>
           <a:p>
-            <a:pPr algn="ctr"/>
-            <a:endParaRPr lang="en-US"/>
+            <a:pPr marL="0" indent="0" algn="l">
+              <a:lnSpc>
+                <a:spcPts val="1800"/>
+              </a:lnSpc>
+              <a:spcAft>
+                <a:spcPts val="600"/>
+              </a:spcAft>
+              <a:buNone/>
+            </a:pPr>
+            <a:r>
+              <a:rPr lang="en-US" sz="1600" b="1" dirty="0">
+                <a:solidFill>
+                  <a:prstClr val="black">
+                    <a:lumMod val="75000"/>
+                    <a:lumOff val="25000"/>
+                  </a:prstClr>
+                </a:solidFill>
+                <a:latin typeface="Segoe UI" panose="020B0502040204020203" pitchFamily="34" charset="0"/>
+                <a:cs typeface="Segoe UI" panose="020B0502040204020203" pitchFamily="34" charset="0"/>
+              </a:rPr>
+              <a:t>LOSS</a:t>
+            </a:r>
+          </a:p>
+        </p:txBody>
+      </p:sp>
+      <p:sp>
+        <p:nvSpPr>
+          <p:cNvPr id="5" name="TextBox 4">
+            <a:extLst>
+              <a:ext uri="{FF2B5EF4-FFF2-40B4-BE49-F238E27FC236}">
+                <a16:creationId xmlns:a16="http://schemas.microsoft.com/office/drawing/2014/main" id="{65D6A67F-6D32-3055-292E-FD20B8EFE83B}"/>
+              </a:ext>
+            </a:extLst>
+          </p:cNvPr>
+          <p:cNvSpPr txBox="1"/>
+          <p:nvPr/>
+        </p:nvSpPr>
+        <p:spPr>
+          <a:xfrm>
+            <a:off x="1870840" y="3801083"/>
+            <a:ext cx="420415" cy="295541"/>
+          </a:xfrm>
+          <a:prstGeom prst="rect">
+            <a:avLst/>
+          </a:prstGeom>
+        </p:spPr>
+        <p:txBody>
+          <a:bodyPr vert="horz" wrap="square" lIns="91440" tIns="45720" rIns="91440" bIns="45720" rtlCol="0">
+            <a:noAutofit/>
+          </a:bodyPr>
+          <a:lstStyle/>
+          <a:p>
+            <a:pPr marL="0" indent="0" algn="l">
+              <a:lnSpc>
+                <a:spcPts val="1800"/>
+              </a:lnSpc>
+              <a:spcAft>
+                <a:spcPts val="600"/>
+              </a:spcAft>
+              <a:buNone/>
+            </a:pPr>
+            <a:r>
+              <a:rPr lang="en-US" sz="1600" b="1" dirty="0">
+                <a:solidFill>
+                  <a:prstClr val="black">
+                    <a:lumMod val="75000"/>
+                    <a:lumOff val="25000"/>
+                  </a:prstClr>
+                </a:solidFill>
+                <a:latin typeface="Segoe UI" panose="020B0502040204020203" pitchFamily="34" charset="0"/>
+                <a:cs typeface="Segoe UI" panose="020B0502040204020203" pitchFamily="34" charset="0"/>
+              </a:rPr>
+              <a:t>F1</a:t>
+            </a:r>
           </a:p>
         </p:txBody>
       </p:sp>
       <p:pic>
         <p:nvPicPr>
-          <p:cNvPr id="5" name="Γραφικό 4">
+          <p:cNvPr id="7" name="Γραφικό 6">
             <a:extLst>
               <a:ext uri="{FF2B5EF4-FFF2-40B4-BE49-F238E27FC236}">
-                <a16:creationId xmlns:a16="http://schemas.microsoft.com/office/drawing/2014/main" id="{BAAAD852-B1DC-D7AF-6955-83D8DD6331ED}"/>
+                <a16:creationId xmlns:a16="http://schemas.microsoft.com/office/drawing/2014/main" id="{1C30E598-66CC-0242-5D5A-294FD28AB8C9}"/>
               </a:ext>
             </a:extLst>
           </p:cNvPr>
@@ -7947,7 +9852,7 @@
         </p:blipFill>
         <p:spPr>
           <a:xfrm>
-            <a:off x="1660122" y="4457345"/>
+            <a:off x="509422" y="1896083"/>
             <a:ext cx="3143250" cy="1905000"/>
           </a:xfrm>
           <a:prstGeom prst="rect">
@@ -7957,10 +9862,10 @@
       </p:pic>
       <p:pic>
         <p:nvPicPr>
-          <p:cNvPr id="10" name="Γραφικό 9">
+          <p:cNvPr id="9" name="Γραφικό 8">
             <a:extLst>
               <a:ext uri="{FF2B5EF4-FFF2-40B4-BE49-F238E27FC236}">
-                <a16:creationId xmlns:a16="http://schemas.microsoft.com/office/drawing/2014/main" id="{E998EC65-EDBF-B392-FA0A-5B038B0D812F}"/>
+                <a16:creationId xmlns:a16="http://schemas.microsoft.com/office/drawing/2014/main" id="{173993F8-678B-A51A-30FD-29BCA149F33E}"/>
               </a:ext>
             </a:extLst>
           </p:cNvPr>
@@ -7983,7 +9888,7 @@
         </p:blipFill>
         <p:spPr>
           <a:xfrm>
-            <a:off x="6794807" y="4457345"/>
+            <a:off x="393810" y="4096624"/>
             <a:ext cx="3143250" cy="1905000"/>
           </a:xfrm>
           <a:prstGeom prst="rect">
@@ -7994,7 +9899,7 @@
     </p:spTree>
     <p:extLst>
       <p:ext uri="{BB962C8B-B14F-4D97-AF65-F5344CB8AC3E}">
-        <p14:creationId xmlns:p14="http://schemas.microsoft.com/office/powerpoint/2010/main" val="25702423"/>
+        <p14:creationId xmlns:p14="http://schemas.microsoft.com/office/powerpoint/2010/main" val="3112405327"/>
       </p:ext>
     </p:extLst>
   </p:cSld>
@@ -8004,7 +9909,7 @@
 </p:sld>
 </file>
 
-<file path=ppt/slides/slide18.xml><?xml version="1.0" encoding="utf-8"?>
+<file path=ppt/slides/slide23.xml><?xml version="1.0" encoding="utf-8"?>
 <p:sld xmlns:a="http://schemas.openxmlformats.org/drawingml/2006/main" xmlns:r="http://schemas.openxmlformats.org/officeDocument/2006/relationships" xmlns:p="http://schemas.openxmlformats.org/presentationml/2006/main">
   <p:cSld>
     <p:spTree>
@@ -8037,457 +9942,33 @@
             <p:ph type="title"/>
           </p:nvPr>
         </p:nvSpPr>
-        <p:spPr/>
-        <p:txBody>
-          <a:bodyPr rtlCol="0"/>
-          <a:lstStyle/>
-          <a:p>
-            <a:pPr rtl="0"/>
-            <a:r>
-              <a:rPr lang="en-US" dirty="0"/>
-              <a:t>Results: Test Dataset</a:t>
-            </a:r>
-            <a:endParaRPr lang="el-GR" dirty="0"/>
-          </a:p>
-        </p:txBody>
-      </p:sp>
-      <p:graphicFrame>
-        <p:nvGraphicFramePr>
-          <p:cNvPr id="3" name="Πίνακας 3">
-            <a:extLst>
-              <a:ext uri="{FF2B5EF4-FFF2-40B4-BE49-F238E27FC236}">
-                <a16:creationId xmlns:a16="http://schemas.microsoft.com/office/drawing/2014/main" id="{EB49101C-BA1F-27ED-94E6-87A5290630E1}"/>
-              </a:ext>
-            </a:extLst>
-          </p:cNvPr>
-          <p:cNvGraphicFramePr>
-            <a:graphicFrameLocks noGrp="1"/>
-          </p:cNvGraphicFramePr>
-          <p:nvPr/>
-        </p:nvGraphicFramePr>
-        <p:xfrm>
-          <a:off x="1810058" y="1811619"/>
-          <a:ext cx="8127999" cy="2225040"/>
-        </p:xfrm>
-        <a:graphic>
-          <a:graphicData uri="http://schemas.openxmlformats.org/drawingml/2006/table">
-            <a:tbl>
-              <a:tblPr firstRow="1" bandRow="1">
-                <a:tableStyleId>{72833802-FEF1-4C79-8D5D-14CF1EAF98D9}</a:tableStyleId>
-              </a:tblPr>
-              <a:tblGrid>
-                <a:gridCol w="2709333">
-                  <a:extLst>
-                    <a:ext uri="{9D8B030D-6E8A-4147-A177-3AD203B41FA5}">
-                      <a16:colId xmlns:a16="http://schemas.microsoft.com/office/drawing/2014/main" val="266904103"/>
-                    </a:ext>
-                  </a:extLst>
-                </a:gridCol>
-                <a:gridCol w="2709333">
-                  <a:extLst>
-                    <a:ext uri="{9D8B030D-6E8A-4147-A177-3AD203B41FA5}">
-                      <a16:colId xmlns:a16="http://schemas.microsoft.com/office/drawing/2014/main" val="3881663052"/>
-                    </a:ext>
-                  </a:extLst>
-                </a:gridCol>
-                <a:gridCol w="2709333">
-                  <a:extLst>
-                    <a:ext uri="{9D8B030D-6E8A-4147-A177-3AD203B41FA5}">
-                      <a16:colId xmlns:a16="http://schemas.microsoft.com/office/drawing/2014/main" val="2668918766"/>
-                    </a:ext>
-                  </a:extLst>
-                </a:gridCol>
-              </a:tblGrid>
-              <a:tr h="370840">
-                <a:tc>
-                  <a:txBody>
-                    <a:bodyPr/>
-                    <a:lstStyle/>
-                    <a:p>
-                      <a:r>
-                        <a:rPr lang="en-US" dirty="0"/>
-                        <a:t>Model Name</a:t>
-                      </a:r>
-                    </a:p>
-                  </a:txBody>
-                  <a:tcPr/>
-                </a:tc>
-                <a:tc>
-                  <a:txBody>
-                    <a:bodyPr/>
-                    <a:lstStyle/>
-                    <a:p>
-                      <a:r>
-                        <a:rPr lang="en-US" dirty="0"/>
-                        <a:t>F1 Score</a:t>
-                      </a:r>
-                    </a:p>
-                  </a:txBody>
-                  <a:tcPr/>
-                </a:tc>
-                <a:tc>
-                  <a:txBody>
-                    <a:bodyPr/>
-                    <a:lstStyle/>
-                    <a:p>
-                      <a:r>
-                        <a:rPr lang="en-US" dirty="0"/>
-                        <a:t>Loss</a:t>
-                      </a:r>
-                    </a:p>
-                  </a:txBody>
-                  <a:tcPr/>
-                </a:tc>
-                <a:extLst>
-                  <a:ext uri="{0D108BD9-81ED-4DB2-BD59-A6C34878D82A}">
-                    <a16:rowId xmlns:a16="http://schemas.microsoft.com/office/drawing/2014/main" val="2644754612"/>
-                  </a:ext>
-                </a:extLst>
-              </a:tr>
-              <a:tr h="370840">
-                <a:tc>
-                  <a:txBody>
-                    <a:bodyPr/>
-                    <a:lstStyle/>
-                    <a:p>
-                      <a:r>
-                        <a:rPr lang="en-US" dirty="0"/>
-                        <a:t>Approach A</a:t>
-                      </a:r>
-                    </a:p>
-                  </a:txBody>
-                  <a:tcPr/>
-                </a:tc>
-                <a:tc>
-                  <a:txBody>
-                    <a:bodyPr/>
-                    <a:lstStyle/>
-                    <a:p>
-                      <a:r>
-                        <a:rPr lang="en-US" dirty="0"/>
-                        <a:t>97.3 </a:t>
-                      </a:r>
-                    </a:p>
-                  </a:txBody>
-                  <a:tcPr/>
-                </a:tc>
-                <a:tc>
-                  <a:txBody>
-                    <a:bodyPr/>
-                    <a:lstStyle/>
-                    <a:p>
-                      <a:r>
-                        <a:rPr lang="en-US" dirty="0"/>
-                        <a:t>1.10</a:t>
-                      </a:r>
-                    </a:p>
-                  </a:txBody>
-                  <a:tcPr/>
-                </a:tc>
-                <a:extLst>
-                  <a:ext uri="{0D108BD9-81ED-4DB2-BD59-A6C34878D82A}">
-                    <a16:rowId xmlns:a16="http://schemas.microsoft.com/office/drawing/2014/main" val="1676632735"/>
-                  </a:ext>
-                </a:extLst>
-              </a:tr>
-              <a:tr h="370840">
-                <a:tc>
-                  <a:txBody>
-                    <a:bodyPr/>
-                    <a:lstStyle/>
-                    <a:p>
-                      <a:r>
-                        <a:rPr lang="en-US" dirty="0"/>
-                        <a:t>Approach B</a:t>
-                      </a:r>
-                    </a:p>
-                  </a:txBody>
-                  <a:tcPr/>
-                </a:tc>
-                <a:tc>
-                  <a:txBody>
-                    <a:bodyPr/>
-                    <a:lstStyle/>
-                    <a:p>
-                      <a:r>
-                        <a:rPr lang="en-US" dirty="0"/>
-                        <a:t>97.7</a:t>
-                      </a:r>
-                    </a:p>
-                  </a:txBody>
-                  <a:tcPr/>
-                </a:tc>
-                <a:tc>
-                  <a:txBody>
-                    <a:bodyPr/>
-                    <a:lstStyle/>
-                    <a:p>
-                      <a:r>
-                        <a:rPr lang="en-US" dirty="0"/>
-                        <a:t>0.64</a:t>
-                      </a:r>
-                    </a:p>
-                  </a:txBody>
-                  <a:tcPr/>
-                </a:tc>
-                <a:extLst>
-                  <a:ext uri="{0D108BD9-81ED-4DB2-BD59-A6C34878D82A}">
-                    <a16:rowId xmlns:a16="http://schemas.microsoft.com/office/drawing/2014/main" val="708068430"/>
-                  </a:ext>
-                </a:extLst>
-              </a:tr>
-              <a:tr h="370840">
-                <a:tc>
-                  <a:txBody>
-                    <a:bodyPr/>
-                    <a:lstStyle/>
-                    <a:p>
-                      <a:r>
-                        <a:rPr lang="en-US" dirty="0"/>
-                        <a:t>Approach C</a:t>
-                      </a:r>
-                    </a:p>
-                  </a:txBody>
-                  <a:tcPr/>
-                </a:tc>
-                <a:tc>
-                  <a:txBody>
-                    <a:bodyPr/>
-                    <a:lstStyle/>
-                    <a:p>
-                      <a:r>
-                        <a:rPr lang="en-US" dirty="0"/>
-                        <a:t>97.5</a:t>
-                      </a:r>
-                    </a:p>
-                  </a:txBody>
-                  <a:tcPr/>
-                </a:tc>
-                <a:tc>
-                  <a:txBody>
-                    <a:bodyPr/>
-                    <a:lstStyle/>
-                    <a:p>
-                      <a:r>
-                        <a:rPr lang="en-US" dirty="0"/>
-                        <a:t>0.56</a:t>
-                      </a:r>
-                    </a:p>
-                  </a:txBody>
-                  <a:tcPr/>
-                </a:tc>
-                <a:extLst>
-                  <a:ext uri="{0D108BD9-81ED-4DB2-BD59-A6C34878D82A}">
-                    <a16:rowId xmlns:a16="http://schemas.microsoft.com/office/drawing/2014/main" val="2232490112"/>
-                  </a:ext>
-                </a:extLst>
-              </a:tr>
-              <a:tr h="370840">
-                <a:tc>
-                  <a:txBody>
-                    <a:bodyPr/>
-                    <a:lstStyle/>
-                    <a:p>
-                      <a:r>
-                        <a:rPr lang="en-US" dirty="0"/>
-                        <a:t>Approach C (Bid)</a:t>
-                      </a:r>
-                    </a:p>
-                  </a:txBody>
-                  <a:tcPr/>
-                </a:tc>
-                <a:tc>
-                  <a:txBody>
-                    <a:bodyPr/>
-                    <a:lstStyle/>
-                    <a:p>
-                      <a:r>
-                        <a:rPr lang="en-US" dirty="0"/>
-                        <a:t>97.8</a:t>
-                      </a:r>
-                    </a:p>
-                  </a:txBody>
-                  <a:tcPr/>
-                </a:tc>
-                <a:tc>
-                  <a:txBody>
-                    <a:bodyPr/>
-                    <a:lstStyle/>
-                    <a:p>
-                      <a:r>
-                        <a:rPr lang="en-US" dirty="0"/>
-                        <a:t>0.57</a:t>
-                      </a:r>
-                    </a:p>
-                  </a:txBody>
-                  <a:tcPr/>
-                </a:tc>
-                <a:extLst>
-                  <a:ext uri="{0D108BD9-81ED-4DB2-BD59-A6C34878D82A}">
-                    <a16:rowId xmlns:a16="http://schemas.microsoft.com/office/drawing/2014/main" val="3427639420"/>
-                  </a:ext>
-                </a:extLst>
-              </a:tr>
-              <a:tr h="370840">
-                <a:tc>
-                  <a:txBody>
-                    <a:bodyPr/>
-                    <a:lstStyle/>
-                    <a:p>
-                      <a:r>
-                        <a:rPr lang="en-US" dirty="0"/>
-                        <a:t>Approach D</a:t>
-                      </a:r>
-                    </a:p>
-                  </a:txBody>
-                  <a:tcPr/>
-                </a:tc>
-                <a:tc>
-                  <a:txBody>
-                    <a:bodyPr/>
-                    <a:lstStyle/>
-                    <a:p>
-                      <a:r>
-                        <a:rPr lang="en-US" dirty="0"/>
-                        <a:t>98.6</a:t>
-                      </a:r>
-                    </a:p>
-                  </a:txBody>
-                  <a:tcPr/>
-                </a:tc>
-                <a:tc>
-                  <a:txBody>
-                    <a:bodyPr/>
-                    <a:lstStyle/>
-                    <a:p>
-                      <a:r>
-                        <a:rPr lang="en-US" dirty="0"/>
-                        <a:t>0.29</a:t>
-                      </a:r>
-                    </a:p>
-                  </a:txBody>
-                  <a:tcPr/>
-                </a:tc>
-                <a:extLst>
-                  <a:ext uri="{0D108BD9-81ED-4DB2-BD59-A6C34878D82A}">
-                    <a16:rowId xmlns:a16="http://schemas.microsoft.com/office/drawing/2014/main" val="3678879431"/>
-                  </a:ext>
-                </a:extLst>
-              </a:tr>
-            </a:tbl>
-          </a:graphicData>
-        </a:graphic>
-      </p:graphicFrame>
-      <p:sp>
-        <p:nvSpPr>
-          <p:cNvPr id="9" name="Οβάλ 8">
-            <a:extLst>
-              <a:ext uri="{FF2B5EF4-FFF2-40B4-BE49-F238E27FC236}">
-                <a16:creationId xmlns:a16="http://schemas.microsoft.com/office/drawing/2014/main" id="{8220380C-30FA-34F7-8E22-B24A61B9C663}"/>
-              </a:ext>
-            </a:extLst>
-          </p:cNvPr>
-          <p:cNvSpPr/>
-          <p:nvPr/>
-        </p:nvSpPr>
         <p:spPr>
           <a:xfrm>
-            <a:off x="1660122" y="3522077"/>
-            <a:ext cx="1757779" cy="747763"/>
+            <a:off x="604434" y="448628"/>
+            <a:ext cx="10983132" cy="747763"/>
           </a:xfrm>
-          <a:prstGeom prst="ellipse">
-            <a:avLst/>
-          </a:prstGeom>
-          <a:noFill/>
-          <a:ln>
-            <a:solidFill>
-              <a:schemeClr val="accent2"/>
-            </a:solidFill>
-          </a:ln>
         </p:spPr>
-        <p:style>
-          <a:lnRef idx="3">
-            <a:schemeClr val="lt1"/>
-          </a:lnRef>
-          <a:fillRef idx="1">
-            <a:schemeClr val="accent2"/>
-          </a:fillRef>
-          <a:effectRef idx="1">
-            <a:schemeClr val="accent2"/>
-          </a:effectRef>
-          <a:fontRef idx="minor">
-            <a:schemeClr val="lt1"/>
-          </a:fontRef>
-        </p:style>
         <p:txBody>
-          <a:bodyPr rtlCol="0" anchor="ctr"/>
+          <a:bodyPr rtlCol="0" anchor="ctr">
+            <a:normAutofit/>
+          </a:bodyPr>
           <a:lstStyle/>
           <a:p>
-            <a:pPr algn="ctr"/>
-            <a:endParaRPr lang="en-US"/>
+            <a:pPr rtl="0"/>
+            <a:r>
+              <a:rPr lang="en-US" dirty="0"/>
+              <a:t>Results: Approach C &amp; Test Dataset</a:t>
+            </a:r>
+            <a:endParaRPr lang="el-GR" dirty="0"/>
           </a:p>
         </p:txBody>
       </p:sp>
-      <p:pic>
-        <p:nvPicPr>
-          <p:cNvPr id="7" name="Εικόνα 6" descr="Εικόνα που περιέχει κείμενο, ηλεκτρονικές συσκευές, αριθμομηχανή&#10;&#10;Περιγραφή που δημιουργήθηκε αυτόματα">
-            <a:extLst>
-              <a:ext uri="{FF2B5EF4-FFF2-40B4-BE49-F238E27FC236}">
-                <a16:creationId xmlns:a16="http://schemas.microsoft.com/office/drawing/2014/main" id="{F52F49B3-FEB1-9945-8B77-158FD74AD5AC}"/>
-              </a:ext>
-            </a:extLst>
-          </p:cNvPr>
-          <p:cNvPicPr>
-            <a:picLocks noChangeAspect="1"/>
-          </p:cNvPicPr>
-          <p:nvPr/>
-        </p:nvPicPr>
-        <p:blipFill>
-          <a:blip r:embed="rId3"/>
-          <a:stretch>
-            <a:fillRect/>
-          </a:stretch>
-        </p:blipFill>
-        <p:spPr>
-          <a:xfrm>
-            <a:off x="7383251" y="4651887"/>
-            <a:ext cx="3833192" cy="1577477"/>
-          </a:xfrm>
-          <a:prstGeom prst="roundRect">
-            <a:avLst>
-              <a:gd name="adj" fmla="val 16667"/>
-            </a:avLst>
-          </a:prstGeom>
-          <a:ln>
-            <a:noFill/>
-          </a:ln>
-          <a:effectLst>
-            <a:outerShdw blurRad="76200" dist="38100" dir="7800000" algn="tl" rotWithShape="0">
-              <a:srgbClr val="000000">
-                <a:alpha val="40000"/>
-              </a:srgbClr>
-            </a:outerShdw>
-          </a:effectLst>
-          <a:scene3d>
-            <a:camera prst="orthographicFront"/>
-            <a:lightRig rig="contrasting" dir="t">
-              <a:rot lat="0" lon="0" rev="4200000"/>
-            </a:lightRig>
-          </a:scene3d>
-          <a:sp3d prstMaterial="plastic">
-            <a:bevelT w="381000" h="114300" prst="relaxedInset"/>
-            <a:contourClr>
-              <a:srgbClr val="969696"/>
-            </a:contourClr>
-          </a:sp3d>
-        </p:spPr>
-      </p:pic>
       <p:graphicFrame>
         <p:nvGraphicFramePr>
           <p:cNvPr id="6" name="Πίνακας 7">
             <a:extLst>
               <a:ext uri="{FF2B5EF4-FFF2-40B4-BE49-F238E27FC236}">
-                <a16:creationId xmlns:a16="http://schemas.microsoft.com/office/drawing/2014/main" id="{8D25EAF6-76EF-99FC-ACE7-AAD7179B42D4}"/>
+                <a16:creationId xmlns:a16="http://schemas.microsoft.com/office/drawing/2014/main" id="{3398ECC2-6B0E-63E8-B83B-E5DF596F8150}"/>
               </a:ext>
             </a:extLst>
           </p:cNvPr>
@@ -8497,14 +9978,14 @@
           <p:nvPr>
             <p:extLst>
               <p:ext uri="{D42A27DB-BD31-4B8C-83A1-F6EECF244321}">
-                <p14:modId xmlns:p14="http://schemas.microsoft.com/office/powerpoint/2010/main" val="357378381"/>
+                <p14:modId xmlns:p14="http://schemas.microsoft.com/office/powerpoint/2010/main" val="2412458825"/>
               </p:ext>
             </p:extLst>
           </p:nvPr>
         </p:nvGraphicFramePr>
         <p:xfrm>
-          <a:off x="975557" y="4573932"/>
-          <a:ext cx="5904635" cy="1828800"/>
+          <a:off x="938358" y="1371916"/>
+          <a:ext cx="4330399" cy="1828800"/>
         </p:xfrm>
         <a:graphic>
           <a:graphicData uri="http://schemas.openxmlformats.org/drawingml/2006/table">
@@ -8513,35 +9994,35 @@
                 <a:tableStyleId>{21E4AEA4-8DFA-4A89-87EB-49C32662AFE0}</a:tableStyleId>
               </a:tblPr>
               <a:tblGrid>
-                <a:gridCol w="1180927">
+                <a:gridCol w="1881489">
                   <a:extLst>
                     <a:ext uri="{9D8B030D-6E8A-4147-A177-3AD203B41FA5}">
                       <a16:colId xmlns:a16="http://schemas.microsoft.com/office/drawing/2014/main" val="2576520222"/>
                     </a:ext>
                   </a:extLst>
                 </a:gridCol>
-                <a:gridCol w="1180927">
+                <a:gridCol w="641131">
                   <a:extLst>
                     <a:ext uri="{9D8B030D-6E8A-4147-A177-3AD203B41FA5}">
                       <a16:colId xmlns:a16="http://schemas.microsoft.com/office/drawing/2014/main" val="3241449624"/>
                     </a:ext>
                   </a:extLst>
                 </a:gridCol>
-                <a:gridCol w="1180927">
+                <a:gridCol w="588579">
                   <a:extLst>
                     <a:ext uri="{9D8B030D-6E8A-4147-A177-3AD203B41FA5}">
                       <a16:colId xmlns:a16="http://schemas.microsoft.com/office/drawing/2014/main" val="1061096405"/>
                     </a:ext>
                   </a:extLst>
                 </a:gridCol>
-                <a:gridCol w="1180927">
+                <a:gridCol w="567559">
                   <a:extLst>
                     <a:ext uri="{9D8B030D-6E8A-4147-A177-3AD203B41FA5}">
                       <a16:colId xmlns:a16="http://schemas.microsoft.com/office/drawing/2014/main" val="2804371778"/>
                     </a:ext>
                   </a:extLst>
                 </a:gridCol>
-                <a:gridCol w="1180927">
+                <a:gridCol w="651641">
                   <a:extLst>
                     <a:ext uri="{9D8B030D-6E8A-4147-A177-3AD203B41FA5}">
                       <a16:colId xmlns:a16="http://schemas.microsoft.com/office/drawing/2014/main" val="53725575"/>
@@ -8555,7 +10036,10 @@
                     <a:bodyPr/>
                     <a:lstStyle/>
                     <a:p>
-                      <a:endParaRPr lang="en-US" dirty="0"/>
+                      <a:r>
+                        <a:rPr lang="en-US" dirty="0"/>
+                        <a:t>True\Predicted</a:t>
+                      </a:r>
                     </a:p>
                   </a:txBody>
                   <a:tcPr/>
@@ -8656,7 +10140,7 @@
                       </a:pPr>
                       <a:r>
                         <a:rPr lang="en-US" dirty="0"/>
-                        <a:t>509</a:t>
+                        <a:t>510</a:t>
                       </a:r>
                     </a:p>
                   </a:txBody>
@@ -8682,7 +10166,7 @@
                     <a:p>
                       <a:r>
                         <a:rPr lang="en-US" dirty="0"/>
-                        <a:t>1</a:t>
+                        <a:t>0</a:t>
                       </a:r>
                     </a:p>
                   </a:txBody>
@@ -8728,7 +10212,7 @@
                     <a:p>
                       <a:r>
                         <a:rPr lang="en-US" dirty="0"/>
-                        <a:t>1</a:t>
+                        <a:t>2</a:t>
                       </a:r>
                     </a:p>
                   </a:txBody>
@@ -8741,7 +10225,7 @@
                     <a:p>
                       <a:r>
                         <a:rPr lang="en-US" dirty="0"/>
-                        <a:t>822</a:t>
+                        <a:t>812</a:t>
                       </a:r>
                     </a:p>
                   </a:txBody>
@@ -8754,7 +10238,7 @@
                     <a:p>
                       <a:r>
                         <a:rPr lang="en-US" dirty="0"/>
-                        <a:t>28</a:t>
+                        <a:t>37</a:t>
                       </a:r>
                     </a:p>
                   </a:txBody>
@@ -8800,7 +10284,7 @@
                     <a:p>
                       <a:r>
                         <a:rPr lang="en-US" dirty="0"/>
-                        <a:t>3</a:t>
+                        <a:t>13</a:t>
                       </a:r>
                     </a:p>
                   </a:txBody>
@@ -8813,7 +10297,7 @@
                     <a:p>
                       <a:r>
                         <a:rPr lang="en-US" dirty="0"/>
-                        <a:t>2</a:t>
+                        <a:t>1</a:t>
                       </a:r>
                     </a:p>
                   </a:txBody>
@@ -8826,7 +10310,7 @@
                     <a:p>
                       <a:r>
                         <a:rPr lang="en-US" dirty="0"/>
-                        <a:t>605</a:t>
+                        <a:t>603</a:t>
                       </a:r>
                     </a:p>
                   </a:txBody>
@@ -8839,7 +10323,7 @@
                     <a:p>
                       <a:r>
                         <a:rPr lang="en-US" dirty="0"/>
-                        <a:t>11</a:t>
+                        <a:t>4</a:t>
                       </a:r>
                     </a:p>
                   </a:txBody>
@@ -8927,10 +10411,96 @@
           </a:graphicData>
         </a:graphic>
       </p:graphicFrame>
+      <p:pic>
+        <p:nvPicPr>
+          <p:cNvPr id="5" name="Εικόνα 4" descr="Εικόνα που περιέχει κείμενο, ηλεκτρονικές συσκευές&#10;&#10;Περιγραφή που δημιουργήθηκε αυτόματα">
+            <a:extLst>
+              <a:ext uri="{FF2B5EF4-FFF2-40B4-BE49-F238E27FC236}">
+                <a16:creationId xmlns:a16="http://schemas.microsoft.com/office/drawing/2014/main" id="{481FC50A-7C0F-3FE8-76E7-7E7AC63A6C76}"/>
+              </a:ext>
+            </a:extLst>
+          </p:cNvPr>
+          <p:cNvPicPr>
+            <a:picLocks noChangeAspect="1"/>
+          </p:cNvPicPr>
+          <p:nvPr/>
+        </p:nvPicPr>
+        <p:blipFill>
+          <a:blip r:embed="rId3"/>
+          <a:stretch>
+            <a:fillRect/>
+          </a:stretch>
+        </p:blipFill>
+        <p:spPr>
+          <a:xfrm>
+            <a:off x="604434" y="3741799"/>
+            <a:ext cx="5041087" cy="2033952"/>
+          </a:xfrm>
+          <a:prstGeom prst="roundRect">
+            <a:avLst>
+              <a:gd name="adj" fmla="val 4167"/>
+            </a:avLst>
+          </a:prstGeom>
+          <a:solidFill>
+            <a:srgbClr val="FFFFFF"/>
+          </a:solidFill>
+          <a:ln w="76200" cap="sq">
+            <a:solidFill>
+              <a:srgbClr val="292929"/>
+            </a:solidFill>
+            <a:miter lim="800000"/>
+          </a:ln>
+          <a:effectLst>
+            <a:reflection blurRad="12700" stA="28000" endPos="28000" dist="5000" dir="5400000" sy="-100000" algn="bl" rotWithShape="0"/>
+          </a:effectLst>
+          <a:scene3d>
+            <a:camera prst="orthographicFront"/>
+            <a:lightRig rig="threePt" dir="t">
+              <a:rot lat="0" lon="0" rev="2700000"/>
+            </a:lightRig>
+          </a:scene3d>
+          <a:sp3d>
+            <a:bevelT h="38100"/>
+            <a:contourClr>
+              <a:srgbClr val="C0C0C0"/>
+            </a:contourClr>
+          </a:sp3d>
+        </p:spPr>
+      </p:pic>
+      <p:pic>
+        <p:nvPicPr>
+          <p:cNvPr id="7" name="Εικόνα 6">
+            <a:extLst>
+              <a:ext uri="{FF2B5EF4-FFF2-40B4-BE49-F238E27FC236}">
+                <a16:creationId xmlns:a16="http://schemas.microsoft.com/office/drawing/2014/main" id="{5019BB2C-94FE-17C4-CE3A-0F0E76C43369}"/>
+              </a:ext>
+            </a:extLst>
+          </p:cNvPr>
+          <p:cNvPicPr>
+            <a:picLocks noChangeAspect="1"/>
+          </p:cNvPicPr>
+          <p:nvPr/>
+        </p:nvPicPr>
+        <p:blipFill>
+          <a:blip r:embed="rId4"/>
+          <a:stretch>
+            <a:fillRect/>
+          </a:stretch>
+        </p:blipFill>
+        <p:spPr>
+          <a:xfrm>
+            <a:off x="6096000" y="1621646"/>
+            <a:ext cx="5762280" cy="4154105"/>
+          </a:xfrm>
+          <a:prstGeom prst="rect">
+            <a:avLst/>
+          </a:prstGeom>
+        </p:spPr>
+      </p:pic>
     </p:spTree>
     <p:extLst>
       <p:ext uri="{BB962C8B-B14F-4D97-AF65-F5344CB8AC3E}">
-        <p14:creationId xmlns:p14="http://schemas.microsoft.com/office/powerpoint/2010/main" val="161555260"/>
+        <p14:creationId xmlns:p14="http://schemas.microsoft.com/office/powerpoint/2010/main" val="3327777257"/>
       </p:ext>
     </p:extLst>
   </p:cSld>
@@ -8940,7 +10510,7 @@
 </p:sld>
 </file>
 
-<file path=ppt/slides/slide2.xml><?xml version="1.0" encoding="utf-8"?>
+<file path=ppt/slides/slide24.xml><?xml version="1.0" encoding="utf-8"?>
 <p:sld xmlns:a="http://schemas.openxmlformats.org/drawingml/2006/main" xmlns:r="http://schemas.openxmlformats.org/officeDocument/2006/relationships" xmlns:p="http://schemas.openxmlformats.org/presentationml/2006/main">
   <p:cSld>
     <p:spTree>
@@ -8959,6 +10529,565 @@
       </p:grpSpPr>
       <p:sp>
         <p:nvSpPr>
+          <p:cNvPr id="8" name="Title 1">
+            <a:extLst>
+              <a:ext uri="{FF2B5EF4-FFF2-40B4-BE49-F238E27FC236}">
+                <a16:creationId xmlns:a16="http://schemas.microsoft.com/office/drawing/2014/main" id="{ECDF307C-F8EA-C5AF-F2F9-36DDCBE80020}"/>
+              </a:ext>
+            </a:extLst>
+          </p:cNvPr>
+          <p:cNvSpPr>
+            <a:spLocks noGrp="1"/>
+          </p:cNvSpPr>
+          <p:nvPr>
+            <p:ph type="ctrTitle"/>
+          </p:nvPr>
+        </p:nvSpPr>
+        <p:spPr>
+          <a:xfrm>
+            <a:off x="4516574" y="3067050"/>
+            <a:ext cx="3158852" cy="723900"/>
+          </a:xfrm>
+        </p:spPr>
+        <p:txBody>
+          <a:bodyPr/>
+          <a:lstStyle/>
+          <a:p>
+            <a:r>
+              <a:rPr lang="en-US" dirty="0"/>
+              <a:t>Thank you!</a:t>
+            </a:r>
+            <a:br>
+              <a:rPr lang="en-US" dirty="0"/>
+            </a:br>
+            <a:br>
+              <a:rPr lang="en-US" dirty="0"/>
+            </a:br>
+            <a:endParaRPr lang="en-US" dirty="0"/>
+          </a:p>
+        </p:txBody>
+      </p:sp>
+    </p:spTree>
+    <p:extLst>
+      <p:ext uri="{BB962C8B-B14F-4D97-AF65-F5344CB8AC3E}">
+        <p14:creationId xmlns:p14="http://schemas.microsoft.com/office/powerpoint/2010/main" val="2891309494"/>
+      </p:ext>
+    </p:extLst>
+  </p:cSld>
+  <p:clrMapOvr>
+    <a:masterClrMapping/>
+  </p:clrMapOvr>
+</p:sld>
+</file>
+
+<file path=ppt/slides/slide3.xml><?xml version="1.0" encoding="utf-8"?>
+<p:sld xmlns:a="http://schemas.openxmlformats.org/drawingml/2006/main" xmlns:r="http://schemas.openxmlformats.org/officeDocument/2006/relationships" xmlns:p="http://schemas.openxmlformats.org/presentationml/2006/main">
+  <p:cSld>
+    <p:spTree>
+      <p:nvGrpSpPr>
+        <p:cNvPr id="1" name=""/>
+        <p:cNvGrpSpPr/>
+        <p:nvPr/>
+      </p:nvGrpSpPr>
+      <p:grpSpPr>
+        <a:xfrm>
+          <a:off x="0" y="0"/>
+          <a:ext cx="0" cy="0"/>
+          <a:chOff x="0" y="0"/>
+          <a:chExt cx="0" cy="0"/>
+        </a:xfrm>
+      </p:grpSpPr>
+      <p:sp>
+        <p:nvSpPr>
+          <p:cNvPr id="8" name="Title 1">
+            <a:extLst>
+              <a:ext uri="{FF2B5EF4-FFF2-40B4-BE49-F238E27FC236}">
+                <a16:creationId xmlns:a16="http://schemas.microsoft.com/office/drawing/2014/main" id="{ECDF307C-F8EA-C5AF-F2F9-36DDCBE80020}"/>
+              </a:ext>
+            </a:extLst>
+          </p:cNvPr>
+          <p:cNvSpPr>
+            <a:spLocks noGrp="1"/>
+          </p:cNvSpPr>
+          <p:nvPr>
+            <p:ph type="ctrTitle"/>
+          </p:nvPr>
+        </p:nvSpPr>
+        <p:spPr>
+          <a:xfrm>
+            <a:off x="4794843" y="3067050"/>
+            <a:ext cx="2602314" cy="723900"/>
+          </a:xfrm>
+        </p:spPr>
+        <p:txBody>
+          <a:bodyPr/>
+          <a:lstStyle/>
+          <a:p>
+            <a:r>
+              <a:rPr lang="en-US" dirty="0"/>
+              <a:t>MODELS</a:t>
+            </a:r>
+            <a:br>
+              <a:rPr lang="en-US" dirty="0"/>
+            </a:br>
+            <a:endParaRPr lang="en-US" dirty="0"/>
+          </a:p>
+        </p:txBody>
+      </p:sp>
+    </p:spTree>
+    <p:extLst>
+      <p:ext uri="{BB962C8B-B14F-4D97-AF65-F5344CB8AC3E}">
+        <p14:creationId xmlns:p14="http://schemas.microsoft.com/office/powerpoint/2010/main" val="3488453360"/>
+      </p:ext>
+    </p:extLst>
+  </p:cSld>
+  <p:clrMapOvr>
+    <a:masterClrMapping/>
+  </p:clrMapOvr>
+</p:sld>
+</file>
+
+<file path=ppt/slides/slide4.xml><?xml version="1.0" encoding="utf-8"?>
+<p:sld xmlns:a="http://schemas.openxmlformats.org/drawingml/2006/main" xmlns:r="http://schemas.openxmlformats.org/officeDocument/2006/relationships" xmlns:p="http://schemas.openxmlformats.org/presentationml/2006/main">
+  <p:cSld>
+    <p:spTree>
+      <p:nvGrpSpPr>
+        <p:cNvPr id="1" name=""/>
+        <p:cNvGrpSpPr/>
+        <p:nvPr/>
+      </p:nvGrpSpPr>
+      <p:grpSpPr>
+        <a:xfrm>
+          <a:off x="0" y="0"/>
+          <a:ext cx="0" cy="0"/>
+          <a:chOff x="0" y="0"/>
+          <a:chExt cx="0" cy="0"/>
+        </a:xfrm>
+      </p:grpSpPr>
+      <p:sp>
+        <p:nvSpPr>
+          <p:cNvPr id="4" name="Τίτλος 3">
+            <a:extLst>
+              <a:ext uri="{FF2B5EF4-FFF2-40B4-BE49-F238E27FC236}">
+                <a16:creationId xmlns:a16="http://schemas.microsoft.com/office/drawing/2014/main" id="{9E7273F9-59F9-4FB3-9D34-82C64C4F8667}"/>
+              </a:ext>
+            </a:extLst>
+          </p:cNvPr>
+          <p:cNvSpPr>
+            <a:spLocks noGrp="1"/>
+          </p:cNvSpPr>
+          <p:nvPr>
+            <p:ph type="title"/>
+          </p:nvPr>
+        </p:nvSpPr>
+        <p:spPr>
+          <a:xfrm>
+            <a:off x="604434" y="448628"/>
+            <a:ext cx="10983132" cy="747763"/>
+          </a:xfrm>
+        </p:spPr>
+        <p:txBody>
+          <a:bodyPr rtlCol="0"/>
+          <a:lstStyle/>
+          <a:p>
+            <a:pPr rtl="0"/>
+            <a:r>
+              <a:rPr lang="en-US" dirty="0"/>
+              <a:t>Baseline</a:t>
+            </a:r>
+            <a:endParaRPr lang="el-GR" dirty="0"/>
+          </a:p>
+        </p:txBody>
+      </p:sp>
+      <p:sp>
+        <p:nvSpPr>
+          <p:cNvPr id="8" name="TextBox 7">
+            <a:extLst>
+              <a:ext uri="{FF2B5EF4-FFF2-40B4-BE49-F238E27FC236}">
+                <a16:creationId xmlns:a16="http://schemas.microsoft.com/office/drawing/2014/main" id="{C5F91E9D-8920-EB21-AC7B-5C1A6DEB3823}"/>
+              </a:ext>
+            </a:extLst>
+          </p:cNvPr>
+          <p:cNvSpPr txBox="1"/>
+          <p:nvPr/>
+        </p:nvSpPr>
+        <p:spPr>
+          <a:xfrm>
+            <a:off x="604434" y="1452636"/>
+            <a:ext cx="7463901" cy="3724096"/>
+          </a:xfrm>
+          <a:prstGeom prst="rect">
+            <a:avLst/>
+          </a:prstGeom>
+          <a:noFill/>
+        </p:spPr>
+        <p:txBody>
+          <a:bodyPr wrap="square">
+            <a:spAutoFit/>
+          </a:bodyPr>
+          <a:lstStyle/>
+          <a:p>
+            <a:r>
+              <a:rPr lang="en-US" sz="1600" b="1" i="0" dirty="0">
+                <a:solidFill>
+                  <a:srgbClr val="000000"/>
+                </a:solidFill>
+                <a:effectLst/>
+                <a:latin typeface="+mj-lt"/>
+              </a:rPr>
+              <a:t>Step 1 </a:t>
+            </a:r>
+            <a:r>
+              <a:rPr lang="en-US" sz="1600" b="1" i="0" dirty="0">
+                <a:solidFill>
+                  <a:srgbClr val="000000"/>
+                </a:solidFill>
+                <a:effectLst/>
+                <a:latin typeface="+mj-lt"/>
+                <a:sym typeface="Wingdings" panose="05000000000000000000" pitchFamily="2" charset="2"/>
+              </a:rPr>
+              <a:t></a:t>
+            </a:r>
+            <a:r>
+              <a:rPr lang="en-US" sz="1600" b="1" i="0" dirty="0">
+                <a:solidFill>
+                  <a:srgbClr val="000000"/>
+                </a:solidFill>
+                <a:effectLst/>
+                <a:latin typeface="+mj-lt"/>
+              </a:rPr>
+              <a:t> Feature Extraction of each frame: </a:t>
+            </a:r>
+            <a:r>
+              <a:rPr lang="en-US" sz="1600" i="0" dirty="0">
+                <a:solidFill>
+                  <a:srgbClr val="000000"/>
+                </a:solidFill>
+                <a:effectLst/>
+                <a:latin typeface="+mj-lt"/>
+              </a:rPr>
+              <a:t>Texture information </a:t>
+            </a:r>
+            <a:r>
+              <a:rPr lang="en-US" sz="1600" i="0" dirty="0">
+                <a:solidFill>
+                  <a:srgbClr val="000000"/>
+                </a:solidFill>
+                <a:effectLst/>
+                <a:latin typeface="+mj-lt"/>
+                <a:sym typeface="Wingdings" panose="05000000000000000000" pitchFamily="2" charset="2"/>
+              </a:rPr>
+              <a:t> GLCM features:</a:t>
+            </a:r>
+          </a:p>
+          <a:p>
+            <a:endParaRPr lang="en-US" sz="1600" i="0" dirty="0">
+              <a:solidFill>
+                <a:srgbClr val="000000"/>
+              </a:solidFill>
+              <a:effectLst/>
+              <a:latin typeface="+mj-lt"/>
+              <a:sym typeface="Wingdings" panose="05000000000000000000" pitchFamily="2" charset="2"/>
+            </a:endParaRPr>
+          </a:p>
+          <a:p>
+            <a:pPr marL="742950" lvl="1" indent="-285750">
+              <a:buFont typeface="Courier New" panose="02070309020205020404" pitchFamily="49" charset="0"/>
+              <a:buChar char="o"/>
+            </a:pPr>
+            <a:r>
+              <a:rPr lang="en-US" sz="1400" dirty="0">
+                <a:solidFill>
+                  <a:srgbClr val="000000"/>
+                </a:solidFill>
+              </a:rPr>
+              <a:t> C</a:t>
+            </a:r>
+            <a:r>
+              <a:rPr lang="en-US" sz="1400" i="0" dirty="0">
+                <a:solidFill>
+                  <a:srgbClr val="000000"/>
+                </a:solidFill>
+                <a:effectLst/>
+              </a:rPr>
+              <a:t>ontrast</a:t>
+            </a:r>
+          </a:p>
+          <a:p>
+            <a:pPr marL="742950" lvl="1" indent="-285750">
+              <a:buFont typeface="Courier New" panose="02070309020205020404" pitchFamily="49" charset="0"/>
+              <a:buChar char="o"/>
+            </a:pPr>
+            <a:r>
+              <a:rPr lang="en-US" sz="1400" dirty="0">
+                <a:solidFill>
+                  <a:srgbClr val="000000"/>
+                </a:solidFill>
+              </a:rPr>
+              <a:t> D</a:t>
+            </a:r>
+            <a:r>
+              <a:rPr lang="en-US" sz="1400" i="0" dirty="0">
+                <a:solidFill>
+                  <a:srgbClr val="000000"/>
+                </a:solidFill>
+                <a:effectLst/>
+              </a:rPr>
+              <a:t>issimilarity</a:t>
+            </a:r>
+          </a:p>
+          <a:p>
+            <a:pPr marL="742950" lvl="1" indent="-285750">
+              <a:buFont typeface="Courier New" panose="02070309020205020404" pitchFamily="49" charset="0"/>
+              <a:buChar char="o"/>
+            </a:pPr>
+            <a:r>
+              <a:rPr lang="en-US" sz="1400" dirty="0">
+                <a:solidFill>
+                  <a:srgbClr val="000000"/>
+                </a:solidFill>
+              </a:rPr>
+              <a:t> H</a:t>
+            </a:r>
+            <a:r>
+              <a:rPr lang="en-US" sz="1400" i="0" dirty="0">
+                <a:solidFill>
+                  <a:srgbClr val="000000"/>
+                </a:solidFill>
+                <a:effectLst/>
+              </a:rPr>
+              <a:t>omogeneity</a:t>
+            </a:r>
+          </a:p>
+          <a:p>
+            <a:pPr marL="742950" lvl="1" indent="-285750">
+              <a:buFont typeface="Courier New" panose="02070309020205020404" pitchFamily="49" charset="0"/>
+              <a:buChar char="o"/>
+            </a:pPr>
+            <a:r>
+              <a:rPr lang="en-US" sz="1400" i="0" dirty="0">
+                <a:solidFill>
+                  <a:srgbClr val="000000"/>
+                </a:solidFill>
+                <a:effectLst/>
+              </a:rPr>
+              <a:t> ASM</a:t>
+            </a:r>
+          </a:p>
+          <a:p>
+            <a:pPr marL="742950" lvl="1" indent="-285750">
+              <a:buFont typeface="Courier New" panose="02070309020205020404" pitchFamily="49" charset="0"/>
+              <a:buChar char="o"/>
+            </a:pPr>
+            <a:r>
+              <a:rPr lang="en-US" sz="1400" i="0" dirty="0">
+                <a:solidFill>
+                  <a:srgbClr val="000000"/>
+                </a:solidFill>
+                <a:effectLst/>
+              </a:rPr>
+              <a:t> Energy</a:t>
+            </a:r>
+          </a:p>
+          <a:p>
+            <a:pPr marL="742950" lvl="1" indent="-285750">
+              <a:buFont typeface="Courier New" panose="02070309020205020404" pitchFamily="49" charset="0"/>
+              <a:buChar char="o"/>
+            </a:pPr>
+            <a:r>
+              <a:rPr lang="en-US" sz="1400" b="1" dirty="0">
+                <a:solidFill>
+                  <a:srgbClr val="000000"/>
+                </a:solidFill>
+              </a:rPr>
+              <a:t> </a:t>
+            </a:r>
+            <a:r>
+              <a:rPr lang="en-US" sz="1400" dirty="0">
+                <a:solidFill>
+                  <a:srgbClr val="000000"/>
+                </a:solidFill>
+              </a:rPr>
+              <a:t>C</a:t>
+            </a:r>
+            <a:r>
+              <a:rPr lang="en-US" sz="1400" i="0" dirty="0">
+                <a:solidFill>
+                  <a:srgbClr val="000000"/>
+                </a:solidFill>
+                <a:effectLst/>
+              </a:rPr>
+              <a:t>orrelation</a:t>
+            </a:r>
+          </a:p>
+          <a:p>
+            <a:pPr marL="742950" lvl="1" indent="-285750">
+              <a:buFont typeface="Courier New" panose="02070309020205020404" pitchFamily="49" charset="0"/>
+              <a:buChar char="o"/>
+            </a:pPr>
+            <a:endParaRPr lang="en-US" sz="1400" b="1" i="0" dirty="0">
+              <a:solidFill>
+                <a:srgbClr val="000000"/>
+              </a:solidFill>
+              <a:effectLst/>
+            </a:endParaRPr>
+          </a:p>
+          <a:p>
+            <a:r>
+              <a:rPr lang="en-US" sz="1600" b="1" dirty="0">
+                <a:solidFill>
+                  <a:srgbClr val="000000"/>
+                </a:solidFill>
+                <a:latin typeface="+mj-lt"/>
+              </a:rPr>
+              <a:t>Step 2 </a:t>
+            </a:r>
+            <a:r>
+              <a:rPr lang="en-US" sz="1600" b="1" dirty="0">
+                <a:solidFill>
+                  <a:srgbClr val="000000"/>
+                </a:solidFill>
+                <a:latin typeface="+mj-lt"/>
+                <a:sym typeface="Wingdings" panose="05000000000000000000" pitchFamily="2" charset="2"/>
+              </a:rPr>
+              <a:t> Temporal Aggregation: </a:t>
+            </a:r>
+            <a:r>
+              <a:rPr lang="en-US" sz="1600" dirty="0">
+                <a:solidFill>
+                  <a:srgbClr val="000000"/>
+                </a:solidFill>
+                <a:latin typeface="+mj-lt"/>
+                <a:sym typeface="Wingdings" panose="05000000000000000000" pitchFamily="2" charset="2"/>
+              </a:rPr>
+              <a:t>Statistics  Mean &amp; Std</a:t>
+            </a:r>
+          </a:p>
+          <a:p>
+            <a:endParaRPr lang="en-US" sz="1600" dirty="0">
+              <a:solidFill>
+                <a:srgbClr val="000000"/>
+              </a:solidFill>
+              <a:latin typeface="+mj-lt"/>
+              <a:sym typeface="Wingdings" panose="05000000000000000000" pitchFamily="2" charset="2"/>
+            </a:endParaRPr>
+          </a:p>
+          <a:p>
+            <a:r>
+              <a:rPr lang="en-US" sz="1600" b="1" i="0" dirty="0">
+                <a:solidFill>
+                  <a:srgbClr val="000000"/>
+                </a:solidFill>
+                <a:effectLst/>
+                <a:latin typeface="+mj-lt"/>
+                <a:sym typeface="Wingdings" panose="05000000000000000000" pitchFamily="2" charset="2"/>
+              </a:rPr>
+              <a:t>Step </a:t>
+            </a:r>
+            <a:r>
+              <a:rPr lang="en-US" sz="1600" b="1" dirty="0">
+                <a:solidFill>
+                  <a:srgbClr val="000000"/>
+                </a:solidFill>
+                <a:latin typeface="+mj-lt"/>
+                <a:sym typeface="Wingdings" panose="05000000000000000000" pitchFamily="2" charset="2"/>
+              </a:rPr>
+              <a:t>3  Definition of a classifier pipeline:</a:t>
+            </a:r>
+          </a:p>
+          <a:p>
+            <a:endParaRPr lang="en-US" sz="1600" b="1" dirty="0">
+              <a:solidFill>
+                <a:srgbClr val="000000"/>
+              </a:solidFill>
+              <a:latin typeface="+mj-lt"/>
+              <a:sym typeface="Wingdings" panose="05000000000000000000" pitchFamily="2" charset="2"/>
+            </a:endParaRPr>
+          </a:p>
+          <a:p>
+            <a:pPr marL="742950" lvl="1" indent="-285750">
+              <a:buFont typeface="Courier New" panose="02070309020205020404" pitchFamily="49" charset="0"/>
+              <a:buChar char="o"/>
+            </a:pPr>
+            <a:r>
+              <a:rPr lang="en-US" sz="1400" i="0" dirty="0">
+                <a:solidFill>
+                  <a:srgbClr val="000000"/>
+                </a:solidFill>
+                <a:effectLst/>
+                <a:sym typeface="Wingdings" panose="05000000000000000000" pitchFamily="2" charset="2"/>
+              </a:rPr>
+              <a:t>Standard Scaler</a:t>
+            </a:r>
+          </a:p>
+          <a:p>
+            <a:pPr marL="742950" lvl="1" indent="-285750">
+              <a:buFont typeface="Courier New" panose="02070309020205020404" pitchFamily="49" charset="0"/>
+              <a:buChar char="o"/>
+            </a:pPr>
+            <a:r>
+              <a:rPr lang="en-US" sz="1400" dirty="0">
+                <a:solidFill>
+                  <a:srgbClr val="000000"/>
+                </a:solidFill>
+                <a:sym typeface="Wingdings" panose="05000000000000000000" pitchFamily="2" charset="2"/>
+              </a:rPr>
+              <a:t>SVM with RBF Kernel</a:t>
+            </a:r>
+            <a:endParaRPr lang="en-US" sz="1400" i="0" dirty="0">
+              <a:solidFill>
+                <a:srgbClr val="000000"/>
+              </a:solidFill>
+              <a:effectLst/>
+            </a:endParaRPr>
+          </a:p>
+          <a:p>
+            <a:pPr lvl="1">
+              <a:buFont typeface="Courier New" panose="02070309020205020404" pitchFamily="49" charset="0"/>
+              <a:buChar char="o"/>
+            </a:pPr>
+            <a:endParaRPr lang="en-US" sz="1400" b="1" i="0" dirty="0">
+              <a:solidFill>
+                <a:srgbClr val="000000"/>
+              </a:solidFill>
+              <a:effectLst/>
+              <a:latin typeface="+mj-lt"/>
+            </a:endParaRPr>
+          </a:p>
+        </p:txBody>
+      </p:sp>
+    </p:spTree>
+    <p:extLst>
+      <p:ext uri="{BB962C8B-B14F-4D97-AF65-F5344CB8AC3E}">
+        <p14:creationId xmlns:p14="http://schemas.microsoft.com/office/powerpoint/2010/main" val="4130221021"/>
+      </p:ext>
+    </p:extLst>
+  </p:cSld>
+  <p:clrMapOvr>
+    <a:masterClrMapping/>
+  </p:clrMapOvr>
+</p:sld>
+</file>
+
+<file path=ppt/slides/slide5.xml><?xml version="1.0" encoding="utf-8"?>
+<p:sld xmlns:a="http://schemas.openxmlformats.org/drawingml/2006/main" xmlns:r="http://schemas.openxmlformats.org/officeDocument/2006/relationships" xmlns:p="http://schemas.openxmlformats.org/presentationml/2006/main">
+  <p:cSld>
+    <p:spTree>
+      <p:nvGrpSpPr>
+        <p:cNvPr id="1" name=""/>
+        <p:cNvGrpSpPr/>
+        <p:nvPr/>
+      </p:nvGrpSpPr>
+      <p:grpSpPr>
+        <a:xfrm>
+          <a:off x="0" y="0"/>
+          <a:ext cx="0" cy="0"/>
+          <a:chOff x="0" y="0"/>
+          <a:chExt cx="0" cy="0"/>
+        </a:xfrm>
+      </p:grpSpPr>
+      <p:sp>
+        <p:nvSpPr>
           <p:cNvPr id="2" name="Τίτλος 1">
             <a:extLst>
               <a:ext uri="{FF2B5EF4-FFF2-40B4-BE49-F238E27FC236}">
@@ -8981,7 +11110,7 @@
             <a:pPr rtl="0"/>
             <a:r>
               <a:rPr lang="en-US" dirty="0"/>
-              <a:t>In general…</a:t>
+              <a:t>Going Deeper…</a:t>
             </a:r>
             <a:endParaRPr lang="el-GR" dirty="0"/>
           </a:p>
@@ -9031,7 +11160,7 @@
 </p:sld>
 </file>
 
-<file path=ppt/slides/slide3.xml><?xml version="1.0" encoding="utf-8"?>
+<file path=ppt/slides/slide6.xml><?xml version="1.0" encoding="utf-8"?>
 <p:sld xmlns:a="http://schemas.openxmlformats.org/drawingml/2006/main" xmlns:r="http://schemas.openxmlformats.org/officeDocument/2006/relationships" xmlns:p="http://schemas.openxmlformats.org/presentationml/2006/main">
   <p:cSld>
     <p:spTree>
@@ -9502,7 +11631,7 @@
 </p:sld>
 </file>
 
-<file path=ppt/slides/slide4.xml><?xml version="1.0" encoding="utf-8"?>
+<file path=ppt/slides/slide7.xml><?xml version="1.0" encoding="utf-8"?>
 <p:sld xmlns:a="http://schemas.openxmlformats.org/drawingml/2006/main" xmlns:r="http://schemas.openxmlformats.org/officeDocument/2006/relationships" xmlns:p="http://schemas.openxmlformats.org/presentationml/2006/main">
   <p:cSld>
     <p:spTree>
@@ -9895,7 +12024,7 @@
 </p:sld>
 </file>
 
-<file path=ppt/slides/slide5.xml><?xml version="1.0" encoding="utf-8"?>
+<file path=ppt/slides/slide8.xml><?xml version="1.0" encoding="utf-8"?>
 <p:sld xmlns:a="http://schemas.openxmlformats.org/drawingml/2006/main" xmlns:r="http://schemas.openxmlformats.org/officeDocument/2006/relationships" xmlns:p="http://schemas.openxmlformats.org/presentationml/2006/main">
   <p:cSld>
     <p:spTree>
@@ -9992,7 +12121,7 @@
 </p:sld>
 </file>
 
-<file path=ppt/slides/slide6.xml><?xml version="1.0" encoding="utf-8"?>
+<file path=ppt/slides/slide9.xml><?xml version="1.0" encoding="utf-8"?>
 <p:sld xmlns:a="http://schemas.openxmlformats.org/drawingml/2006/main" xmlns:r="http://schemas.openxmlformats.org/officeDocument/2006/relationships" xmlns:p="http://schemas.openxmlformats.org/presentationml/2006/main">
   <p:cSld>
     <p:spTree>
@@ -10080,297 +12209,6 @@
     <p:extLst>
       <p:ext uri="{BB962C8B-B14F-4D97-AF65-F5344CB8AC3E}">
         <p14:creationId xmlns:p14="http://schemas.microsoft.com/office/powerpoint/2010/main" val="3389906092"/>
-      </p:ext>
-    </p:extLst>
-  </p:cSld>
-  <p:clrMapOvr>
-    <a:masterClrMapping/>
-  </p:clrMapOvr>
-</p:sld>
-</file>
-
-<file path=ppt/slides/slide7.xml><?xml version="1.0" encoding="utf-8"?>
-<p:sld xmlns:a="http://schemas.openxmlformats.org/drawingml/2006/main" xmlns:r="http://schemas.openxmlformats.org/officeDocument/2006/relationships" xmlns:p="http://schemas.openxmlformats.org/presentationml/2006/main">
-  <p:cSld>
-    <p:spTree>
-      <p:nvGrpSpPr>
-        <p:cNvPr id="1" name=""/>
-        <p:cNvGrpSpPr/>
-        <p:nvPr/>
-      </p:nvGrpSpPr>
-      <p:grpSpPr>
-        <a:xfrm>
-          <a:off x="0" y="0"/>
-          <a:ext cx="0" cy="0"/>
-          <a:chOff x="0" y="0"/>
-          <a:chExt cx="0" cy="0"/>
-        </a:xfrm>
-      </p:grpSpPr>
-      <p:sp>
-        <p:nvSpPr>
-          <p:cNvPr id="4" name="Τίτλος 3">
-            <a:extLst>
-              <a:ext uri="{FF2B5EF4-FFF2-40B4-BE49-F238E27FC236}">
-                <a16:creationId xmlns:a16="http://schemas.microsoft.com/office/drawing/2014/main" id="{9E7273F9-59F9-4FB3-9D34-82C64C4F8667}"/>
-              </a:ext>
-            </a:extLst>
-          </p:cNvPr>
-          <p:cNvSpPr>
-            <a:spLocks noGrp="1"/>
-          </p:cNvSpPr>
-          <p:nvPr>
-            <p:ph type="title"/>
-          </p:nvPr>
-        </p:nvSpPr>
-        <p:spPr>
-          <a:xfrm>
-            <a:off x="604434" y="448628"/>
-            <a:ext cx="10983132" cy="747763"/>
-          </a:xfrm>
-        </p:spPr>
-        <p:txBody>
-          <a:bodyPr rtlCol="0" anchor="ctr">
-            <a:normAutofit/>
-          </a:bodyPr>
-          <a:lstStyle/>
-          <a:p>
-            <a:pPr rtl="0"/>
-            <a:r>
-              <a:rPr lang="en-US" dirty="0"/>
-              <a:t>Approach C</a:t>
-            </a:r>
-            <a:endParaRPr lang="el-GR" dirty="0"/>
-          </a:p>
-        </p:txBody>
-      </p:sp>
-      <p:pic>
-        <p:nvPicPr>
-          <p:cNvPr id="7" name="Εικόνα 6">
-            <a:extLst>
-              <a:ext uri="{FF2B5EF4-FFF2-40B4-BE49-F238E27FC236}">
-                <a16:creationId xmlns:a16="http://schemas.microsoft.com/office/drawing/2014/main" id="{8E7D316F-BF6F-EDC6-642F-F3806F4654B2}"/>
-              </a:ext>
-            </a:extLst>
-          </p:cNvPr>
-          <p:cNvPicPr>
-            <a:picLocks noChangeAspect="1"/>
-          </p:cNvPicPr>
-          <p:nvPr/>
-        </p:nvPicPr>
-        <p:blipFill>
-          <a:blip r:embed="rId3"/>
-          <a:stretch>
-            <a:fillRect/>
-          </a:stretch>
-        </p:blipFill>
-        <p:spPr>
-          <a:xfrm>
-            <a:off x="2341404" y="1196391"/>
-            <a:ext cx="7509191" cy="5413477"/>
-          </a:xfrm>
-          <a:prstGeom prst="rect">
-            <a:avLst/>
-          </a:prstGeom>
-        </p:spPr>
-      </p:pic>
-    </p:spTree>
-    <p:extLst>
-      <p:ext uri="{BB962C8B-B14F-4D97-AF65-F5344CB8AC3E}">
-        <p14:creationId xmlns:p14="http://schemas.microsoft.com/office/powerpoint/2010/main" val="3614100565"/>
-      </p:ext>
-    </p:extLst>
-  </p:cSld>
-  <p:clrMapOvr>
-    <a:masterClrMapping/>
-  </p:clrMapOvr>
-</p:sld>
-</file>
-
-<file path=ppt/slides/slide8.xml><?xml version="1.0" encoding="utf-8"?>
-<p:sld xmlns:a="http://schemas.openxmlformats.org/drawingml/2006/main" xmlns:r="http://schemas.openxmlformats.org/officeDocument/2006/relationships" xmlns:p="http://schemas.openxmlformats.org/presentationml/2006/main">
-  <p:cSld>
-    <p:spTree>
-      <p:nvGrpSpPr>
-        <p:cNvPr id="1" name=""/>
-        <p:cNvGrpSpPr/>
-        <p:nvPr/>
-      </p:nvGrpSpPr>
-      <p:grpSpPr>
-        <a:xfrm>
-          <a:off x="0" y="0"/>
-          <a:ext cx="0" cy="0"/>
-          <a:chOff x="0" y="0"/>
-          <a:chExt cx="0" cy="0"/>
-        </a:xfrm>
-      </p:grpSpPr>
-      <p:sp>
-        <p:nvSpPr>
-          <p:cNvPr id="4" name="Τίτλος 3">
-            <a:extLst>
-              <a:ext uri="{FF2B5EF4-FFF2-40B4-BE49-F238E27FC236}">
-                <a16:creationId xmlns:a16="http://schemas.microsoft.com/office/drawing/2014/main" id="{9E7273F9-59F9-4FB3-9D34-82C64C4F8667}"/>
-              </a:ext>
-            </a:extLst>
-          </p:cNvPr>
-          <p:cNvSpPr>
-            <a:spLocks noGrp="1"/>
-          </p:cNvSpPr>
-          <p:nvPr>
-            <p:ph type="title"/>
-          </p:nvPr>
-        </p:nvSpPr>
-        <p:spPr>
-          <a:xfrm>
-            <a:off x="604434" y="448628"/>
-            <a:ext cx="10983132" cy="747763"/>
-          </a:xfrm>
-        </p:spPr>
-        <p:txBody>
-          <a:bodyPr rtlCol="0" anchor="ctr">
-            <a:normAutofit/>
-          </a:bodyPr>
-          <a:lstStyle/>
-          <a:p>
-            <a:pPr rtl="0"/>
-            <a:r>
-              <a:rPr lang="en-US" dirty="0"/>
-              <a:t>Approach C’</a:t>
-            </a:r>
-            <a:endParaRPr lang="el-GR" dirty="0"/>
-          </a:p>
-        </p:txBody>
-      </p:sp>
-      <p:pic>
-        <p:nvPicPr>
-          <p:cNvPr id="6" name="Εικόνα 5">
-            <a:extLst>
-              <a:ext uri="{FF2B5EF4-FFF2-40B4-BE49-F238E27FC236}">
-                <a16:creationId xmlns:a16="http://schemas.microsoft.com/office/drawing/2014/main" id="{500546F2-2C46-7B5C-5E42-48C9DE2364D3}"/>
-              </a:ext>
-            </a:extLst>
-          </p:cNvPr>
-          <p:cNvPicPr>
-            <a:picLocks noChangeAspect="1"/>
-          </p:cNvPicPr>
-          <p:nvPr/>
-        </p:nvPicPr>
-        <p:blipFill>
-          <a:blip r:embed="rId3"/>
-          <a:stretch>
-            <a:fillRect/>
-          </a:stretch>
-        </p:blipFill>
-        <p:spPr>
-          <a:xfrm>
-            <a:off x="2515561" y="1265924"/>
-            <a:ext cx="7009439" cy="5381537"/>
-          </a:xfrm>
-          <a:prstGeom prst="rect">
-            <a:avLst/>
-          </a:prstGeom>
-        </p:spPr>
-      </p:pic>
-    </p:spTree>
-    <p:extLst>
-      <p:ext uri="{BB962C8B-B14F-4D97-AF65-F5344CB8AC3E}">
-        <p14:creationId xmlns:p14="http://schemas.microsoft.com/office/powerpoint/2010/main" val="3352543722"/>
-      </p:ext>
-    </p:extLst>
-  </p:cSld>
-  <p:clrMapOvr>
-    <a:masterClrMapping/>
-  </p:clrMapOvr>
-</p:sld>
-</file>
-
-<file path=ppt/slides/slide9.xml><?xml version="1.0" encoding="utf-8"?>
-<p:sld xmlns:a="http://schemas.openxmlformats.org/drawingml/2006/main" xmlns:r="http://schemas.openxmlformats.org/officeDocument/2006/relationships" xmlns:p="http://schemas.openxmlformats.org/presentationml/2006/main">
-  <p:cSld>
-    <p:spTree>
-      <p:nvGrpSpPr>
-        <p:cNvPr id="1" name=""/>
-        <p:cNvGrpSpPr/>
-        <p:nvPr/>
-      </p:nvGrpSpPr>
-      <p:grpSpPr>
-        <a:xfrm>
-          <a:off x="0" y="0"/>
-          <a:ext cx="0" cy="0"/>
-          <a:chOff x="0" y="0"/>
-          <a:chExt cx="0" cy="0"/>
-        </a:xfrm>
-      </p:grpSpPr>
-      <p:sp>
-        <p:nvSpPr>
-          <p:cNvPr id="4" name="Τίτλος 3">
-            <a:extLst>
-              <a:ext uri="{FF2B5EF4-FFF2-40B4-BE49-F238E27FC236}">
-                <a16:creationId xmlns:a16="http://schemas.microsoft.com/office/drawing/2014/main" id="{9E7273F9-59F9-4FB3-9D34-82C64C4F8667}"/>
-              </a:ext>
-            </a:extLst>
-          </p:cNvPr>
-          <p:cNvSpPr>
-            <a:spLocks noGrp="1"/>
-          </p:cNvSpPr>
-          <p:nvPr>
-            <p:ph type="title"/>
-          </p:nvPr>
-        </p:nvSpPr>
-        <p:spPr>
-          <a:xfrm>
-            <a:off x="604434" y="448628"/>
-            <a:ext cx="10983132" cy="747763"/>
-          </a:xfrm>
-        </p:spPr>
-        <p:txBody>
-          <a:bodyPr rtlCol="0" anchor="ctr">
-            <a:normAutofit/>
-          </a:bodyPr>
-          <a:lstStyle/>
-          <a:p>
-            <a:pPr rtl="0"/>
-            <a:r>
-              <a:rPr lang="en-US" dirty="0"/>
-              <a:t>Approach D</a:t>
-            </a:r>
-            <a:endParaRPr lang="el-GR" dirty="0"/>
-          </a:p>
-        </p:txBody>
-      </p:sp>
-      <p:pic>
-        <p:nvPicPr>
-          <p:cNvPr id="3" name="Εικόνα 2">
-            <a:extLst>
-              <a:ext uri="{FF2B5EF4-FFF2-40B4-BE49-F238E27FC236}">
-                <a16:creationId xmlns:a16="http://schemas.microsoft.com/office/drawing/2014/main" id="{0158BB49-9243-F0DB-DC86-95C1B3EEA5F0}"/>
-              </a:ext>
-            </a:extLst>
-          </p:cNvPr>
-          <p:cNvPicPr>
-            <a:picLocks noChangeAspect="1"/>
-          </p:cNvPicPr>
-          <p:nvPr/>
-        </p:nvPicPr>
-        <p:blipFill>
-          <a:blip r:embed="rId3"/>
-          <a:stretch>
-            <a:fillRect/>
-          </a:stretch>
-        </p:blipFill>
-        <p:spPr>
-          <a:xfrm>
-            <a:off x="2828340" y="1196391"/>
-            <a:ext cx="6535319" cy="5444552"/>
-          </a:xfrm>
-          <a:prstGeom prst="rect">
-            <a:avLst/>
-          </a:prstGeom>
-        </p:spPr>
-      </p:pic>
-    </p:spTree>
-    <p:extLst>
-      <p:ext uri="{BB962C8B-B14F-4D97-AF65-F5344CB8AC3E}">
-        <p14:creationId xmlns:p14="http://schemas.microsoft.com/office/powerpoint/2010/main" val="993252005"/>
       </p:ext>
     </p:extLst>
   </p:cSld>

--- a/Video Classification using Deep Learning.pptx
+++ b/Video Classification using Deep Learning.pptx
@@ -5,10 +5,10 @@
     <p:sldMasterId id="2147483648" r:id="rId1"/>
   </p:sldMasterIdLst>
   <p:notesMasterIdLst>
-    <p:notesMasterId r:id="rId26"/>
+    <p:notesMasterId r:id="rId27"/>
   </p:notesMasterIdLst>
   <p:handoutMasterIdLst>
-    <p:handoutMasterId r:id="rId27"/>
+    <p:handoutMasterId r:id="rId28"/>
   </p:handoutMasterIdLst>
   <p:sldIdLst>
     <p:sldId id="256" r:id="rId2"/>
@@ -34,7 +34,8 @@
     <p:sldId id="311" r:id="rId22"/>
     <p:sldId id="312" r:id="rId23"/>
     <p:sldId id="313" r:id="rId24"/>
-    <p:sldId id="314" r:id="rId25"/>
+    <p:sldId id="315" r:id="rId25"/>
+    <p:sldId id="314" r:id="rId26"/>
   </p:sldIdLst>
   <p:sldSz cx="12192000" cy="6858000"/>
   <p:notesSz cx="6858000" cy="9144000"/>
@@ -161,6 +162,7 @@
             <p14:sldId id="311"/>
             <p14:sldId id="312"/>
             <p14:sldId id="313"/>
+            <p14:sldId id="315"/>
             <p14:sldId id="314"/>
           </p14:sldIdLst>
         </p14:section>
@@ -6838,7 +6840,7 @@
                 <a:latin typeface="Segoe UI Light" panose="020B0502040204020203" pitchFamily="34" charset="0"/>
                 <a:cs typeface="Segoe UI Light" panose="020B0502040204020203" pitchFamily="34" charset="0"/>
               </a:rPr>
-              <a:t>  at the penultimate Layer of classifier [97% vs 92%</a:t>
+              <a:t>  at the penultimate Layer of classifier [87.8% vs 83.4%</a:t>
             </a:r>
             <a:r>
               <a:rPr lang="el-GR" sz="1600" dirty="0">
@@ -9978,7 +9980,7 @@
           <p:nvPr>
             <p:extLst>
               <p:ext uri="{D42A27DB-BD31-4B8C-83A1-F6EECF244321}">
-                <p14:modId xmlns:p14="http://schemas.microsoft.com/office/powerpoint/2010/main" val="2412458825"/>
+                <p14:modId xmlns:p14="http://schemas.microsoft.com/office/powerpoint/2010/main" val="3400840659"/>
               </p:ext>
             </p:extLst>
           </p:nvPr>
@@ -10140,7 +10142,7 @@
                       </a:pPr>
                       <a:r>
                         <a:rPr lang="en-US" dirty="0"/>
-                        <a:t>510</a:t>
+                        <a:t>43</a:t>
                       </a:r>
                     </a:p>
                   </a:txBody>
@@ -10212,6 +10214,32 @@
                     <a:p>
                       <a:r>
                         <a:rPr lang="en-US" dirty="0"/>
+                        <a:t>0</a:t>
+                      </a:r>
+                    </a:p>
+                  </a:txBody>
+                  <a:tcPr/>
+                </a:tc>
+                <a:tc>
+                  <a:txBody>
+                    <a:bodyPr/>
+                    <a:lstStyle/>
+                    <a:p>
+                      <a:r>
+                        <a:rPr lang="en-US" dirty="0"/>
+                        <a:t>39</a:t>
+                      </a:r>
+                    </a:p>
+                  </a:txBody>
+                  <a:tcPr/>
+                </a:tc>
+                <a:tc>
+                  <a:txBody>
+                    <a:bodyPr/>
+                    <a:lstStyle/>
+                    <a:p>
+                      <a:r>
+                        <a:rPr lang="en-US" dirty="0"/>
                         <a:t>2</a:t>
                       </a:r>
                     </a:p>
@@ -10225,33 +10253,7 @@
                     <a:p>
                       <a:r>
                         <a:rPr lang="en-US" dirty="0"/>
-                        <a:t>812</a:t>
-                      </a:r>
-                    </a:p>
-                  </a:txBody>
-                  <a:tcPr/>
-                </a:tc>
-                <a:tc>
-                  <a:txBody>
-                    <a:bodyPr/>
-                    <a:lstStyle/>
-                    <a:p>
-                      <a:r>
-                        <a:rPr lang="en-US" dirty="0"/>
-                        <a:t>37</a:t>
-                      </a:r>
-                    </a:p>
-                  </a:txBody>
-                  <a:tcPr/>
-                </a:tc>
-                <a:tc>
-                  <a:txBody>
-                    <a:bodyPr/>
-                    <a:lstStyle/>
-                    <a:p>
-                      <a:r>
-                        <a:rPr lang="en-US" dirty="0"/>
-                        <a:t>14</a:t>
+                        <a:t>0</a:t>
                       </a:r>
                     </a:p>
                   </a:txBody>
@@ -10284,7 +10286,33 @@
                     <a:p>
                       <a:r>
                         <a:rPr lang="en-US" dirty="0"/>
-                        <a:t>13</a:t>
+                        <a:t>0</a:t>
+                      </a:r>
+                    </a:p>
+                  </a:txBody>
+                  <a:tcPr/>
+                </a:tc>
+                <a:tc>
+                  <a:txBody>
+                    <a:bodyPr/>
+                    <a:lstStyle/>
+                    <a:p>
+                      <a:r>
+                        <a:rPr lang="en-US" dirty="0"/>
+                        <a:t>0</a:t>
+                      </a:r>
+                    </a:p>
+                  </a:txBody>
+                  <a:tcPr/>
+                </a:tc>
+                <a:tc>
+                  <a:txBody>
+                    <a:bodyPr/>
+                    <a:lstStyle/>
+                    <a:p>
+                      <a:r>
+                        <a:rPr lang="en-US" dirty="0"/>
+                        <a:t>38</a:t>
                       </a:r>
                     </a:p>
                   </a:txBody>
@@ -10298,32 +10326,6 @@
                       <a:r>
                         <a:rPr lang="en-US" dirty="0"/>
                         <a:t>1</a:t>
-                      </a:r>
-                    </a:p>
-                  </a:txBody>
-                  <a:tcPr/>
-                </a:tc>
-                <a:tc>
-                  <a:txBody>
-                    <a:bodyPr/>
-                    <a:lstStyle/>
-                    <a:p>
-                      <a:r>
-                        <a:rPr lang="en-US" dirty="0"/>
-                        <a:t>603</a:t>
-                      </a:r>
-                    </a:p>
-                  </a:txBody>
-                  <a:tcPr/>
-                </a:tc>
-                <a:tc>
-                  <a:txBody>
-                    <a:bodyPr/>
-                    <a:lstStyle/>
-                    <a:p>
-                      <a:r>
-                        <a:rPr lang="en-US" dirty="0"/>
-                        <a:t>4</a:t>
                       </a:r>
                     </a:p>
                   </a:txBody>
@@ -10369,7 +10371,7 @@
                     <a:p>
                       <a:r>
                         <a:rPr lang="en-US" dirty="0"/>
-                        <a:t>1</a:t>
+                        <a:t>0</a:t>
                       </a:r>
                     </a:p>
                   </a:txBody>
@@ -10395,7 +10397,7 @@
                     <a:p>
                       <a:r>
                         <a:rPr lang="en-US" dirty="0"/>
-                        <a:t>346</a:t>
+                        <a:t>43</a:t>
                       </a:r>
                     </a:p>
                   </a:txBody>
@@ -10413,10 +10415,10 @@
       </p:graphicFrame>
       <p:pic>
         <p:nvPicPr>
-          <p:cNvPr id="5" name="Εικόνα 4" descr="Εικόνα που περιέχει κείμενο, ηλεκτρονικές συσκευές&#10;&#10;Περιγραφή που δημιουργήθηκε αυτόματα">
+          <p:cNvPr id="7" name="Εικόνα 6">
             <a:extLst>
               <a:ext uri="{FF2B5EF4-FFF2-40B4-BE49-F238E27FC236}">
-                <a16:creationId xmlns:a16="http://schemas.microsoft.com/office/drawing/2014/main" id="{481FC50A-7C0F-3FE8-76E7-7E7AC63A6C76}"/>
+                <a16:creationId xmlns:a16="http://schemas.microsoft.com/office/drawing/2014/main" id="{5019BB2C-94FE-17C4-CE3A-0F0E76C43369}"/>
               </a:ext>
             </a:extLst>
           </p:cNvPr>
@@ -10433,46 +10435,20 @@
         </p:blipFill>
         <p:spPr>
           <a:xfrm>
-            <a:off x="604434" y="3741799"/>
-            <a:ext cx="5041087" cy="2033952"/>
+            <a:off x="6096000" y="1621646"/>
+            <a:ext cx="5762280" cy="4154105"/>
           </a:xfrm>
-          <a:prstGeom prst="roundRect">
-            <a:avLst>
-              <a:gd name="adj" fmla="val 4167"/>
-            </a:avLst>
+          <a:prstGeom prst="rect">
+            <a:avLst/>
           </a:prstGeom>
-          <a:solidFill>
-            <a:srgbClr val="FFFFFF"/>
-          </a:solidFill>
-          <a:ln w="76200" cap="sq">
-            <a:solidFill>
-              <a:srgbClr val="292929"/>
-            </a:solidFill>
-            <a:miter lim="800000"/>
-          </a:ln>
-          <a:effectLst>
-            <a:reflection blurRad="12700" stA="28000" endPos="28000" dist="5000" dir="5400000" sy="-100000" algn="bl" rotWithShape="0"/>
-          </a:effectLst>
-          <a:scene3d>
-            <a:camera prst="orthographicFront"/>
-            <a:lightRig rig="threePt" dir="t">
-              <a:rot lat="0" lon="0" rev="2700000"/>
-            </a:lightRig>
-          </a:scene3d>
-          <a:sp3d>
-            <a:bevelT h="38100"/>
-            <a:contourClr>
-              <a:srgbClr val="C0C0C0"/>
-            </a:contourClr>
-          </a:sp3d>
         </p:spPr>
       </p:pic>
       <p:pic>
         <p:nvPicPr>
-          <p:cNvPr id="7" name="Εικόνα 6">
+          <p:cNvPr id="9" name="Εικόνα 8" descr="Εικόνα που περιέχει κείμενο, ηλεκτρονικές συσκευές, αριθμομηχανή&#10;&#10;Περιγραφή που δημιουργήθηκε αυτόματα">
             <a:extLst>
               <a:ext uri="{FF2B5EF4-FFF2-40B4-BE49-F238E27FC236}">
-                <a16:creationId xmlns:a16="http://schemas.microsoft.com/office/drawing/2014/main" id="{5019BB2C-94FE-17C4-CE3A-0F0E76C43369}"/>
+                <a16:creationId xmlns:a16="http://schemas.microsoft.com/office/drawing/2014/main" id="{B46E2FA3-DC27-554E-7502-A33331EF1426}"/>
               </a:ext>
             </a:extLst>
           </p:cNvPr>
@@ -10489,14 +10465,106 @@
         </p:blipFill>
         <p:spPr>
           <a:xfrm>
-            <a:off x="6096000" y="1621646"/>
-            <a:ext cx="5762280" cy="4154105"/>
+            <a:off x="604434" y="3537451"/>
+            <a:ext cx="5194926" cy="2106604"/>
+          </a:xfrm>
+          <a:prstGeom prst="roundRect">
+            <a:avLst>
+              <a:gd name="adj" fmla="val 8594"/>
+            </a:avLst>
+          </a:prstGeom>
+          <a:solidFill>
+            <a:srgbClr val="FFFFFF">
+              <a:shade val="85000"/>
+            </a:srgbClr>
+          </a:solidFill>
+          <a:ln>
+            <a:noFill/>
+          </a:ln>
+          <a:effectLst>
+            <a:reflection blurRad="12700" stA="38000" endPos="28000" dist="5000" dir="5400000" sy="-100000" algn="bl" rotWithShape="0"/>
+          </a:effectLst>
+        </p:spPr>
+      </p:pic>
+      <p:sp>
+        <p:nvSpPr>
+          <p:cNvPr id="10" name="TextBox 9">
+            <a:extLst>
+              <a:ext uri="{FF2B5EF4-FFF2-40B4-BE49-F238E27FC236}">
+                <a16:creationId xmlns:a16="http://schemas.microsoft.com/office/drawing/2014/main" id="{0EAFBA17-7CBE-AE1A-E387-B93D069BACA6}"/>
+              </a:ext>
+            </a:extLst>
+          </p:cNvPr>
+          <p:cNvSpPr txBox="1"/>
+          <p:nvPr/>
+        </p:nvSpPr>
+        <p:spPr>
+          <a:xfrm>
+            <a:off x="3103557" y="6201006"/>
+            <a:ext cx="6684580" cy="399393"/>
           </a:xfrm>
           <a:prstGeom prst="rect">
             <a:avLst/>
           </a:prstGeom>
         </p:spPr>
-      </p:pic>
+        <p:txBody>
+          <a:bodyPr vert="horz" wrap="square" lIns="91440" tIns="45720" rIns="91440" bIns="45720" rtlCol="0">
+            <a:noAutofit/>
+          </a:bodyPr>
+          <a:lstStyle/>
+          <a:p>
+            <a:pPr marL="0" indent="0" algn="l">
+              <a:lnSpc>
+                <a:spcPts val="1800"/>
+              </a:lnSpc>
+              <a:spcAft>
+                <a:spcPts val="600"/>
+              </a:spcAft>
+              <a:buNone/>
+            </a:pPr>
+            <a:r>
+              <a:rPr lang="en-US" sz="1600" dirty="0">
+                <a:solidFill>
+                  <a:prstClr val="black">
+                    <a:lumMod val="75000"/>
+                    <a:lumOff val="25000"/>
+                  </a:prstClr>
+                </a:solidFill>
+                <a:latin typeface="Segoe UI" panose="020B0502040204020203" pitchFamily="34" charset="0"/>
+                <a:cs typeface="Segoe UI" panose="020B0502040204020203" pitchFamily="34" charset="0"/>
+              </a:rPr>
+              <a:t>Video level classification </a:t>
+            </a:r>
+            <a:r>
+              <a:rPr lang="en-US" sz="1600" dirty="0">
+                <a:solidFill>
+                  <a:prstClr val="black">
+                    <a:lumMod val="75000"/>
+                    <a:lumOff val="25000"/>
+                  </a:prstClr>
+                </a:solidFill>
+                <a:latin typeface="Segoe UI" panose="020B0502040204020203" pitchFamily="34" charset="0"/>
+                <a:cs typeface="Segoe UI" panose="020B0502040204020203" pitchFamily="34" charset="0"/>
+                <a:sym typeface="Wingdings" panose="05000000000000000000" pitchFamily="2" charset="2"/>
+              </a:rPr>
+              <a:t></a:t>
+            </a:r>
+            <a:r>
+              <a:rPr lang="en-US" sz="1600" dirty="0">
+                <a:solidFill>
+                  <a:prstClr val="black">
+                    <a:lumMod val="75000"/>
+                    <a:lumOff val="25000"/>
+                  </a:prstClr>
+                </a:solidFill>
+                <a:latin typeface="Segoe UI" panose="020B0502040204020203" pitchFamily="34" charset="0"/>
+                <a:cs typeface="Segoe UI" panose="020B0502040204020203" pitchFamily="34" charset="0"/>
+              </a:rPr>
+              <a:t> Combine predictions of all segments.</a:t>
+            </a:r>
+          </a:p>
+        </p:txBody>
+      </p:sp>
     </p:spTree>
     <p:extLst>
       <p:ext uri="{BB962C8B-B14F-4D97-AF65-F5344CB8AC3E}">
@@ -10511,6 +10579,112 @@
 </file>
 
 <file path=ppt/slides/slide24.xml><?xml version="1.0" encoding="utf-8"?>
+<p:sld xmlns:a="http://schemas.openxmlformats.org/drawingml/2006/main" xmlns:r="http://schemas.openxmlformats.org/officeDocument/2006/relationships" xmlns:p="http://schemas.openxmlformats.org/presentationml/2006/main">
+  <p:cSld>
+    <p:spTree>
+      <p:nvGrpSpPr>
+        <p:cNvPr id="1" name=""/>
+        <p:cNvGrpSpPr/>
+        <p:nvPr/>
+      </p:nvGrpSpPr>
+      <p:grpSpPr>
+        <a:xfrm>
+          <a:off x="0" y="0"/>
+          <a:ext cx="0" cy="0"/>
+          <a:chOff x="0" y="0"/>
+          <a:chExt cx="0" cy="0"/>
+        </a:xfrm>
+      </p:grpSpPr>
+      <p:pic>
+        <p:nvPicPr>
+          <p:cNvPr id="5" name="Εικόνα 4">
+            <a:extLst>
+              <a:ext uri="{FF2B5EF4-FFF2-40B4-BE49-F238E27FC236}">
+                <a16:creationId xmlns:a16="http://schemas.microsoft.com/office/drawing/2014/main" id="{123DB660-22E7-B0E8-9F62-F891F616CC83}"/>
+              </a:ext>
+            </a:extLst>
+          </p:cNvPr>
+          <p:cNvPicPr>
+            <a:picLocks noChangeAspect="1"/>
+          </p:cNvPicPr>
+          <p:nvPr/>
+        </p:nvPicPr>
+        <p:blipFill>
+          <a:blip r:embed="rId2"/>
+          <a:stretch>
+            <a:fillRect/>
+          </a:stretch>
+        </p:blipFill>
+        <p:spPr>
+          <a:xfrm>
+            <a:off x="604433" y="1776334"/>
+            <a:ext cx="10983131" cy="4228505"/>
+          </a:xfrm>
+          <a:prstGeom prst="roundRect">
+            <a:avLst>
+              <a:gd name="adj" fmla="val 8594"/>
+            </a:avLst>
+          </a:prstGeom>
+          <a:solidFill>
+            <a:srgbClr val="FFFFFF">
+              <a:shade val="85000"/>
+            </a:srgbClr>
+          </a:solidFill>
+          <a:ln>
+            <a:noFill/>
+          </a:ln>
+          <a:effectLst>
+            <a:reflection blurRad="12700" stA="38000" endPos="28000" dist="5000" dir="5400000" sy="-100000" algn="bl" rotWithShape="0"/>
+          </a:effectLst>
+        </p:spPr>
+      </p:pic>
+      <p:sp>
+        <p:nvSpPr>
+          <p:cNvPr id="10" name="Title 2">
+            <a:extLst>
+              <a:ext uri="{FF2B5EF4-FFF2-40B4-BE49-F238E27FC236}">
+                <a16:creationId xmlns:a16="http://schemas.microsoft.com/office/drawing/2014/main" id="{DBD63949-D3A3-0CEA-30CD-C7D0C4D70E4B}"/>
+              </a:ext>
+            </a:extLst>
+          </p:cNvPr>
+          <p:cNvSpPr>
+            <a:spLocks noGrp="1"/>
+          </p:cNvSpPr>
+          <p:nvPr>
+            <p:ph type="title"/>
+          </p:nvPr>
+        </p:nvSpPr>
+        <p:spPr>
+          <a:xfrm>
+            <a:off x="604434" y="448628"/>
+            <a:ext cx="10983132" cy="747763"/>
+          </a:xfrm>
+        </p:spPr>
+        <p:txBody>
+          <a:bodyPr/>
+          <a:lstStyle/>
+          <a:p>
+            <a:r>
+              <a:rPr lang="en-US" dirty="0"/>
+              <a:t>DEMO</a:t>
+            </a:r>
+          </a:p>
+        </p:txBody>
+      </p:sp>
+    </p:spTree>
+    <p:extLst>
+      <p:ext uri="{BB962C8B-B14F-4D97-AF65-F5344CB8AC3E}">
+        <p14:creationId xmlns:p14="http://schemas.microsoft.com/office/powerpoint/2010/main" val="1065723275"/>
+      </p:ext>
+    </p:extLst>
+  </p:cSld>
+  <p:clrMapOvr>
+    <a:masterClrMapping/>
+  </p:clrMapOvr>
+</p:sld>
+</file>
+
+<file path=ppt/slides/slide25.xml><?xml version="1.0" encoding="utf-8"?>
 <p:sld xmlns:a="http://schemas.openxmlformats.org/drawingml/2006/main" xmlns:r="http://schemas.openxmlformats.org/officeDocument/2006/relationships" xmlns:p="http://schemas.openxmlformats.org/presentationml/2006/main">
   <p:cSld>
     <p:spTree>
